--- a/dds_project_ppt.pptx
+++ b/dds_project_ppt.pptx
@@ -5,10 +5,10 @@
     <p:sldMasterId id="2147483678" r:id="rId1"/>
   </p:sldMasterIdLst>
   <p:notesMasterIdLst>
-    <p:notesMasterId r:id="rId27"/>
+    <p:notesMasterId r:id="rId28"/>
   </p:notesMasterIdLst>
   <p:handoutMasterIdLst>
-    <p:handoutMasterId r:id="rId28"/>
+    <p:handoutMasterId r:id="rId29"/>
   </p:handoutMasterIdLst>
   <p:sldIdLst>
     <p:sldId id="264" r:id="rId2"/>
@@ -21,21 +21,22 @@
     <p:sldId id="289" r:id="rId9"/>
     <p:sldId id="296" r:id="rId10"/>
     <p:sldId id="297" r:id="rId11"/>
-    <p:sldId id="298" r:id="rId12"/>
-    <p:sldId id="278" r:id="rId13"/>
-    <p:sldId id="299" r:id="rId14"/>
-    <p:sldId id="300" r:id="rId15"/>
-    <p:sldId id="301" r:id="rId16"/>
-    <p:sldId id="302" r:id="rId17"/>
-    <p:sldId id="303" r:id="rId18"/>
-    <p:sldId id="304" r:id="rId19"/>
-    <p:sldId id="305" r:id="rId20"/>
-    <p:sldId id="306" r:id="rId21"/>
-    <p:sldId id="307" r:id="rId22"/>
-    <p:sldId id="308" r:id="rId23"/>
-    <p:sldId id="309" r:id="rId24"/>
-    <p:sldId id="310" r:id="rId25"/>
-    <p:sldId id="267" r:id="rId26"/>
+    <p:sldId id="311" r:id="rId12"/>
+    <p:sldId id="298" r:id="rId13"/>
+    <p:sldId id="278" r:id="rId14"/>
+    <p:sldId id="299" r:id="rId15"/>
+    <p:sldId id="300" r:id="rId16"/>
+    <p:sldId id="301" r:id="rId17"/>
+    <p:sldId id="302" r:id="rId18"/>
+    <p:sldId id="303" r:id="rId19"/>
+    <p:sldId id="304" r:id="rId20"/>
+    <p:sldId id="305" r:id="rId21"/>
+    <p:sldId id="306" r:id="rId22"/>
+    <p:sldId id="307" r:id="rId23"/>
+    <p:sldId id="308" r:id="rId24"/>
+    <p:sldId id="309" r:id="rId25"/>
+    <p:sldId id="310" r:id="rId26"/>
+    <p:sldId id="267" r:id="rId27"/>
   </p:sldIdLst>
   <p:sldSz cx="9144000" cy="6858000" type="screen4x3"/>
   <p:notesSz cx="6858000" cy="9144000"/>
@@ -179,6 +180,7 @@
             <p14:sldId id="289"/>
             <p14:sldId id="296"/>
             <p14:sldId id="297"/>
+            <p14:sldId id="311"/>
             <p14:sldId id="298"/>
             <p14:sldId id="278"/>
             <p14:sldId id="299"/>
@@ -285,14 +287,14 @@
           </a:ln>
           <a:extLst>
             <a:ext uri="{909E8E84-426E-40dd-AFC4-6F175D3DCCD1}">
-              <a14:hiddenFill xmlns="" xmlns:a14="http://schemas.microsoft.com/office/drawing/2010/main">
+              <a14:hiddenFill xmlns:a14="http://schemas.microsoft.com/office/drawing/2010/main" xmlns="">
                 <a:solidFill>
                   <a:schemeClr val="accent1"/>
                 </a:solidFill>
               </a14:hiddenFill>
             </a:ext>
             <a:ext uri="{91240B29-F687-4f45-9708-019B960494DF}">
-              <a14:hiddenLine xmlns="" xmlns:a14="http://schemas.microsoft.com/office/drawing/2010/main" w="9525">
+              <a14:hiddenLine xmlns:a14="http://schemas.microsoft.com/office/drawing/2010/main" xmlns="" w="9525">
                 <a:solidFill>
                   <a:schemeClr val="tx1"/>
                 </a:solidFill>
@@ -302,7 +304,7 @@
               </a14:hiddenLine>
             </a:ext>
             <a:ext uri="{FAA26D3D-D897-4be2-8F04-BA451C77F1D7}">
-              <ma14:placeholderFlag xmlns="" xmlns:ma14="http://schemas.microsoft.com/office/mac/drawingml/2011/main" val="1"/>
+              <ma14:placeholderFlag xmlns:ma14="http://schemas.microsoft.com/office/mac/drawingml/2011/main" xmlns="" val="1"/>
             </a:ext>
           </a:extLst>
         </p:spPr>
@@ -365,14 +367,14 @@
           </a:ln>
           <a:extLst>
             <a:ext uri="{909E8E84-426E-40dd-AFC4-6F175D3DCCD1}">
-              <a14:hiddenFill xmlns="" xmlns:a14="http://schemas.microsoft.com/office/drawing/2010/main">
+              <a14:hiddenFill xmlns:a14="http://schemas.microsoft.com/office/drawing/2010/main" xmlns="">
                 <a:solidFill>
                   <a:schemeClr val="accent1"/>
                 </a:solidFill>
               </a14:hiddenFill>
             </a:ext>
             <a:ext uri="{91240B29-F687-4f45-9708-019B960494DF}">
-              <a14:hiddenLine xmlns="" xmlns:a14="http://schemas.microsoft.com/office/drawing/2010/main" w="9525">
+              <a14:hiddenLine xmlns:a14="http://schemas.microsoft.com/office/drawing/2010/main" xmlns="" w="9525">
                 <a:solidFill>
                   <a:schemeClr val="tx1"/>
                 </a:solidFill>
@@ -382,7 +384,7 @@
               </a14:hiddenLine>
             </a:ext>
             <a:ext uri="{FAA26D3D-D897-4be2-8F04-BA451C77F1D7}">
-              <ma14:placeholderFlag xmlns="" xmlns:ma14="http://schemas.microsoft.com/office/mac/drawingml/2011/main" val="1"/>
+              <ma14:placeholderFlag xmlns:ma14="http://schemas.microsoft.com/office/mac/drawingml/2011/main" xmlns="" val="1"/>
             </a:ext>
           </a:extLst>
         </p:spPr>
@@ -442,14 +444,14 @@
           </a:ln>
           <a:extLst>
             <a:ext uri="{909E8E84-426E-40dd-AFC4-6F175D3DCCD1}">
-              <a14:hiddenFill xmlns="" xmlns:a14="http://schemas.microsoft.com/office/drawing/2010/main">
+              <a14:hiddenFill xmlns:a14="http://schemas.microsoft.com/office/drawing/2010/main" xmlns="">
                 <a:solidFill>
                   <a:schemeClr val="accent1"/>
                 </a:solidFill>
               </a14:hiddenFill>
             </a:ext>
             <a:ext uri="{91240B29-F687-4f45-9708-019B960494DF}">
-              <a14:hiddenLine xmlns="" xmlns:a14="http://schemas.microsoft.com/office/drawing/2010/main" w="9525">
+              <a14:hiddenLine xmlns:a14="http://schemas.microsoft.com/office/drawing/2010/main" xmlns="" w="9525">
                 <a:solidFill>
                   <a:schemeClr val="tx1"/>
                 </a:solidFill>
@@ -459,7 +461,7 @@
               </a14:hiddenLine>
             </a:ext>
             <a:ext uri="{FAA26D3D-D897-4be2-8F04-BA451C77F1D7}">
-              <ma14:placeholderFlag xmlns="" xmlns:ma14="http://schemas.microsoft.com/office/mac/drawingml/2011/main" val="1"/>
+              <ma14:placeholderFlag xmlns:ma14="http://schemas.microsoft.com/office/mac/drawingml/2011/main" xmlns="" val="1"/>
             </a:ext>
           </a:extLst>
         </p:spPr>
@@ -522,14 +524,14 @@
           </a:ln>
           <a:extLst>
             <a:ext uri="{909E8E84-426E-40dd-AFC4-6F175D3DCCD1}">
-              <a14:hiddenFill xmlns="" xmlns:a14="http://schemas.microsoft.com/office/drawing/2010/main">
+              <a14:hiddenFill xmlns:a14="http://schemas.microsoft.com/office/drawing/2010/main" xmlns="">
                 <a:solidFill>
                   <a:schemeClr val="accent1"/>
                 </a:solidFill>
               </a14:hiddenFill>
             </a:ext>
             <a:ext uri="{91240B29-F687-4f45-9708-019B960494DF}">
-              <a14:hiddenLine xmlns="" xmlns:a14="http://schemas.microsoft.com/office/drawing/2010/main" w="9525">
+              <a14:hiddenLine xmlns:a14="http://schemas.microsoft.com/office/drawing/2010/main" xmlns="" w="9525">
                 <a:solidFill>
                   <a:schemeClr val="tx1"/>
                 </a:solidFill>
@@ -539,7 +541,7 @@
               </a14:hiddenLine>
             </a:ext>
             <a:ext uri="{FAA26D3D-D897-4be2-8F04-BA451C77F1D7}">
-              <ma14:placeholderFlag xmlns="" xmlns:ma14="http://schemas.microsoft.com/office/mac/drawingml/2011/main" val="1"/>
+              <ma14:placeholderFlag xmlns:ma14="http://schemas.microsoft.com/office/mac/drawingml/2011/main" xmlns="" val="1"/>
             </a:ext>
           </a:extLst>
         </p:spPr>
@@ -636,14 +638,14 @@
           </a:ln>
           <a:extLst>
             <a:ext uri="{909E8E84-426E-40dd-AFC4-6F175D3DCCD1}">
-              <a14:hiddenFill xmlns="" xmlns:a14="http://schemas.microsoft.com/office/drawing/2010/main">
+              <a14:hiddenFill xmlns:a14="http://schemas.microsoft.com/office/drawing/2010/main" xmlns="">
                 <a:solidFill>
                   <a:schemeClr val="accent1"/>
                 </a:solidFill>
               </a14:hiddenFill>
             </a:ext>
             <a:ext uri="{91240B29-F687-4f45-9708-019B960494DF}">
-              <a14:hiddenLine xmlns="" xmlns:a14="http://schemas.microsoft.com/office/drawing/2010/main" w="9525">
+              <a14:hiddenLine xmlns:a14="http://schemas.microsoft.com/office/drawing/2010/main" xmlns="" w="9525">
                 <a:solidFill>
                   <a:schemeClr val="tx1"/>
                 </a:solidFill>
@@ -653,7 +655,7 @@
               </a14:hiddenLine>
             </a:ext>
             <a:ext uri="{FAA26D3D-D897-4be2-8F04-BA451C77F1D7}">
-              <ma14:placeholderFlag xmlns="" xmlns:ma14="http://schemas.microsoft.com/office/mac/drawingml/2011/main" val="1"/>
+              <ma14:placeholderFlag xmlns:ma14="http://schemas.microsoft.com/office/mac/drawingml/2011/main" xmlns="" val="1"/>
             </a:ext>
           </a:extLst>
         </p:spPr>
@@ -716,14 +718,14 @@
           </a:ln>
           <a:extLst>
             <a:ext uri="{909E8E84-426E-40dd-AFC4-6F175D3DCCD1}">
-              <a14:hiddenFill xmlns="" xmlns:a14="http://schemas.microsoft.com/office/drawing/2010/main">
+              <a14:hiddenFill xmlns:a14="http://schemas.microsoft.com/office/drawing/2010/main" xmlns="">
                 <a:solidFill>
                   <a:schemeClr val="accent1"/>
                 </a:solidFill>
               </a14:hiddenFill>
             </a:ext>
             <a:ext uri="{91240B29-F687-4f45-9708-019B960494DF}">
-              <a14:hiddenLine xmlns="" xmlns:a14="http://schemas.microsoft.com/office/drawing/2010/main" w="9525">
+              <a14:hiddenLine xmlns:a14="http://schemas.microsoft.com/office/drawing/2010/main" xmlns="" w="9525">
                 <a:solidFill>
                   <a:schemeClr val="tx1"/>
                 </a:solidFill>
@@ -733,7 +735,7 @@
               </a14:hiddenLine>
             </a:ext>
             <a:ext uri="{FAA26D3D-D897-4be2-8F04-BA451C77F1D7}">
-              <ma14:placeholderFlag xmlns="" xmlns:ma14="http://schemas.microsoft.com/office/mac/drawingml/2011/main" val="1"/>
+              <ma14:placeholderFlag xmlns:ma14="http://schemas.microsoft.com/office/mac/drawingml/2011/main" xmlns="" val="1"/>
             </a:ext>
           </a:extLst>
         </p:spPr>
@@ -799,7 +801,7 @@
           <a:effectLst/>
           <a:extLst>
             <a:ext uri="{AF507438-7753-43e0-B8FC-AC1667EBCBE1}">
-              <a14:hiddenEffects xmlns="" xmlns:a14="http://schemas.microsoft.com/office/drawing/2010/main">
+              <a14:hiddenEffects xmlns:a14="http://schemas.microsoft.com/office/drawing/2010/main" xmlns="">
                 <a:effectLst>
                   <a:outerShdw blurRad="63500" dist="38099" dir="2700000" algn="ctr" rotWithShape="0">
                     <a:srgbClr val="000000">
@@ -810,7 +812,7 @@
               </a14:hiddenEffects>
             </a:ext>
             <a:ext uri="{53640926-AAD7-44d8-BBD7-CCE9431645EC}">
-              <a14:shadowObscured xmlns="" xmlns:a14="http://schemas.microsoft.com/office/drawing/2010/main" val="1"/>
+              <a14:shadowObscured xmlns:a14="http://schemas.microsoft.com/office/drawing/2010/main" xmlns="" val="1"/>
             </a:ext>
           </a:extLst>
         </p:spPr>
@@ -845,14 +847,14 @@
           </a:ln>
           <a:extLst>
             <a:ext uri="{909E8E84-426E-40dd-AFC4-6F175D3DCCD1}">
-              <a14:hiddenFill xmlns="" xmlns:a14="http://schemas.microsoft.com/office/drawing/2010/main">
+              <a14:hiddenFill xmlns:a14="http://schemas.microsoft.com/office/drawing/2010/main" xmlns="">
                 <a:solidFill>
                   <a:schemeClr val="accent1"/>
                 </a:solidFill>
               </a14:hiddenFill>
             </a:ext>
             <a:ext uri="{91240B29-F687-4f45-9708-019B960494DF}">
-              <a14:hiddenLine xmlns="" xmlns:a14="http://schemas.microsoft.com/office/drawing/2010/main" w="9525">
+              <a14:hiddenLine xmlns:a14="http://schemas.microsoft.com/office/drawing/2010/main" xmlns="" w="9525">
                 <a:solidFill>
                   <a:schemeClr val="tx1"/>
                 </a:solidFill>
@@ -862,7 +864,7 @@
               </a14:hiddenLine>
             </a:ext>
             <a:ext uri="{FAA26D3D-D897-4be2-8F04-BA451C77F1D7}">
-              <ma14:placeholderFlag xmlns="" xmlns:ma14="http://schemas.microsoft.com/office/mac/drawingml/2011/main" val="1"/>
+              <ma14:placeholderFlag xmlns:ma14="http://schemas.microsoft.com/office/mac/drawingml/2011/main" xmlns="" val="1"/>
             </a:ext>
           </a:extLst>
         </p:spPr>
@@ -940,14 +942,14 @@
           </a:ln>
           <a:extLst>
             <a:ext uri="{909E8E84-426E-40dd-AFC4-6F175D3DCCD1}">
-              <a14:hiddenFill xmlns="" xmlns:a14="http://schemas.microsoft.com/office/drawing/2010/main">
+              <a14:hiddenFill xmlns:a14="http://schemas.microsoft.com/office/drawing/2010/main" xmlns="">
                 <a:solidFill>
                   <a:schemeClr val="accent1"/>
                 </a:solidFill>
               </a14:hiddenFill>
             </a:ext>
             <a:ext uri="{91240B29-F687-4f45-9708-019B960494DF}">
-              <a14:hiddenLine xmlns="" xmlns:a14="http://schemas.microsoft.com/office/drawing/2010/main" w="9525">
+              <a14:hiddenLine xmlns:a14="http://schemas.microsoft.com/office/drawing/2010/main" xmlns="" w="9525">
                 <a:solidFill>
                   <a:schemeClr val="tx1"/>
                 </a:solidFill>
@@ -957,7 +959,7 @@
               </a14:hiddenLine>
             </a:ext>
             <a:ext uri="{FAA26D3D-D897-4be2-8F04-BA451C77F1D7}">
-              <ma14:placeholderFlag xmlns="" xmlns:ma14="http://schemas.microsoft.com/office/mac/drawingml/2011/main" val="1"/>
+              <ma14:placeholderFlag xmlns:ma14="http://schemas.microsoft.com/office/mac/drawingml/2011/main" xmlns="" val="1"/>
             </a:ext>
           </a:extLst>
         </p:spPr>
@@ -1020,14 +1022,14 @@
           </a:ln>
           <a:extLst>
             <a:ext uri="{909E8E84-426E-40dd-AFC4-6F175D3DCCD1}">
-              <a14:hiddenFill xmlns="" xmlns:a14="http://schemas.microsoft.com/office/drawing/2010/main">
+              <a14:hiddenFill xmlns:a14="http://schemas.microsoft.com/office/drawing/2010/main" xmlns="">
                 <a:solidFill>
                   <a:schemeClr val="accent1"/>
                 </a:solidFill>
               </a14:hiddenFill>
             </a:ext>
             <a:ext uri="{91240B29-F687-4f45-9708-019B960494DF}">
-              <a14:hiddenLine xmlns="" xmlns:a14="http://schemas.microsoft.com/office/drawing/2010/main" w="9525">
+              <a14:hiddenLine xmlns:a14="http://schemas.microsoft.com/office/drawing/2010/main" xmlns="" w="9525">
                 <a:solidFill>
                   <a:schemeClr val="tx1"/>
                 </a:solidFill>
@@ -1037,7 +1039,7 @@
               </a14:hiddenLine>
             </a:ext>
             <a:ext uri="{FAA26D3D-D897-4be2-8F04-BA451C77F1D7}">
-              <ma14:placeholderFlag xmlns="" xmlns:ma14="http://schemas.microsoft.com/office/mac/drawingml/2011/main" val="1"/>
+              <ma14:placeholderFlag xmlns:ma14="http://schemas.microsoft.com/office/mac/drawingml/2011/main" xmlns="" val="1"/>
             </a:ext>
           </a:extLst>
         </p:spPr>
@@ -1238,7 +1240,7 @@
           <a:ln/>
           <a:extLst>
             <a:ext uri="{FAA26D3D-D897-4be2-8F04-BA451C77F1D7}">
-              <ma14:placeholderFlag xmlns="" xmlns:ma14="http://schemas.microsoft.com/office/mac/drawingml/2011/main" val="1"/>
+              <ma14:placeholderFlag xmlns:ma14="http://schemas.microsoft.com/office/mac/drawingml/2011/main" xmlns="" val="1"/>
             </a:ext>
           </a:extLst>
         </p:spPr>
@@ -1525,7 +1527,7 @@
           <a:ln/>
           <a:extLst>
             <a:ext uri="{FAA26D3D-D897-4be2-8F04-BA451C77F1D7}">
-              <ma14:placeholderFlag xmlns="" xmlns:ma14="http://schemas.microsoft.com/office/mac/drawingml/2011/main" val="1"/>
+              <ma14:placeholderFlag xmlns:ma14="http://schemas.microsoft.com/office/mac/drawingml/2011/main" xmlns="" val="1"/>
             </a:ext>
           </a:extLst>
         </p:spPr>
@@ -4640,7 +4642,7 @@
           <a:effectLst/>
           <a:extLst>
             <a:ext uri="{AF507438-7753-43e0-B8FC-AC1667EBCBE1}">
-              <a14:hiddenEffects xmlns="" xmlns:a14="http://schemas.microsoft.com/office/drawing/2010/main">
+              <a14:hiddenEffects xmlns:a14="http://schemas.microsoft.com/office/drawing/2010/main" xmlns="">
                 <a:effectLst>
                   <a:outerShdw blurRad="63500" dist="38099" dir="2700000" algn="ctr" rotWithShape="0">
                     <a:srgbClr val="000000">
@@ -5152,7 +5154,7 @@
               <a:rPr lang="en-GB" altLang="en-US" dirty="0">
                 <a:latin typeface="Calibri" panose="020F0502020204030204" pitchFamily="34" charset="0"/>
               </a:rPr>
-              <a:t> algorithm</a:t>
+              <a:t> Algorithm</a:t>
             </a:r>
           </a:p>
         </p:txBody>
@@ -5179,38 +5181,8 @@
         </p:blipFill>
         <p:spPr>
           <a:xfrm>
-            <a:off x="827584" y="1729593"/>
-            <a:ext cx="3673158" cy="1699407"/>
-          </a:xfrm>
-          <a:prstGeom prst="rect">
-            <a:avLst/>
-          </a:prstGeom>
-        </p:spPr>
-      </p:pic>
-      <p:pic>
-        <p:nvPicPr>
-          <p:cNvPr id="7" name="Immagine 6" descr="Immagine che contiene testo, Carattere, schermata, algebra&#10;&#10;Descrizione generata automaticamente">
-            <a:extLst>
-              <a:ext uri="{FF2B5EF4-FFF2-40B4-BE49-F238E27FC236}">
-                <a16:creationId xmlns:a16="http://schemas.microsoft.com/office/drawing/2014/main" id="{C0597DCC-1787-FC8D-B8D1-B77EDDD1CED9}"/>
-              </a:ext>
-            </a:extLst>
-          </p:cNvPr>
-          <p:cNvPicPr>
-            <a:picLocks noChangeAspect="1"/>
-          </p:cNvPicPr>
-          <p:nvPr/>
-        </p:nvPicPr>
-        <p:blipFill>
-          <a:blip r:embed="rId3"/>
-          <a:stretch>
-            <a:fillRect/>
-          </a:stretch>
-        </p:blipFill>
-        <p:spPr>
-          <a:xfrm>
-            <a:off x="4211960" y="3284984"/>
-            <a:ext cx="4023709" cy="2682472"/>
+            <a:off x="1770469" y="2132856"/>
+            <a:ext cx="5603062" cy="2592288"/>
           </a:xfrm>
           <a:prstGeom prst="rect">
             <a:avLst/>
@@ -5269,173 +5241,56 @@
           <a:lstStyle/>
           <a:p>
             <a:r>
-              <a:rPr lang="it-IT" dirty="0" err="1"/>
-              <a:t>Our</a:t>
-            </a:r>
-            <a:r>
-              <a:rPr lang="it-IT" dirty="0"/>
-              <a:t> </a:t>
-            </a:r>
-            <a:r>
-              <a:rPr lang="it-IT" dirty="0" err="1"/>
-              <a:t>dependability</a:t>
-            </a:r>
-            <a:r>
-              <a:rPr lang="it-IT" dirty="0"/>
-              <a:t> </a:t>
-            </a:r>
-            <a:r>
-              <a:rPr lang="it-IT" dirty="0" err="1"/>
-              <a:t>evaluation</a:t>
-            </a:r>
-            <a:endParaRPr lang="en-GB" altLang="en-US" dirty="0">
-              <a:latin typeface="Calibri" panose="020F0502020204030204" pitchFamily="34" charset="0"/>
-            </a:endParaRPr>
+              <a:rPr lang="en-GB" altLang="en-US" dirty="0" err="1">
+                <a:latin typeface="Calibri" panose="020F0502020204030204" pitchFamily="34" charset="0"/>
+              </a:rPr>
+              <a:t>WildFire</a:t>
+            </a:r>
+            <a:r>
+              <a:rPr lang="en-GB" altLang="en-US" dirty="0">
+                <a:latin typeface="Calibri" panose="020F0502020204030204" pitchFamily="34" charset="0"/>
+              </a:rPr>
+              <a:t> Algorithm</a:t>
+            </a:r>
           </a:p>
         </p:txBody>
       </p:sp>
-      <p:sp>
-        <p:nvSpPr>
-          <p:cNvPr id="22530" name="Segnaposto contenuto 2">
+      <p:pic>
+        <p:nvPicPr>
+          <p:cNvPr id="2" name="Immagine 1" descr="Immagine che contiene testo, Carattere, schermata, algebra&#10;&#10;Descrizione generata automaticamente">
             <a:extLst>
               <a:ext uri="{FF2B5EF4-FFF2-40B4-BE49-F238E27FC236}">
-                <a16:creationId xmlns:a16="http://schemas.microsoft.com/office/drawing/2014/main" id="{0BC2DCE9-4E1F-8EF3-17AF-A32CEA100DE1}"/>
+                <a16:creationId xmlns:a16="http://schemas.microsoft.com/office/drawing/2014/main" id="{4E74DB5C-2753-F045-71EE-B748A5982D22}"/>
               </a:ext>
             </a:extLst>
           </p:cNvPr>
-          <p:cNvSpPr>
-            <a:spLocks noGrp="1"/>
-          </p:cNvSpPr>
-          <p:nvPr>
-            <p:ph idx="1"/>
-          </p:nvPr>
-        </p:nvSpPr>
+          <p:cNvPicPr>
+            <a:picLocks noChangeAspect="1"/>
+          </p:cNvPicPr>
+          <p:nvPr/>
+        </p:nvPicPr>
+        <p:blipFill>
+          <a:blip r:embed="rId2"/>
+          <a:stretch>
+            <a:fillRect/>
+          </a:stretch>
+        </p:blipFill>
         <p:spPr>
           <a:xfrm>
-            <a:off x="971600" y="2132856"/>
-            <a:ext cx="6913512" cy="3404592"/>
+            <a:off x="2341936" y="1942291"/>
+            <a:ext cx="4460127" cy="2973417"/>
           </a:xfrm>
+          <a:prstGeom prst="rect">
+            <a:avLst/>
+          </a:prstGeom>
         </p:spPr>
-        <p:txBody>
-          <a:bodyPr/>
-          <a:lstStyle/>
-          <a:p>
-            <a:r>
-              <a:rPr lang="en-GB" altLang="en-US" sz="1800" b="1" dirty="0">
-                <a:latin typeface="Calibri" panose="020F0502020204030204" pitchFamily="34" charset="0"/>
-              </a:rPr>
-              <a:t>Performance</a:t>
-            </a:r>
-            <a:r>
-              <a:rPr lang="en-GB" altLang="en-US" sz="1800" dirty="0">
-                <a:latin typeface="Calibri" panose="020F0502020204030204" pitchFamily="34" charset="0"/>
-              </a:rPr>
-              <a:t> evaluation </a:t>
-            </a:r>
-          </a:p>
-          <a:p>
-            <a:r>
-              <a:rPr lang="en-GB" altLang="en-US" sz="1800" b="1" dirty="0">
-                <a:latin typeface="Calibri" panose="020F0502020204030204" pitchFamily="34" charset="0"/>
-              </a:rPr>
-              <a:t>Functionality</a:t>
-            </a:r>
-            <a:r>
-              <a:rPr lang="en-GB" altLang="en-US" sz="1800" dirty="0">
-                <a:latin typeface="Calibri" panose="020F0502020204030204" pitchFamily="34" charset="0"/>
-              </a:rPr>
-              <a:t> requirements guaranteed by the theorems in the paper</a:t>
-            </a:r>
-          </a:p>
-          <a:p>
-            <a:pPr marL="0" indent="0">
-              <a:buNone/>
-            </a:pPr>
-            <a:endParaRPr lang="en-GB" altLang="en-US" sz="1800" dirty="0">
-              <a:latin typeface="Calibri" panose="020F0502020204030204" pitchFamily="34" charset="0"/>
-            </a:endParaRPr>
-          </a:p>
-          <a:p>
-            <a:r>
-              <a:rPr lang="en-GB" altLang="en-US" sz="1800" dirty="0">
-                <a:latin typeface="Calibri" panose="020F0502020204030204" pitchFamily="34" charset="0"/>
-              </a:rPr>
-              <a:t>T</a:t>
-            </a:r>
-            <a:r>
-              <a:rPr lang="en-US" sz="1800" b="0" i="0" dirty="0">
-                <a:effectLst/>
-                <a:latin typeface="+mj-lt"/>
-              </a:rPr>
-              <a:t>he </a:t>
-            </a:r>
-            <a:r>
-              <a:rPr lang="en-US" sz="1800" b="1" i="0" dirty="0">
-                <a:effectLst/>
-                <a:latin typeface="+mj-lt"/>
-              </a:rPr>
-              <a:t>communication cost </a:t>
-            </a:r>
-            <a:r>
-              <a:rPr lang="en-US" sz="1800" b="0" i="0" dirty="0">
-                <a:effectLst/>
-                <a:latin typeface="+mj-lt"/>
-              </a:rPr>
-              <a:t>of the protocol: number of messages exchanged.</a:t>
-            </a:r>
-          </a:p>
-          <a:p>
-            <a:r>
-              <a:rPr lang="en-US" sz="1800" b="0" i="0" dirty="0">
-                <a:effectLst/>
-                <a:latin typeface="+mj-lt"/>
-              </a:rPr>
-              <a:t>The </a:t>
-            </a:r>
-            <a:r>
-              <a:rPr lang="en-US" sz="1800" b="1" i="0" dirty="0">
-                <a:effectLst/>
-                <a:latin typeface="+mj-lt"/>
-              </a:rPr>
-              <a:t>computation cost</a:t>
-            </a:r>
-            <a:r>
-              <a:rPr lang="en-US" sz="1800" b="0" i="0" dirty="0">
-                <a:effectLst/>
-                <a:latin typeface="+mj-lt"/>
-              </a:rPr>
-              <a:t> of a host: the maximum number of messages managed by a host.</a:t>
-            </a:r>
-          </a:p>
-          <a:p>
-            <a:r>
-              <a:rPr lang="en-US" sz="1800" b="0" i="0" dirty="0">
-                <a:effectLst/>
-                <a:latin typeface="+mj-lt"/>
-              </a:rPr>
-              <a:t>The </a:t>
-            </a:r>
-            <a:r>
-              <a:rPr lang="en-US" sz="1800" b="1" i="0" dirty="0">
-                <a:effectLst/>
-                <a:latin typeface="+mj-lt"/>
-              </a:rPr>
-              <a:t>time cost</a:t>
-            </a:r>
-            <a:r>
-              <a:rPr lang="en-US" sz="1800" b="0" i="0" dirty="0">
-                <a:effectLst/>
-                <a:latin typeface="+mj-lt"/>
-              </a:rPr>
-              <a:t> of the protocol: the time to perform the query.</a:t>
-            </a:r>
-            <a:endParaRPr lang="en-GB" altLang="en-US" sz="1800" dirty="0">
-              <a:latin typeface="+mj-lt"/>
-            </a:endParaRPr>
-          </a:p>
-        </p:txBody>
-      </p:sp>
+      </p:pic>
     </p:spTree>
+    <p:extLst>
+      <p:ext uri="{BB962C8B-B14F-4D97-AF65-F5344CB8AC3E}">
+        <p14:creationId xmlns:p14="http://schemas.microsoft.com/office/powerpoint/2010/main" val="4183863503"/>
+      </p:ext>
+    </p:extLst>
   </p:cSld>
   <p:clrMapOvr>
     <a:masterClrMapping/>
@@ -5483,23 +5338,11 @@
           <a:p>
             <a:r>
               <a:rPr lang="it-IT" dirty="0" err="1"/>
-              <a:t>Other</a:t>
+              <a:t>Dependability</a:t>
             </a:r>
             <a:r>
               <a:rPr lang="it-IT" dirty="0"/>
-              <a:t> </a:t>
-            </a:r>
-            <a:r>
-              <a:rPr lang="it-IT" dirty="0" err="1"/>
-              <a:t>dependability</a:t>
-            </a:r>
-            <a:r>
-              <a:rPr lang="it-IT" dirty="0"/>
-              <a:t> </a:t>
-            </a:r>
-            <a:r>
-              <a:rPr lang="it-IT" dirty="0" err="1"/>
-              <a:t>properties</a:t>
+              <a:t> Evaluation</a:t>
             </a:r>
             <a:endParaRPr lang="en-GB" altLang="en-US" dirty="0">
               <a:latin typeface="Calibri" panose="020F0502020204030204" pitchFamily="34" charset="0"/>
@@ -5533,80 +5376,111 @@
           <a:bodyPr/>
           <a:lstStyle/>
           <a:p>
-            <a:r>
-              <a:rPr lang="en-US" sz="1800" b="1" dirty="0"/>
-              <a:t>Availability</a:t>
-            </a:r>
-            <a:r>
-              <a:rPr lang="en-US" sz="1800" dirty="0"/>
-              <a:t>: readiness of correct service ⇒ OK</a:t>
-            </a:r>
-          </a:p>
-          <a:p>
-            <a:r>
-              <a:rPr lang="en-US" sz="1800" b="1" dirty="0"/>
-              <a:t>Reliability</a:t>
-            </a:r>
-            <a:r>
-              <a:rPr lang="en-US" sz="1800" dirty="0"/>
-              <a:t>: continuity of correct service ⇒ OK</a:t>
-            </a:r>
-          </a:p>
-          <a:p>
-            <a:r>
-              <a:rPr lang="en-US" sz="1800" b="1" dirty="0"/>
-              <a:t>Fault Tolerance</a:t>
-            </a:r>
-            <a:r>
-              <a:rPr lang="en-US" sz="1800" dirty="0"/>
-              <a:t>: avoid service failures in the presence of faults. </a:t>
-            </a:r>
-          </a:p>
-          <a:p>
-            <a:pPr lvl="1"/>
-            <a:r>
-              <a:rPr lang="en-US" sz="1800" b="1" dirty="0"/>
-              <a:t>Crashes</a:t>
-            </a:r>
-            <a:r>
-              <a:rPr lang="en-US" sz="1800" dirty="0"/>
-              <a:t>: a host in the system fails ⇒ Single-Site Validity. The system doesn’t recover the host failure and the network, but we got a good result. </a:t>
-            </a:r>
-          </a:p>
-          <a:p>
-            <a:pPr lvl="1"/>
-            <a:r>
-              <a:rPr lang="en-US" sz="1800" b="1" dirty="0"/>
-              <a:t>Byzantine failures</a:t>
-            </a:r>
-            <a:r>
-              <a:rPr lang="en-US" sz="1800" dirty="0"/>
-              <a:t>: a host in the system alters his </a:t>
-            </a:r>
-            <a:r>
-              <a:rPr lang="en-US" sz="1800" dirty="0" err="1"/>
-              <a:t>behaviour</a:t>
-            </a:r>
-            <a:r>
-              <a:rPr lang="en-US" sz="1800" dirty="0"/>
-              <a:t> ⇒ NO.</a:t>
-            </a:r>
-            <a:r>
-              <a:rPr lang="en-US" sz="1000" dirty="0"/>
-              <a:t> </a:t>
-            </a:r>
-            <a:endParaRPr lang="en-GB" altLang="en-US" sz="1400" dirty="0">
+            <a:pPr marL="0" indent="0" algn="ctr">
+              <a:buNone/>
+            </a:pPr>
+            <a:r>
+              <a:rPr lang="en-GB" altLang="en-US" sz="1800" u="sng" dirty="0">
+                <a:latin typeface="Calibri" panose="020F0502020204030204" pitchFamily="34" charset="0"/>
+              </a:rPr>
+              <a:t>Performance</a:t>
+            </a:r>
+            <a:r>
+              <a:rPr lang="en-GB" altLang="en-US" sz="1800" dirty="0">
+                <a:latin typeface="Calibri" panose="020F0502020204030204" pitchFamily="34" charset="0"/>
+              </a:rPr>
+              <a:t> evaluation</a:t>
+            </a:r>
+          </a:p>
+          <a:p>
+            <a:pPr marL="0" indent="0">
+              <a:buNone/>
+            </a:pPr>
+            <a:endParaRPr lang="en-GB" altLang="en-US" sz="1800" dirty="0">
+              <a:latin typeface="Calibri" panose="020F0502020204030204" pitchFamily="34" charset="0"/>
+            </a:endParaRPr>
+          </a:p>
+          <a:p>
+            <a:r>
+              <a:rPr lang="en-GB" altLang="en-US" sz="1800" dirty="0">
+                <a:latin typeface="Calibri" panose="020F0502020204030204" pitchFamily="34" charset="0"/>
+              </a:rPr>
+              <a:t>T</a:t>
+            </a:r>
+            <a:r>
+              <a:rPr lang="en-US" sz="1800" b="0" i="0" dirty="0">
+                <a:effectLst/>
+                <a:latin typeface="+mj-lt"/>
+              </a:rPr>
+              <a:t>he </a:t>
+            </a:r>
+            <a:r>
+              <a:rPr lang="en-US" sz="1800" b="1" i="0" dirty="0">
+                <a:effectLst/>
+                <a:latin typeface="+mj-lt"/>
+              </a:rPr>
+              <a:t>communication cost </a:t>
+            </a:r>
+            <a:r>
+              <a:rPr lang="en-US" sz="1800" b="0" i="0" dirty="0">
+                <a:effectLst/>
+                <a:latin typeface="+mj-lt"/>
+              </a:rPr>
+              <a:t>of the protocol: number of messages exchanged.</a:t>
+            </a:r>
+          </a:p>
+          <a:p>
+            <a:r>
+              <a:rPr lang="en-US" sz="1800" b="0" i="0" dirty="0">
+                <a:effectLst/>
+                <a:latin typeface="+mj-lt"/>
+              </a:rPr>
+              <a:t>The </a:t>
+            </a:r>
+            <a:r>
+              <a:rPr lang="en-US" sz="1800" b="1" i="0" dirty="0">
+                <a:effectLst/>
+                <a:latin typeface="+mj-lt"/>
+              </a:rPr>
+              <a:t>computation cost</a:t>
+            </a:r>
+            <a:r>
+              <a:rPr lang="en-US" sz="1800" b="0" i="0" dirty="0">
+                <a:effectLst/>
+                <a:latin typeface="+mj-lt"/>
+              </a:rPr>
+              <a:t> of a host: the maximum number of messages managed by a host.</a:t>
+            </a:r>
+          </a:p>
+          <a:p>
+            <a:r>
+              <a:rPr lang="en-US" sz="1800" b="0" i="0" dirty="0">
+                <a:effectLst/>
+                <a:latin typeface="+mj-lt"/>
+              </a:rPr>
+              <a:t>The </a:t>
+            </a:r>
+            <a:r>
+              <a:rPr lang="en-US" sz="1800" b="1" i="0" dirty="0">
+                <a:effectLst/>
+                <a:latin typeface="+mj-lt"/>
+              </a:rPr>
+              <a:t>time cost</a:t>
+            </a:r>
+            <a:r>
+              <a:rPr lang="en-US" sz="1800" b="0" i="0" dirty="0">
+                <a:effectLst/>
+                <a:latin typeface="+mj-lt"/>
+              </a:rPr>
+              <a:t> of the protocol: the time to perform the query.</a:t>
+            </a:r>
+            <a:endParaRPr lang="en-GB" altLang="en-US" sz="1800" dirty="0">
               <a:latin typeface="+mj-lt"/>
             </a:endParaRPr>
           </a:p>
         </p:txBody>
       </p:sp>
     </p:spTree>
-    <p:extLst>
-      <p:ext uri="{BB962C8B-B14F-4D97-AF65-F5344CB8AC3E}">
-        <p14:creationId xmlns:p14="http://schemas.microsoft.com/office/powerpoint/2010/main" val="1346058972"/>
-      </p:ext>
-    </p:extLst>
   </p:cSld>
   <p:clrMapOvr>
     <a:masterClrMapping/>
@@ -5653,6 +5527,478 @@
           <a:lstStyle/>
           <a:p>
             <a:r>
+              <a:rPr lang="it-IT" dirty="0" err="1"/>
+              <a:t>Other</a:t>
+            </a:r>
+            <a:r>
+              <a:rPr lang="it-IT" dirty="0"/>
+              <a:t> </a:t>
+            </a:r>
+            <a:r>
+              <a:rPr lang="it-IT" dirty="0" err="1"/>
+              <a:t>Dependability</a:t>
+            </a:r>
+            <a:r>
+              <a:rPr lang="it-IT" dirty="0"/>
+              <a:t> </a:t>
+            </a:r>
+            <a:r>
+              <a:rPr lang="it-IT" dirty="0" err="1"/>
+              <a:t>Properties</a:t>
+            </a:r>
+            <a:endParaRPr lang="en-GB" altLang="en-US" dirty="0">
+              <a:latin typeface="Calibri" panose="020F0502020204030204" pitchFamily="34" charset="0"/>
+            </a:endParaRPr>
+          </a:p>
+        </p:txBody>
+      </p:sp>
+      <p:sp>
+        <p:nvSpPr>
+          <p:cNvPr id="22530" name="Segnaposto contenuto 2">
+            <a:extLst>
+              <a:ext uri="{FF2B5EF4-FFF2-40B4-BE49-F238E27FC236}">
+                <a16:creationId xmlns:a16="http://schemas.microsoft.com/office/drawing/2014/main" id="{0BC2DCE9-4E1F-8EF3-17AF-A32CEA100DE1}"/>
+              </a:ext>
+            </a:extLst>
+          </p:cNvPr>
+          <p:cNvSpPr>
+            <a:spLocks noGrp="1"/>
+          </p:cNvSpPr>
+          <p:nvPr>
+            <p:ph idx="1"/>
+          </p:nvPr>
+        </p:nvSpPr>
+        <p:spPr>
+          <a:xfrm>
+            <a:off x="755576" y="2118411"/>
+            <a:ext cx="6913512" cy="3404592"/>
+          </a:xfrm>
+        </p:spPr>
+        <p:txBody>
+          <a:bodyPr/>
+          <a:lstStyle/>
+          <a:p>
+            <a:r>
+              <a:rPr lang="en-US" sz="1800" b="1" dirty="0"/>
+              <a:t>Availability</a:t>
+            </a:r>
+            <a:r>
+              <a:rPr lang="en-US" sz="1800" dirty="0"/>
+              <a:t>: readiness of correct service</a:t>
+            </a:r>
+          </a:p>
+          <a:p>
+            <a:r>
+              <a:rPr lang="en-US" sz="1800" b="1" dirty="0"/>
+              <a:t>Reliability</a:t>
+            </a:r>
+            <a:r>
+              <a:rPr lang="en-US" sz="1800" dirty="0"/>
+              <a:t>: continuity of correct service</a:t>
+            </a:r>
+          </a:p>
+          <a:p>
+            <a:pPr marL="0" indent="0">
+              <a:buNone/>
+            </a:pPr>
+            <a:endParaRPr lang="en-US" sz="1800" dirty="0"/>
+          </a:p>
+          <a:p>
+            <a:r>
+              <a:rPr lang="en-US" sz="1800" b="1" dirty="0"/>
+              <a:t>Fault Tolerance</a:t>
+            </a:r>
+            <a:r>
+              <a:rPr lang="en-US" sz="1800" dirty="0"/>
+              <a:t>: avoid service failures in the presence of faults. </a:t>
+            </a:r>
+          </a:p>
+          <a:p>
+            <a:pPr lvl="1"/>
+            <a:r>
+              <a:rPr lang="en-US" sz="1800" b="1" dirty="0"/>
+              <a:t>Crashes</a:t>
+            </a:r>
+            <a:r>
+              <a:rPr lang="en-US" sz="1800" dirty="0"/>
+              <a:t>: a host in the system fails</a:t>
+            </a:r>
+          </a:p>
+          <a:p>
+            <a:pPr marL="457200" lvl="1" indent="0">
+              <a:buNone/>
+            </a:pPr>
+            <a:r>
+              <a:rPr lang="en-US" sz="1800" dirty="0"/>
+              <a:t>		</a:t>
+            </a:r>
+          </a:p>
+          <a:p>
+            <a:pPr lvl="1"/>
+            <a:r>
+              <a:rPr lang="en-US" sz="1800" b="1" dirty="0"/>
+              <a:t>Byzantine failures</a:t>
+            </a:r>
+            <a:r>
+              <a:rPr lang="en-US" sz="1800" dirty="0"/>
+              <a:t>: a host in the system </a:t>
+            </a:r>
+          </a:p>
+          <a:p>
+            <a:pPr marL="457200" lvl="1" indent="0">
+              <a:buNone/>
+            </a:pPr>
+            <a:r>
+              <a:rPr lang="en-US" sz="1800" dirty="0"/>
+              <a:t>alters his </a:t>
+            </a:r>
+            <a:r>
+              <a:rPr lang="en-US" sz="1800" dirty="0" err="1"/>
+              <a:t>behaviour</a:t>
+            </a:r>
+            <a:r>
+              <a:rPr lang="en-US" sz="1800" dirty="0"/>
+              <a:t>  			</a:t>
+            </a:r>
+            <a:endParaRPr lang="en-GB" altLang="en-US" sz="1400" dirty="0">
+              <a:latin typeface="+mj-lt"/>
+            </a:endParaRPr>
+          </a:p>
+        </p:txBody>
+      </p:sp>
+      <p:sp>
+        <p:nvSpPr>
+          <p:cNvPr id="2" name="Parentesi graffa aperta 1">
+            <a:extLst>
+              <a:ext uri="{FF2B5EF4-FFF2-40B4-BE49-F238E27FC236}">
+                <a16:creationId xmlns:a16="http://schemas.microsoft.com/office/drawing/2014/main" id="{46676E6A-75D2-A321-EA8E-5E599C25487B}"/>
+              </a:ext>
+            </a:extLst>
+          </p:cNvPr>
+          <p:cNvSpPr/>
+          <p:nvPr/>
+        </p:nvSpPr>
+        <p:spPr bwMode="auto">
+          <a:xfrm rot="10800000">
+            <a:off x="5076056" y="2060848"/>
+            <a:ext cx="487042" cy="733434"/>
+          </a:xfrm>
+          <a:prstGeom prst="leftBrace">
+            <a:avLst/>
+          </a:prstGeom>
+          <a:ln/>
+          <a:extLst>
+            <a:ext uri="{909E8E84-426E-40dd-AFC4-6F175D3DCCD1}">
+              <a14:hiddenFill xmlns="" xmlns:a14="http://schemas.microsoft.com/office/drawing/2010/main">
+                <a:solidFill>
+                  <a:schemeClr val="accent1"/>
+                </a:solidFill>
+              </a14:hiddenFill>
+            </a:ext>
+            <a:ext uri="{91240B29-F687-4f45-9708-019B960494DF}">
+              <a14:hiddenLine xmlns="" xmlns:a14="http://schemas.microsoft.com/office/drawing/2010/main" w="9525" cap="flat" cmpd="sng" algn="ctr">
+                <a:solidFill>
+                  <a:schemeClr val="tx1"/>
+                </a:solidFill>
+                <a:prstDash val="solid"/>
+                <a:round/>
+                <a:headEnd type="none" w="med" len="med"/>
+                <a:tailEnd type="none" w="med" len="med"/>
+              </a14:hiddenLine>
+            </a:ext>
+            <a:ext uri="{AF507438-7753-43e0-B8FC-AC1667EBCBE1}">
+              <a14:hiddenEffects xmlns="" xmlns:a14="http://schemas.microsoft.com/office/drawing/2010/main">
+                <a:effectLst>
+                  <a:outerShdw blurRad="63500" dist="38099" dir="2700000" algn="ctr" rotWithShape="0">
+                    <a:srgbClr val="000000">
+                      <a:alpha val="74998"/>
+                    </a:srgbClr>
+                  </a:outerShdw>
+                </a:effectLst>
+              </a14:hiddenEffects>
+            </a:ext>
+          </a:extLst>
+        </p:spPr>
+        <p:style>
+          <a:lnRef idx="1">
+            <a:schemeClr val="dk1"/>
+          </a:lnRef>
+          <a:fillRef idx="0">
+            <a:schemeClr val="dk1"/>
+          </a:fillRef>
+          <a:effectRef idx="0">
+            <a:schemeClr val="dk1"/>
+          </a:effectRef>
+          <a:fontRef idx="minor">
+            <a:schemeClr val="tx1"/>
+          </a:fontRef>
+        </p:style>
+        <p:txBody>
+          <a:bodyPr vert="horz" wrap="square" lIns="91440" tIns="45720" rIns="91440" bIns="45720" numCol="1" rtlCol="0" anchor="t" anchorCtr="0" compatLnSpc="1">
+            <a:prstTxWarp prst="textNoShape">
+              <a:avLst/>
+            </a:prstTxWarp>
+          </a:bodyPr>
+          <a:lstStyle/>
+          <a:p>
+            <a:pPr marL="0" marR="0" indent="0" algn="l" defTabSz="914400" rtl="0" eaLnBrk="0" fontAlgn="base" latinLnBrk="0" hangingPunct="0">
+              <a:lnSpc>
+                <a:spcPct val="100000"/>
+              </a:lnSpc>
+              <a:spcBef>
+                <a:spcPct val="0"/>
+              </a:spcBef>
+              <a:spcAft>
+                <a:spcPct val="0"/>
+              </a:spcAft>
+              <a:buClrTx/>
+              <a:buSzTx/>
+              <a:buFontTx/>
+              <a:buNone/>
+              <a:tabLst/>
+            </a:pPr>
+            <a:endParaRPr kumimoji="0" lang="it-IT" sz="2400" b="0" i="0" u="none" strike="noStrike" cap="none" normalizeH="0" baseline="0">
+              <a:ln>
+                <a:noFill/>
+              </a:ln>
+              <a:solidFill>
+                <a:srgbClr val="000000"/>
+              </a:solidFill>
+              <a:effectLst/>
+              <a:latin typeface="Arial" charset="0"/>
+              <a:ea typeface="ＭＳ Ｐゴシック" charset="0"/>
+              <a:cs typeface="ＭＳ Ｐゴシック" charset="0"/>
+            </a:endParaRPr>
+          </a:p>
+        </p:txBody>
+      </p:sp>
+      <p:pic>
+        <p:nvPicPr>
+          <p:cNvPr id="6" name="Elemento grafico 5" descr="Segno di spunta con riempimento a tinta unita">
+            <a:extLst>
+              <a:ext uri="{FF2B5EF4-FFF2-40B4-BE49-F238E27FC236}">
+                <a16:creationId xmlns:a16="http://schemas.microsoft.com/office/drawing/2014/main" id="{B0E70A26-084E-464D-0448-249418822092}"/>
+              </a:ext>
+            </a:extLst>
+          </p:cNvPr>
+          <p:cNvPicPr>
+            <a:picLocks noChangeAspect="1"/>
+          </p:cNvPicPr>
+          <p:nvPr/>
+        </p:nvPicPr>
+        <p:blipFill>
+          <a:blip r:embed="rId2">
+            <a:extLst>
+              <a:ext uri="{96DAC541-7B7A-43D3-8B79-37D633B846F1}">
+                <asvg:svgBlip xmlns:asvg="http://schemas.microsoft.com/office/drawing/2016/SVG/main" r:embed="rId3"/>
+              </a:ext>
+            </a:extLst>
+          </a:blip>
+          <a:stretch>
+            <a:fillRect/>
+          </a:stretch>
+        </p:blipFill>
+        <p:spPr>
+          <a:xfrm>
+            <a:off x="5692702" y="1983288"/>
+            <a:ext cx="914400" cy="914400"/>
+          </a:xfrm>
+          <a:prstGeom prst="rect">
+            <a:avLst/>
+          </a:prstGeom>
+        </p:spPr>
+      </p:pic>
+      <p:pic>
+        <p:nvPicPr>
+          <p:cNvPr id="8" name="Elemento grafico 7" descr="Chiudi con riempimento a tinta unita">
+            <a:extLst>
+              <a:ext uri="{FF2B5EF4-FFF2-40B4-BE49-F238E27FC236}">
+                <a16:creationId xmlns:a16="http://schemas.microsoft.com/office/drawing/2014/main" id="{5B91E46F-8E07-C34B-4A02-EAD0CF32FCFF}"/>
+              </a:ext>
+            </a:extLst>
+          </p:cNvPr>
+          <p:cNvPicPr>
+            <a:picLocks noChangeAspect="1"/>
+          </p:cNvPicPr>
+          <p:nvPr/>
+        </p:nvPicPr>
+        <p:blipFill>
+          <a:blip r:embed="rId4">
+            <a:extLst>
+              <a:ext uri="{96DAC541-7B7A-43D3-8B79-37D633B846F1}">
+                <asvg:svgBlip xmlns:asvg="http://schemas.microsoft.com/office/drawing/2016/SVG/main" r:embed="rId5"/>
+              </a:ext>
+            </a:extLst>
+          </a:blip>
+          <a:stretch>
+            <a:fillRect/>
+          </a:stretch>
+        </p:blipFill>
+        <p:spPr>
+          <a:xfrm>
+            <a:off x="5388670" y="4075382"/>
+            <a:ext cx="842392" cy="842392"/>
+          </a:xfrm>
+          <a:prstGeom prst="rect">
+            <a:avLst/>
+          </a:prstGeom>
+        </p:spPr>
+      </p:pic>
+      <p:pic>
+        <p:nvPicPr>
+          <p:cNvPr id="9" name="Elemento grafico 8" descr="Chiudi con riempimento a tinta unita">
+            <a:extLst>
+              <a:ext uri="{FF2B5EF4-FFF2-40B4-BE49-F238E27FC236}">
+                <a16:creationId xmlns:a16="http://schemas.microsoft.com/office/drawing/2014/main" id="{67DF2100-A854-2AF4-6553-F4C5D05DA468}"/>
+              </a:ext>
+            </a:extLst>
+          </p:cNvPr>
+          <p:cNvPicPr>
+            <a:picLocks noChangeAspect="1"/>
+          </p:cNvPicPr>
+          <p:nvPr/>
+        </p:nvPicPr>
+        <p:blipFill>
+          <a:blip r:embed="rId4">
+            <a:extLst>
+              <a:ext uri="{96DAC541-7B7A-43D3-8B79-37D633B846F1}">
+                <asvg:svgBlip xmlns:asvg="http://schemas.microsoft.com/office/drawing/2016/SVG/main" r:embed="rId5"/>
+              </a:ext>
+            </a:extLst>
+          </a:blip>
+          <a:stretch>
+            <a:fillRect/>
+          </a:stretch>
+        </p:blipFill>
+        <p:spPr>
+          <a:xfrm>
+            <a:off x="5362511" y="3399511"/>
+            <a:ext cx="842392" cy="842392"/>
+          </a:xfrm>
+          <a:prstGeom prst="rect">
+            <a:avLst/>
+          </a:prstGeom>
+        </p:spPr>
+      </p:pic>
+      <p:sp>
+        <p:nvSpPr>
+          <p:cNvPr id="13" name="CasellaDiTesto 12">
+            <a:extLst>
+              <a:ext uri="{FF2B5EF4-FFF2-40B4-BE49-F238E27FC236}">
+                <a16:creationId xmlns:a16="http://schemas.microsoft.com/office/drawing/2014/main" id="{86194EED-0CB1-5294-D610-A8DE32BDACA2}"/>
+              </a:ext>
+            </a:extLst>
+          </p:cNvPr>
+          <p:cNvSpPr txBox="1"/>
+          <p:nvPr/>
+        </p:nvSpPr>
+        <p:spPr>
+          <a:xfrm>
+            <a:off x="6109320" y="3598912"/>
+            <a:ext cx="2733377" cy="369332"/>
+          </a:xfrm>
+          <a:prstGeom prst="rect">
+            <a:avLst/>
+          </a:prstGeom>
+          <a:noFill/>
+        </p:spPr>
+        <p:txBody>
+          <a:bodyPr wrap="none" rtlCol="0">
+            <a:spAutoFit/>
+          </a:bodyPr>
+          <a:lstStyle/>
+          <a:p>
+            <a:r>
+              <a:rPr lang="it-IT" sz="1800" dirty="0" err="1">
+                <a:solidFill>
+                  <a:srgbClr val="000000"/>
+                </a:solidFill>
+                <a:latin typeface="+mj-lt"/>
+              </a:rPr>
+              <a:t>but</a:t>
+            </a:r>
+            <a:r>
+              <a:rPr lang="it-IT" sz="1800" dirty="0">
+                <a:solidFill>
+                  <a:srgbClr val="000000"/>
+                </a:solidFill>
+                <a:latin typeface="+mj-lt"/>
+              </a:rPr>
+              <a:t>… ⇒ Single-Site </a:t>
+            </a:r>
+            <a:r>
+              <a:rPr lang="it-IT" sz="1800" dirty="0" err="1">
+                <a:solidFill>
+                  <a:srgbClr val="000000"/>
+                </a:solidFill>
+                <a:latin typeface="+mj-lt"/>
+              </a:rPr>
+              <a:t>Validity</a:t>
+            </a:r>
+            <a:r>
+              <a:rPr lang="it-IT" sz="1800" dirty="0">
+                <a:solidFill>
+                  <a:srgbClr val="000000"/>
+                </a:solidFill>
+                <a:latin typeface="+mj-lt"/>
+              </a:rPr>
+              <a:t>.</a:t>
+            </a:r>
+          </a:p>
+        </p:txBody>
+      </p:sp>
+    </p:spTree>
+    <p:extLst>
+      <p:ext uri="{BB962C8B-B14F-4D97-AF65-F5344CB8AC3E}">
+        <p14:creationId xmlns:p14="http://schemas.microsoft.com/office/powerpoint/2010/main" val="1346058972"/>
+      </p:ext>
+    </p:extLst>
+  </p:cSld>
+  <p:clrMapOvr>
+    <a:masterClrMapping/>
+  </p:clrMapOvr>
+</p:sld>
+</file>
+
+<file path=ppt/slides/slide14.xml><?xml version="1.0" encoding="utf-8"?>
+<p:sld xmlns:a="http://schemas.openxmlformats.org/drawingml/2006/main" xmlns:r="http://schemas.openxmlformats.org/officeDocument/2006/relationships" xmlns:p="http://schemas.openxmlformats.org/presentationml/2006/main">
+  <p:cSld>
+    <p:spTree>
+      <p:nvGrpSpPr>
+        <p:cNvPr id="1" name=""/>
+        <p:cNvGrpSpPr/>
+        <p:nvPr/>
+      </p:nvGrpSpPr>
+      <p:grpSpPr>
+        <a:xfrm>
+          <a:off x="0" y="0"/>
+          <a:ext cx="0" cy="0"/>
+          <a:chOff x="0" y="0"/>
+          <a:chExt cx="0" cy="0"/>
+        </a:xfrm>
+      </p:grpSpPr>
+      <p:sp>
+        <p:nvSpPr>
+          <p:cNvPr id="22529" name="Titolo 1">
+            <a:extLst>
+              <a:ext uri="{FF2B5EF4-FFF2-40B4-BE49-F238E27FC236}">
+                <a16:creationId xmlns:a16="http://schemas.microsoft.com/office/drawing/2014/main" id="{B6F9F09F-346A-BCD3-0788-021D8C880B3F}"/>
+              </a:ext>
+            </a:extLst>
+          </p:cNvPr>
+          <p:cNvSpPr>
+            <a:spLocks noGrp="1"/>
+          </p:cNvSpPr>
+          <p:nvPr>
+            <p:ph type="title"/>
+          </p:nvPr>
+        </p:nvSpPr>
+        <p:spPr/>
+        <p:txBody>
+          <a:bodyPr/>
+          <a:lstStyle/>
+          <a:p>
+            <a:r>
               <a:rPr lang="en-GB" altLang="en-US" dirty="0">
                 <a:latin typeface="Calibri" panose="020F0502020204030204" pitchFamily="34" charset="0"/>
               </a:rPr>
@@ -5727,6 +6073,96 @@
           </a:p>
         </p:txBody>
       </p:sp>
+      <p:pic>
+        <p:nvPicPr>
+          <p:cNvPr id="6" name="Immagine 5">
+            <a:extLst>
+              <a:ext uri="{FF2B5EF4-FFF2-40B4-BE49-F238E27FC236}">
+                <a16:creationId xmlns:a16="http://schemas.microsoft.com/office/drawing/2014/main" id="{467BF3D1-A181-FE35-0171-4D2449FE3C29}"/>
+              </a:ext>
+            </a:extLst>
+          </p:cNvPr>
+          <p:cNvPicPr>
+            <a:picLocks noChangeAspect="1"/>
+          </p:cNvPicPr>
+          <p:nvPr/>
+        </p:nvPicPr>
+        <p:blipFill>
+          <a:blip r:embed="rId2"/>
+          <a:stretch>
+            <a:fillRect/>
+          </a:stretch>
+        </p:blipFill>
+        <p:spPr>
+          <a:xfrm>
+            <a:off x="4067560" y="3770731"/>
+            <a:ext cx="1799456" cy="1799456"/>
+          </a:xfrm>
+          <a:prstGeom prst="rect">
+            <a:avLst/>
+          </a:prstGeom>
+        </p:spPr>
+      </p:pic>
+      <p:pic>
+        <p:nvPicPr>
+          <p:cNvPr id="8" name="Immagine 7">
+            <a:extLst>
+              <a:ext uri="{FF2B5EF4-FFF2-40B4-BE49-F238E27FC236}">
+                <a16:creationId xmlns:a16="http://schemas.microsoft.com/office/drawing/2014/main" id="{4BAE28E9-CAC8-A81C-061F-51988BD2E30A}"/>
+              </a:ext>
+            </a:extLst>
+          </p:cNvPr>
+          <p:cNvPicPr>
+            <a:picLocks noChangeAspect="1"/>
+          </p:cNvPicPr>
+          <p:nvPr/>
+        </p:nvPicPr>
+        <p:blipFill>
+          <a:blip r:embed="rId3"/>
+          <a:stretch>
+            <a:fillRect/>
+          </a:stretch>
+        </p:blipFill>
+        <p:spPr>
+          <a:xfrm>
+            <a:off x="4572000" y="1470987"/>
+            <a:ext cx="1043561" cy="893254"/>
+          </a:xfrm>
+          <a:prstGeom prst="rect">
+            <a:avLst/>
+          </a:prstGeom>
+        </p:spPr>
+      </p:pic>
+      <p:pic>
+        <p:nvPicPr>
+          <p:cNvPr id="9" name="Immagine 8">
+            <a:extLst>
+              <a:ext uri="{FF2B5EF4-FFF2-40B4-BE49-F238E27FC236}">
+                <a16:creationId xmlns:a16="http://schemas.microsoft.com/office/drawing/2014/main" id="{8FEF955E-8AC9-3D67-4A72-4C8577C655E9}"/>
+              </a:ext>
+            </a:extLst>
+          </p:cNvPr>
+          <p:cNvPicPr>
+            <a:picLocks noChangeAspect="1"/>
+          </p:cNvPicPr>
+          <p:nvPr/>
+        </p:nvPicPr>
+        <p:blipFill>
+          <a:blip r:embed="rId4"/>
+          <a:stretch>
+            <a:fillRect/>
+          </a:stretch>
+        </p:blipFill>
+        <p:spPr>
+          <a:xfrm>
+            <a:off x="5292080" y="2774287"/>
+            <a:ext cx="3194917" cy="798729"/>
+          </a:xfrm>
+          <a:prstGeom prst="rect">
+            <a:avLst/>
+          </a:prstGeom>
+        </p:spPr>
+      </p:pic>
     </p:spTree>
     <p:extLst>
       <p:ext uri="{BB962C8B-B14F-4D97-AF65-F5344CB8AC3E}">
@@ -5740,7 +6176,7 @@
 </p:sld>
 </file>
 
-<file path=ppt/slides/slide14.xml><?xml version="1.0" encoding="utf-8"?>
+<file path=ppt/slides/slide15.xml><?xml version="1.0" encoding="utf-8"?>
 <p:sld xmlns:a="http://schemas.openxmlformats.org/drawingml/2006/main" xmlns:r="http://schemas.openxmlformats.org/officeDocument/2006/relationships" xmlns:p="http://schemas.openxmlformats.org/presentationml/2006/main">
   <p:cSld>
     <p:spTree>
@@ -6082,7 +6518,7 @@
 </p:sld>
 </file>
 
-<file path=ppt/slides/slide15.xml><?xml version="1.0" encoding="utf-8"?>
+<file path=ppt/slides/slide16.xml><?xml version="1.0" encoding="utf-8"?>
 <p:sld xmlns:a="http://schemas.openxmlformats.org/drawingml/2006/main" xmlns:r="http://schemas.openxmlformats.org/officeDocument/2006/relationships" xmlns:p="http://schemas.openxmlformats.org/presentationml/2006/main">
   <p:cSld>
     <p:spTree>
@@ -6627,7 +7063,7 @@
 </p:sld>
 </file>
 
-<file path=ppt/slides/slide16.xml><?xml version="1.0" encoding="utf-8"?>
+<file path=ppt/slides/slide17.xml><?xml version="1.0" encoding="utf-8"?>
 <p:sld xmlns:a="http://schemas.openxmlformats.org/drawingml/2006/main" xmlns:r="http://schemas.openxmlformats.org/officeDocument/2006/relationships" xmlns:p="http://schemas.openxmlformats.org/presentationml/2006/main">
   <p:cSld>
     <p:spTree>
@@ -7126,7 +7562,7 @@
 </p:sld>
 </file>
 
-<file path=ppt/slides/slide17.xml><?xml version="1.0" encoding="utf-8"?>
+<file path=ppt/slides/slide18.xml><?xml version="1.0" encoding="utf-8"?>
 <p:sld xmlns:a="http://schemas.openxmlformats.org/drawingml/2006/main" xmlns:r="http://schemas.openxmlformats.org/officeDocument/2006/relationships" xmlns:p="http://schemas.openxmlformats.org/presentationml/2006/main">
   <p:cSld>
     <p:spTree>
@@ -7290,14 +7726,14 @@
           <a:effectLst/>
           <a:extLst>
             <a:ext uri="{909E8E84-426E-40dd-AFC4-6F175D3DCCD1}">
-              <a14:hiddenFill xmlns="" xmlns:a14="http://schemas.microsoft.com/office/drawing/2010/main">
+              <a14:hiddenFill xmlns:a14="http://schemas.microsoft.com/office/drawing/2010/main" xmlns="">
                 <a:solidFill>
                   <a:schemeClr val="accent1"/>
                 </a:solidFill>
               </a14:hiddenFill>
             </a:ext>
             <a:ext uri="{91240B29-F687-4f45-9708-019B960494DF}">
-              <a14:hiddenLine xmlns="" xmlns:a14="http://schemas.microsoft.com/office/drawing/2010/main" w="9525" cap="flat" cmpd="sng" algn="ctr">
+              <a14:hiddenLine xmlns:a14="http://schemas.microsoft.com/office/drawing/2010/main" xmlns="" w="9525" cap="flat" cmpd="sng" algn="ctr">
                 <a:solidFill>
                   <a:schemeClr val="tx1"/>
                 </a:solidFill>
@@ -7308,7 +7744,7 @@
               </a14:hiddenLine>
             </a:ext>
             <a:ext uri="{AF507438-7753-43e0-B8FC-AC1667EBCBE1}">
-              <a14:hiddenEffects xmlns="" xmlns:a14="http://schemas.microsoft.com/office/drawing/2010/main">
+              <a14:hiddenEffects xmlns:a14="http://schemas.microsoft.com/office/drawing/2010/main" xmlns="">
                 <a:effectLst>
                   <a:outerShdw blurRad="63500" dist="38099" dir="2700000" algn="ctr" rotWithShape="0">
                     <a:srgbClr val="000000">
@@ -7400,14 +7836,14 @@
           <a:effectLst/>
           <a:extLst>
             <a:ext uri="{909E8E84-426E-40dd-AFC4-6F175D3DCCD1}">
-              <a14:hiddenFill xmlns="" xmlns:a14="http://schemas.microsoft.com/office/drawing/2010/main">
+              <a14:hiddenFill xmlns:a14="http://schemas.microsoft.com/office/drawing/2010/main" xmlns="">
                 <a:solidFill>
                   <a:schemeClr val="accent1"/>
                 </a:solidFill>
               </a14:hiddenFill>
             </a:ext>
             <a:ext uri="{91240B29-F687-4f45-9708-019B960494DF}">
-              <a14:hiddenLine xmlns="" xmlns:a14="http://schemas.microsoft.com/office/drawing/2010/main" w="9525" cap="flat" cmpd="sng" algn="ctr">
+              <a14:hiddenLine xmlns:a14="http://schemas.microsoft.com/office/drawing/2010/main" xmlns="" w="9525" cap="flat" cmpd="sng" algn="ctr">
                 <a:solidFill>
                   <a:schemeClr val="tx1"/>
                 </a:solidFill>
@@ -7418,7 +7854,7 @@
               </a14:hiddenLine>
             </a:ext>
             <a:ext uri="{AF507438-7753-43e0-B8FC-AC1667EBCBE1}">
-              <a14:hiddenEffects xmlns="" xmlns:a14="http://schemas.microsoft.com/office/drawing/2010/main">
+              <a14:hiddenEffects xmlns:a14="http://schemas.microsoft.com/office/drawing/2010/main" xmlns="">
                 <a:effectLst>
                   <a:outerShdw blurRad="63500" dist="38099" dir="2700000" algn="ctr" rotWithShape="0">
                     <a:srgbClr val="000000">
@@ -7483,14 +7919,14 @@
           <a:effectLst/>
           <a:extLst>
             <a:ext uri="{909E8E84-426E-40dd-AFC4-6F175D3DCCD1}">
-              <a14:hiddenFill xmlns="" xmlns:a14="http://schemas.microsoft.com/office/drawing/2010/main">
+              <a14:hiddenFill xmlns:a14="http://schemas.microsoft.com/office/drawing/2010/main" xmlns="">
                 <a:solidFill>
                   <a:schemeClr val="accent1"/>
                 </a:solidFill>
               </a14:hiddenFill>
             </a:ext>
             <a:ext uri="{91240B29-F687-4f45-9708-019B960494DF}">
-              <a14:hiddenLine xmlns="" xmlns:a14="http://schemas.microsoft.com/office/drawing/2010/main" w="9525" cap="flat" cmpd="sng" algn="ctr">
+              <a14:hiddenLine xmlns:a14="http://schemas.microsoft.com/office/drawing/2010/main" xmlns="" w="9525" cap="flat" cmpd="sng" algn="ctr">
                 <a:solidFill>
                   <a:schemeClr val="tx1"/>
                 </a:solidFill>
@@ -7501,7 +7937,7 @@
               </a14:hiddenLine>
             </a:ext>
             <a:ext uri="{AF507438-7753-43e0-B8FC-AC1667EBCBE1}">
-              <a14:hiddenEffects xmlns="" xmlns:a14="http://schemas.microsoft.com/office/drawing/2010/main">
+              <a14:hiddenEffects xmlns:a14="http://schemas.microsoft.com/office/drawing/2010/main" xmlns="">
                 <a:effectLst>
                   <a:outerShdw blurRad="63500" dist="38099" dir="2700000" algn="ctr" rotWithShape="0">
                     <a:srgbClr val="000000">
@@ -8014,7 +8450,7 @@
 </p:sld>
 </file>
 
-<file path=ppt/slides/slide18.xml><?xml version="1.0" encoding="utf-8"?>
+<file path=ppt/slides/slide19.xml><?xml version="1.0" encoding="utf-8"?>
 <p:sld xmlns:a="http://schemas.openxmlformats.org/drawingml/2006/main" xmlns:r="http://schemas.openxmlformats.org/officeDocument/2006/relationships" xmlns:p="http://schemas.openxmlformats.org/presentationml/2006/main">
   <p:cSld>
     <p:spTree>
@@ -8183,7 +8619,405 @@
 </p:sld>
 </file>
 
-<file path=ppt/slides/slide19.xml><?xml version="1.0" encoding="utf-8"?>
+<file path=ppt/slides/slide2.xml><?xml version="1.0" encoding="utf-8"?>
+<p:sld xmlns:a="http://schemas.openxmlformats.org/drawingml/2006/main" xmlns:r="http://schemas.openxmlformats.org/officeDocument/2006/relationships" xmlns:p="http://schemas.openxmlformats.org/presentationml/2006/main">
+  <p:cSld>
+    <p:spTree>
+      <p:nvGrpSpPr>
+        <p:cNvPr id="1" name=""/>
+        <p:cNvGrpSpPr/>
+        <p:nvPr/>
+      </p:nvGrpSpPr>
+      <p:grpSpPr>
+        <a:xfrm>
+          <a:off x="0" y="0"/>
+          <a:ext cx="0" cy="0"/>
+          <a:chOff x="0" y="0"/>
+          <a:chExt cx="0" cy="0"/>
+        </a:xfrm>
+      </p:grpSpPr>
+      <p:sp>
+        <p:nvSpPr>
+          <p:cNvPr id="2" name="Titolo 1"/>
+          <p:cNvSpPr>
+            <a:spLocks noGrp="1"/>
+          </p:cNvSpPr>
+          <p:nvPr>
+            <p:ph type="title"/>
+          </p:nvPr>
+        </p:nvSpPr>
+        <p:spPr>
+          <a:xfrm>
+            <a:off x="899592" y="1112837"/>
+            <a:ext cx="7776096" cy="864096"/>
+          </a:xfrm>
+        </p:spPr>
+        <p:txBody>
+          <a:bodyPr/>
+          <a:lstStyle/>
+          <a:p>
+            <a:r>
+              <a:rPr lang="it-IT" dirty="0"/>
+              <a:t>Peer-to-peer networks and </a:t>
+            </a:r>
+            <a:r>
+              <a:rPr lang="it-IT" dirty="0" err="1"/>
+              <a:t>sensor</a:t>
+            </a:r>
+            <a:r>
+              <a:rPr lang="it-IT" dirty="0"/>
+              <a:t> networks</a:t>
+            </a:r>
+            <a:br>
+              <a:rPr lang="it-IT" dirty="0"/>
+            </a:br>
+            <a:br>
+              <a:rPr lang="it-IT" dirty="0"/>
+            </a:br>
+            <a:br>
+              <a:rPr lang="it-IT" dirty="0"/>
+            </a:br>
+            <a:br>
+              <a:rPr lang="it-IT" dirty="0"/>
+            </a:br>
+            <a:endParaRPr lang="it-IT" dirty="0"/>
+          </a:p>
+        </p:txBody>
+      </p:sp>
+      <p:sp>
+        <p:nvSpPr>
+          <p:cNvPr id="4" name="Segnaposto contenuto 2">
+            <a:extLst>
+              <a:ext uri="{FF2B5EF4-FFF2-40B4-BE49-F238E27FC236}">
+                <a16:creationId xmlns:a16="http://schemas.microsoft.com/office/drawing/2014/main" id="{0BC2DCE9-4E1F-8EF3-17AF-A32CEA100DE1}"/>
+              </a:ext>
+            </a:extLst>
+          </p:cNvPr>
+          <p:cNvSpPr txBox="1">
+            <a:spLocks/>
+          </p:cNvSpPr>
+          <p:nvPr/>
+        </p:nvSpPr>
+        <p:spPr bwMode="auto">
+          <a:xfrm>
+            <a:off x="1187624" y="1844824"/>
+            <a:ext cx="6487576" cy="4114800"/>
+          </a:xfrm>
+          <a:prstGeom prst="rect">
+            <a:avLst/>
+          </a:prstGeom>
+          <a:noFill/>
+          <a:ln>
+            <a:noFill/>
+          </a:ln>
+          <a:extLst>
+            <a:ext uri="{909E8E84-426E-40DD-AFC4-6F175D3DCCD1}">
+              <a14:hiddenFill xmlns:a14="http://schemas.microsoft.com/office/drawing/2010/main">
+                <a:solidFill>
+                  <a:schemeClr val="accent1"/>
+                </a:solidFill>
+              </a14:hiddenFill>
+            </a:ext>
+            <a:ext uri="{91240B29-F687-4F45-9708-019B960494DF}">
+              <a14:hiddenLine xmlns:a14="http://schemas.microsoft.com/office/drawing/2010/main" w="9525">
+                <a:solidFill>
+                  <a:schemeClr val="tx1"/>
+                </a:solidFill>
+                <a:miter lim="800000"/>
+                <a:headEnd/>
+                <a:tailEnd/>
+              </a14:hiddenLine>
+            </a:ext>
+          </a:extLst>
+        </p:spPr>
+        <p:txBody>
+          <a:bodyPr vert="horz" wrap="square" lIns="91440" tIns="45720" rIns="91440" bIns="45720" numCol="1" anchor="t" anchorCtr="0" compatLnSpc="1">
+            <a:prstTxWarp prst="textNoShape">
+              <a:avLst/>
+            </a:prstTxWarp>
+          </a:bodyPr>
+          <a:lstStyle>
+            <a:lvl1pPr marL="342900" indent="-342900" algn="l" rtl="0" eaLnBrk="0" fontAlgn="base" hangingPunct="0">
+              <a:spcBef>
+                <a:spcPct val="20000"/>
+              </a:spcBef>
+              <a:spcAft>
+                <a:spcPct val="0"/>
+              </a:spcAft>
+              <a:buClr>
+                <a:srgbClr val="822433"/>
+              </a:buClr>
+              <a:buChar char="•"/>
+              <a:defRPr sz="2400">
+                <a:solidFill>
+                  <a:srgbClr val="000000"/>
+                </a:solidFill>
+                <a:latin typeface="Calibri"/>
+                <a:ea typeface="MS PGothic" panose="020B0600070205080204" pitchFamily="34" charset="-128"/>
+                <a:cs typeface="ＭＳ Ｐゴシック" charset="0"/>
+              </a:defRPr>
+            </a:lvl1pPr>
+            <a:lvl2pPr marL="742950" indent="-285750" algn="l" rtl="0" eaLnBrk="0" fontAlgn="base" hangingPunct="0">
+              <a:spcBef>
+                <a:spcPct val="20000"/>
+              </a:spcBef>
+              <a:spcAft>
+                <a:spcPct val="0"/>
+              </a:spcAft>
+              <a:buChar char="–"/>
+              <a:defRPr sz="2000">
+                <a:solidFill>
+                  <a:srgbClr val="000000"/>
+                </a:solidFill>
+                <a:latin typeface="Calibri"/>
+                <a:ea typeface="MS PGothic" panose="020B0600070205080204" pitchFamily="34" charset="-128"/>
+              </a:defRPr>
+            </a:lvl2pPr>
+            <a:lvl3pPr marL="1143000" indent="-228600" algn="l" rtl="0" eaLnBrk="0" fontAlgn="base" hangingPunct="0">
+              <a:spcBef>
+                <a:spcPct val="20000"/>
+              </a:spcBef>
+              <a:spcAft>
+                <a:spcPct val="0"/>
+              </a:spcAft>
+              <a:buChar char="•"/>
+              <a:defRPr sz="1600">
+                <a:solidFill>
+                  <a:srgbClr val="000000"/>
+                </a:solidFill>
+                <a:latin typeface="Calibri"/>
+                <a:ea typeface="MS PGothic" panose="020B0600070205080204" pitchFamily="34" charset="-128"/>
+              </a:defRPr>
+            </a:lvl3pPr>
+            <a:lvl4pPr marL="1562100" indent="-228600" algn="l" rtl="0" eaLnBrk="0" fontAlgn="base" hangingPunct="0">
+              <a:spcBef>
+                <a:spcPct val="20000"/>
+              </a:spcBef>
+              <a:spcAft>
+                <a:spcPct val="0"/>
+              </a:spcAft>
+              <a:buChar char="–"/>
+              <a:defRPr sz="1400">
+                <a:solidFill>
+                  <a:srgbClr val="000000"/>
+                </a:solidFill>
+                <a:latin typeface="Calibri"/>
+                <a:ea typeface="MS PGothic" panose="020B0600070205080204" pitchFamily="34" charset="-128"/>
+              </a:defRPr>
+            </a:lvl4pPr>
+            <a:lvl5pPr marL="1981200" indent="-228600" algn="l" rtl="0" eaLnBrk="0" fontAlgn="base" hangingPunct="0">
+              <a:spcBef>
+                <a:spcPct val="20000"/>
+              </a:spcBef>
+              <a:spcAft>
+                <a:spcPct val="0"/>
+              </a:spcAft>
+              <a:buChar char="»"/>
+              <a:defRPr sz="1200">
+                <a:solidFill>
+                  <a:srgbClr val="000000"/>
+                </a:solidFill>
+                <a:latin typeface="Calibri"/>
+                <a:ea typeface="MS PGothic" panose="020B0600070205080204" pitchFamily="34" charset="-128"/>
+              </a:defRPr>
+            </a:lvl5pPr>
+            <a:lvl6pPr marL="2438400" indent="-228600" algn="l" rtl="0" eaLnBrk="1" fontAlgn="base" hangingPunct="1">
+              <a:spcBef>
+                <a:spcPct val="20000"/>
+              </a:spcBef>
+              <a:spcAft>
+                <a:spcPct val="0"/>
+              </a:spcAft>
+              <a:buChar char="»"/>
+              <a:defRPr sz="1200">
+                <a:solidFill>
+                  <a:srgbClr val="000000"/>
+                </a:solidFill>
+                <a:latin typeface="+mn-lt"/>
+                <a:ea typeface="+mn-ea"/>
+              </a:defRPr>
+            </a:lvl6pPr>
+            <a:lvl7pPr marL="2895600" indent="-228600" algn="l" rtl="0" eaLnBrk="1" fontAlgn="base" hangingPunct="1">
+              <a:spcBef>
+                <a:spcPct val="20000"/>
+              </a:spcBef>
+              <a:spcAft>
+                <a:spcPct val="0"/>
+              </a:spcAft>
+              <a:buChar char="»"/>
+              <a:defRPr sz="1200">
+                <a:solidFill>
+                  <a:srgbClr val="000000"/>
+                </a:solidFill>
+                <a:latin typeface="+mn-lt"/>
+                <a:ea typeface="+mn-ea"/>
+              </a:defRPr>
+            </a:lvl7pPr>
+            <a:lvl8pPr marL="3352800" indent="-228600" algn="l" rtl="0" eaLnBrk="1" fontAlgn="base" hangingPunct="1">
+              <a:spcBef>
+                <a:spcPct val="20000"/>
+              </a:spcBef>
+              <a:spcAft>
+                <a:spcPct val="0"/>
+              </a:spcAft>
+              <a:buChar char="»"/>
+              <a:defRPr sz="1200">
+                <a:solidFill>
+                  <a:srgbClr val="000000"/>
+                </a:solidFill>
+                <a:latin typeface="+mn-lt"/>
+                <a:ea typeface="+mn-ea"/>
+              </a:defRPr>
+            </a:lvl8pPr>
+            <a:lvl9pPr marL="3810000" indent="-228600" algn="l" rtl="0" eaLnBrk="1" fontAlgn="base" hangingPunct="1">
+              <a:spcBef>
+                <a:spcPct val="20000"/>
+              </a:spcBef>
+              <a:spcAft>
+                <a:spcPct val="0"/>
+              </a:spcAft>
+              <a:buChar char="»"/>
+              <a:defRPr sz="1200">
+                <a:solidFill>
+                  <a:srgbClr val="000000"/>
+                </a:solidFill>
+                <a:latin typeface="+mn-lt"/>
+                <a:ea typeface="+mn-ea"/>
+              </a:defRPr>
+            </a:lvl9pPr>
+          </a:lstStyle>
+          <a:p>
+            <a:r>
+              <a:rPr lang="en-US" sz="1800" dirty="0"/>
+              <a:t>Massive-scale</a:t>
+            </a:r>
+          </a:p>
+          <a:p>
+            <a:pPr marL="0" indent="0">
+              <a:buNone/>
+            </a:pPr>
+            <a:endParaRPr lang="en-US" sz="1800" dirty="0"/>
+          </a:p>
+          <a:p>
+            <a:r>
+              <a:rPr lang="en-US" sz="1800" dirty="0"/>
+              <a:t>Self-administration</a:t>
+            </a:r>
+          </a:p>
+          <a:p>
+            <a:endParaRPr lang="en-US" sz="1800" dirty="0"/>
+          </a:p>
+          <a:p>
+            <a:r>
+              <a:rPr lang="en-US" sz="1800" dirty="0"/>
+              <a:t>Dynamic</a:t>
+            </a:r>
+          </a:p>
+          <a:p>
+            <a:endParaRPr lang="en-US" sz="1800" dirty="0"/>
+          </a:p>
+          <a:p>
+            <a:r>
+              <a:rPr lang="en-US" sz="1800" dirty="0"/>
+              <a:t>Full of shorted-lived hosts</a:t>
+            </a:r>
+          </a:p>
+          <a:p>
+            <a:endParaRPr lang="en-US" sz="1800" dirty="0"/>
+          </a:p>
+          <a:p>
+            <a:r>
+              <a:rPr lang="en-GB" altLang="en-US" sz="1800" kern="0" dirty="0">
+                <a:latin typeface="Calibri" panose="020F0502020204030204" pitchFamily="34" charset="0"/>
+              </a:rPr>
+              <a:t>Distributed</a:t>
+            </a:r>
+          </a:p>
+          <a:p>
+            <a:endParaRPr lang="en-GB" altLang="en-US" sz="1800" kern="0" dirty="0">
+              <a:latin typeface="Calibri" panose="020F0502020204030204" pitchFamily="34" charset="0"/>
+            </a:endParaRPr>
+          </a:p>
+          <a:p>
+            <a:r>
+              <a:rPr lang="en-GB" altLang="en-US" sz="1800" kern="0" dirty="0">
+                <a:latin typeface="Calibri" panose="020F0502020204030204" pitchFamily="34" charset="0"/>
+              </a:rPr>
+              <a:t>Data-centric</a:t>
+            </a:r>
+          </a:p>
+          <a:p>
+            <a:endParaRPr lang="en-US" sz="1800" dirty="0"/>
+          </a:p>
+          <a:p>
+            <a:endParaRPr lang="en-US" sz="1800" dirty="0"/>
+          </a:p>
+          <a:p>
+            <a:endParaRPr lang="en-US" sz="1800" dirty="0"/>
+          </a:p>
+          <a:p>
+            <a:endParaRPr lang="en-US" sz="1800" dirty="0"/>
+          </a:p>
+        </p:txBody>
+      </p:sp>
+      <p:pic>
+        <p:nvPicPr>
+          <p:cNvPr id="12" name="Immagine 11" descr="Immagine che contiene clipart, cerchio, simbolo, Elementi grafici&#10;&#10;Descrizione generata automaticamente">
+            <a:extLst>
+              <a:ext uri="{FF2B5EF4-FFF2-40B4-BE49-F238E27FC236}">
+                <a16:creationId xmlns:a16="http://schemas.microsoft.com/office/drawing/2014/main" id="{31B77C20-48D3-7974-1667-6CAF96FF7D37}"/>
+              </a:ext>
+            </a:extLst>
+          </p:cNvPr>
+          <p:cNvPicPr>
+            <a:picLocks noChangeAspect="1"/>
+          </p:cNvPicPr>
+          <p:nvPr/>
+        </p:nvPicPr>
+        <p:blipFill>
+          <a:blip r:embed="rId3">
+            <a:extLst>
+              <a:ext uri="{837473B0-CC2E-450A-ABE3-18F120FF3D39}">
+                <a1611:picAttrSrcUrl xmlns:a1611="http://schemas.microsoft.com/office/drawing/2016/11/main" r:id="rId4"/>
+              </a:ext>
+            </a:extLst>
+          </a:blip>
+          <a:stretch>
+            <a:fillRect/>
+          </a:stretch>
+        </p:blipFill>
+        <p:spPr>
+          <a:xfrm>
+            <a:off x="4835638" y="1976933"/>
+            <a:ext cx="3173634" cy="3180259"/>
+          </a:xfrm>
+          <a:prstGeom prst="rect">
+            <a:avLst/>
+          </a:prstGeom>
+        </p:spPr>
+      </p:pic>
+    </p:spTree>
+    <p:extLst>
+      <p:ext uri="{BB962C8B-B14F-4D97-AF65-F5344CB8AC3E}">
+        <p14:creationId xmlns:p14="http://schemas.microsoft.com/office/powerpoint/2010/main" val="1750011629"/>
+      </p:ext>
+    </p:extLst>
+  </p:cSld>
+  <p:clrMapOvr>
+    <a:masterClrMapping/>
+  </p:clrMapOvr>
+  <mc:AlternateContent xmlns:mc="http://schemas.openxmlformats.org/markup-compatibility/2006" xmlns:p14="http://schemas.microsoft.com/office/powerpoint/2010/main">
+    <mc:Choice Requires="p14">
+      <p:transition p14:dur="10"/>
+    </mc:Choice>
+    <mc:Fallback xmlns="">
+      <p:transition/>
+    </mc:Fallback>
+  </mc:AlternateContent>
+</p:sld>
+</file>
+
+<file path=ppt/slides/slide20.xml><?xml version="1.0" encoding="utf-8"?>
 <p:sld xmlns:a="http://schemas.openxmlformats.org/drawingml/2006/main" xmlns:r="http://schemas.openxmlformats.org/officeDocument/2006/relationships" xmlns:p="http://schemas.openxmlformats.org/presentationml/2006/main">
   <p:cSld>
     <p:spTree>
@@ -8359,405 +9193,7 @@
 </p:sld>
 </file>
 
-<file path=ppt/slides/slide2.xml><?xml version="1.0" encoding="utf-8"?>
-<p:sld xmlns:a="http://schemas.openxmlformats.org/drawingml/2006/main" xmlns:r="http://schemas.openxmlformats.org/officeDocument/2006/relationships" xmlns:p="http://schemas.openxmlformats.org/presentationml/2006/main">
-  <p:cSld>
-    <p:spTree>
-      <p:nvGrpSpPr>
-        <p:cNvPr id="1" name=""/>
-        <p:cNvGrpSpPr/>
-        <p:nvPr/>
-      </p:nvGrpSpPr>
-      <p:grpSpPr>
-        <a:xfrm>
-          <a:off x="0" y="0"/>
-          <a:ext cx="0" cy="0"/>
-          <a:chOff x="0" y="0"/>
-          <a:chExt cx="0" cy="0"/>
-        </a:xfrm>
-      </p:grpSpPr>
-      <p:sp>
-        <p:nvSpPr>
-          <p:cNvPr id="2" name="Titolo 1"/>
-          <p:cNvSpPr>
-            <a:spLocks noGrp="1"/>
-          </p:cNvSpPr>
-          <p:nvPr>
-            <p:ph type="title"/>
-          </p:nvPr>
-        </p:nvSpPr>
-        <p:spPr>
-          <a:xfrm>
-            <a:off x="899592" y="1112837"/>
-            <a:ext cx="7776096" cy="864096"/>
-          </a:xfrm>
-        </p:spPr>
-        <p:txBody>
-          <a:bodyPr/>
-          <a:lstStyle/>
-          <a:p>
-            <a:r>
-              <a:rPr lang="it-IT" dirty="0"/>
-              <a:t>Peer-to-peer networks and </a:t>
-            </a:r>
-            <a:r>
-              <a:rPr lang="it-IT" dirty="0" err="1"/>
-              <a:t>sensor</a:t>
-            </a:r>
-            <a:r>
-              <a:rPr lang="it-IT" dirty="0"/>
-              <a:t> networks</a:t>
-            </a:r>
-            <a:br>
-              <a:rPr lang="it-IT" dirty="0"/>
-            </a:br>
-            <a:br>
-              <a:rPr lang="it-IT" dirty="0"/>
-            </a:br>
-            <a:br>
-              <a:rPr lang="it-IT" dirty="0"/>
-            </a:br>
-            <a:br>
-              <a:rPr lang="it-IT" dirty="0"/>
-            </a:br>
-            <a:endParaRPr lang="it-IT" dirty="0"/>
-          </a:p>
-        </p:txBody>
-      </p:sp>
-      <p:sp>
-        <p:nvSpPr>
-          <p:cNvPr id="4" name="Segnaposto contenuto 2">
-            <a:extLst>
-              <a:ext uri="{FF2B5EF4-FFF2-40B4-BE49-F238E27FC236}">
-                <a16:creationId xmlns:a16="http://schemas.microsoft.com/office/drawing/2014/main" id="{0BC2DCE9-4E1F-8EF3-17AF-A32CEA100DE1}"/>
-              </a:ext>
-            </a:extLst>
-          </p:cNvPr>
-          <p:cNvSpPr txBox="1">
-            <a:spLocks/>
-          </p:cNvSpPr>
-          <p:nvPr/>
-        </p:nvSpPr>
-        <p:spPr bwMode="auto">
-          <a:xfrm>
-            <a:off x="1187624" y="1844824"/>
-            <a:ext cx="6487576" cy="4114800"/>
-          </a:xfrm>
-          <a:prstGeom prst="rect">
-            <a:avLst/>
-          </a:prstGeom>
-          <a:noFill/>
-          <a:ln>
-            <a:noFill/>
-          </a:ln>
-          <a:extLst>
-            <a:ext uri="{909E8E84-426E-40DD-AFC4-6F175D3DCCD1}">
-              <a14:hiddenFill xmlns:a14="http://schemas.microsoft.com/office/drawing/2010/main">
-                <a:solidFill>
-                  <a:schemeClr val="accent1"/>
-                </a:solidFill>
-              </a14:hiddenFill>
-            </a:ext>
-            <a:ext uri="{91240B29-F687-4F45-9708-019B960494DF}">
-              <a14:hiddenLine xmlns:a14="http://schemas.microsoft.com/office/drawing/2010/main" w="9525">
-                <a:solidFill>
-                  <a:schemeClr val="tx1"/>
-                </a:solidFill>
-                <a:miter lim="800000"/>
-                <a:headEnd/>
-                <a:tailEnd/>
-              </a14:hiddenLine>
-            </a:ext>
-          </a:extLst>
-        </p:spPr>
-        <p:txBody>
-          <a:bodyPr vert="horz" wrap="square" lIns="91440" tIns="45720" rIns="91440" bIns="45720" numCol="1" anchor="t" anchorCtr="0" compatLnSpc="1">
-            <a:prstTxWarp prst="textNoShape">
-              <a:avLst/>
-            </a:prstTxWarp>
-          </a:bodyPr>
-          <a:lstStyle>
-            <a:lvl1pPr marL="342900" indent="-342900" algn="l" rtl="0" eaLnBrk="0" fontAlgn="base" hangingPunct="0">
-              <a:spcBef>
-                <a:spcPct val="20000"/>
-              </a:spcBef>
-              <a:spcAft>
-                <a:spcPct val="0"/>
-              </a:spcAft>
-              <a:buClr>
-                <a:srgbClr val="822433"/>
-              </a:buClr>
-              <a:buChar char="•"/>
-              <a:defRPr sz="2400">
-                <a:solidFill>
-                  <a:srgbClr val="000000"/>
-                </a:solidFill>
-                <a:latin typeface="Calibri"/>
-                <a:ea typeface="MS PGothic" panose="020B0600070205080204" pitchFamily="34" charset="-128"/>
-                <a:cs typeface="ＭＳ Ｐゴシック" charset="0"/>
-              </a:defRPr>
-            </a:lvl1pPr>
-            <a:lvl2pPr marL="742950" indent="-285750" algn="l" rtl="0" eaLnBrk="0" fontAlgn="base" hangingPunct="0">
-              <a:spcBef>
-                <a:spcPct val="20000"/>
-              </a:spcBef>
-              <a:spcAft>
-                <a:spcPct val="0"/>
-              </a:spcAft>
-              <a:buChar char="–"/>
-              <a:defRPr sz="2000">
-                <a:solidFill>
-                  <a:srgbClr val="000000"/>
-                </a:solidFill>
-                <a:latin typeface="Calibri"/>
-                <a:ea typeface="MS PGothic" panose="020B0600070205080204" pitchFamily="34" charset="-128"/>
-              </a:defRPr>
-            </a:lvl2pPr>
-            <a:lvl3pPr marL="1143000" indent="-228600" algn="l" rtl="0" eaLnBrk="0" fontAlgn="base" hangingPunct="0">
-              <a:spcBef>
-                <a:spcPct val="20000"/>
-              </a:spcBef>
-              <a:spcAft>
-                <a:spcPct val="0"/>
-              </a:spcAft>
-              <a:buChar char="•"/>
-              <a:defRPr sz="1600">
-                <a:solidFill>
-                  <a:srgbClr val="000000"/>
-                </a:solidFill>
-                <a:latin typeface="Calibri"/>
-                <a:ea typeface="MS PGothic" panose="020B0600070205080204" pitchFamily="34" charset="-128"/>
-              </a:defRPr>
-            </a:lvl3pPr>
-            <a:lvl4pPr marL="1562100" indent="-228600" algn="l" rtl="0" eaLnBrk="0" fontAlgn="base" hangingPunct="0">
-              <a:spcBef>
-                <a:spcPct val="20000"/>
-              </a:spcBef>
-              <a:spcAft>
-                <a:spcPct val="0"/>
-              </a:spcAft>
-              <a:buChar char="–"/>
-              <a:defRPr sz="1400">
-                <a:solidFill>
-                  <a:srgbClr val="000000"/>
-                </a:solidFill>
-                <a:latin typeface="Calibri"/>
-                <a:ea typeface="MS PGothic" panose="020B0600070205080204" pitchFamily="34" charset="-128"/>
-              </a:defRPr>
-            </a:lvl4pPr>
-            <a:lvl5pPr marL="1981200" indent="-228600" algn="l" rtl="0" eaLnBrk="0" fontAlgn="base" hangingPunct="0">
-              <a:spcBef>
-                <a:spcPct val="20000"/>
-              </a:spcBef>
-              <a:spcAft>
-                <a:spcPct val="0"/>
-              </a:spcAft>
-              <a:buChar char="»"/>
-              <a:defRPr sz="1200">
-                <a:solidFill>
-                  <a:srgbClr val="000000"/>
-                </a:solidFill>
-                <a:latin typeface="Calibri"/>
-                <a:ea typeface="MS PGothic" panose="020B0600070205080204" pitchFamily="34" charset="-128"/>
-              </a:defRPr>
-            </a:lvl5pPr>
-            <a:lvl6pPr marL="2438400" indent="-228600" algn="l" rtl="0" eaLnBrk="1" fontAlgn="base" hangingPunct="1">
-              <a:spcBef>
-                <a:spcPct val="20000"/>
-              </a:spcBef>
-              <a:spcAft>
-                <a:spcPct val="0"/>
-              </a:spcAft>
-              <a:buChar char="»"/>
-              <a:defRPr sz="1200">
-                <a:solidFill>
-                  <a:srgbClr val="000000"/>
-                </a:solidFill>
-                <a:latin typeface="+mn-lt"/>
-                <a:ea typeface="+mn-ea"/>
-              </a:defRPr>
-            </a:lvl6pPr>
-            <a:lvl7pPr marL="2895600" indent="-228600" algn="l" rtl="0" eaLnBrk="1" fontAlgn="base" hangingPunct="1">
-              <a:spcBef>
-                <a:spcPct val="20000"/>
-              </a:spcBef>
-              <a:spcAft>
-                <a:spcPct val="0"/>
-              </a:spcAft>
-              <a:buChar char="»"/>
-              <a:defRPr sz="1200">
-                <a:solidFill>
-                  <a:srgbClr val="000000"/>
-                </a:solidFill>
-                <a:latin typeface="+mn-lt"/>
-                <a:ea typeface="+mn-ea"/>
-              </a:defRPr>
-            </a:lvl7pPr>
-            <a:lvl8pPr marL="3352800" indent="-228600" algn="l" rtl="0" eaLnBrk="1" fontAlgn="base" hangingPunct="1">
-              <a:spcBef>
-                <a:spcPct val="20000"/>
-              </a:spcBef>
-              <a:spcAft>
-                <a:spcPct val="0"/>
-              </a:spcAft>
-              <a:buChar char="»"/>
-              <a:defRPr sz="1200">
-                <a:solidFill>
-                  <a:srgbClr val="000000"/>
-                </a:solidFill>
-                <a:latin typeface="+mn-lt"/>
-                <a:ea typeface="+mn-ea"/>
-              </a:defRPr>
-            </a:lvl8pPr>
-            <a:lvl9pPr marL="3810000" indent="-228600" algn="l" rtl="0" eaLnBrk="1" fontAlgn="base" hangingPunct="1">
-              <a:spcBef>
-                <a:spcPct val="20000"/>
-              </a:spcBef>
-              <a:spcAft>
-                <a:spcPct val="0"/>
-              </a:spcAft>
-              <a:buChar char="»"/>
-              <a:defRPr sz="1200">
-                <a:solidFill>
-                  <a:srgbClr val="000000"/>
-                </a:solidFill>
-                <a:latin typeface="+mn-lt"/>
-                <a:ea typeface="+mn-ea"/>
-              </a:defRPr>
-            </a:lvl9pPr>
-          </a:lstStyle>
-          <a:p>
-            <a:r>
-              <a:rPr lang="en-US" sz="1800" dirty="0"/>
-              <a:t>Massive-scale</a:t>
-            </a:r>
-          </a:p>
-          <a:p>
-            <a:pPr marL="0" indent="0">
-              <a:buNone/>
-            </a:pPr>
-            <a:endParaRPr lang="en-US" sz="1800" dirty="0"/>
-          </a:p>
-          <a:p>
-            <a:r>
-              <a:rPr lang="en-US" sz="1800" dirty="0"/>
-              <a:t>Self-administration</a:t>
-            </a:r>
-          </a:p>
-          <a:p>
-            <a:endParaRPr lang="en-US" sz="1800" dirty="0"/>
-          </a:p>
-          <a:p>
-            <a:r>
-              <a:rPr lang="en-US" sz="1800" dirty="0"/>
-              <a:t>Dynamic</a:t>
-            </a:r>
-          </a:p>
-          <a:p>
-            <a:endParaRPr lang="en-US" sz="1800" dirty="0"/>
-          </a:p>
-          <a:p>
-            <a:r>
-              <a:rPr lang="en-US" sz="1800" dirty="0"/>
-              <a:t>Full of shorted-lived hosts</a:t>
-            </a:r>
-          </a:p>
-          <a:p>
-            <a:endParaRPr lang="en-US" sz="1800" dirty="0"/>
-          </a:p>
-          <a:p>
-            <a:r>
-              <a:rPr lang="en-GB" altLang="en-US" sz="1800" kern="0" dirty="0">
-                <a:latin typeface="Calibri" panose="020F0502020204030204" pitchFamily="34" charset="0"/>
-              </a:rPr>
-              <a:t>Distributed</a:t>
-            </a:r>
-          </a:p>
-          <a:p>
-            <a:endParaRPr lang="en-GB" altLang="en-US" sz="1800" kern="0" dirty="0">
-              <a:latin typeface="Calibri" panose="020F0502020204030204" pitchFamily="34" charset="0"/>
-            </a:endParaRPr>
-          </a:p>
-          <a:p>
-            <a:r>
-              <a:rPr lang="en-GB" altLang="en-US" sz="1800" kern="0" dirty="0">
-                <a:latin typeface="Calibri" panose="020F0502020204030204" pitchFamily="34" charset="0"/>
-              </a:rPr>
-              <a:t>Data-centric</a:t>
-            </a:r>
-          </a:p>
-          <a:p>
-            <a:endParaRPr lang="en-US" sz="1800" dirty="0"/>
-          </a:p>
-          <a:p>
-            <a:endParaRPr lang="en-US" sz="1800" dirty="0"/>
-          </a:p>
-          <a:p>
-            <a:endParaRPr lang="en-US" sz="1800" dirty="0"/>
-          </a:p>
-          <a:p>
-            <a:endParaRPr lang="en-US" sz="1800" dirty="0"/>
-          </a:p>
-        </p:txBody>
-      </p:sp>
-      <p:pic>
-        <p:nvPicPr>
-          <p:cNvPr id="12" name="Immagine 11" descr="Immagine che contiene clipart, cerchio, simbolo, Elementi grafici&#10;&#10;Descrizione generata automaticamente">
-            <a:extLst>
-              <a:ext uri="{FF2B5EF4-FFF2-40B4-BE49-F238E27FC236}">
-                <a16:creationId xmlns:a16="http://schemas.microsoft.com/office/drawing/2014/main" id="{31B77C20-48D3-7974-1667-6CAF96FF7D37}"/>
-              </a:ext>
-            </a:extLst>
-          </p:cNvPr>
-          <p:cNvPicPr>
-            <a:picLocks noChangeAspect="1"/>
-          </p:cNvPicPr>
-          <p:nvPr/>
-        </p:nvPicPr>
-        <p:blipFill>
-          <a:blip r:embed="rId3">
-            <a:extLst>
-              <a:ext uri="{837473B0-CC2E-450A-ABE3-18F120FF3D39}">
-                <a1611:picAttrSrcUrl xmlns:a1611="http://schemas.microsoft.com/office/drawing/2016/11/main" r:id="rId4"/>
-              </a:ext>
-            </a:extLst>
-          </a:blip>
-          <a:stretch>
-            <a:fillRect/>
-          </a:stretch>
-        </p:blipFill>
-        <p:spPr>
-          <a:xfrm>
-            <a:off x="4835638" y="1976933"/>
-            <a:ext cx="3173634" cy="3180259"/>
-          </a:xfrm>
-          <a:prstGeom prst="rect">
-            <a:avLst/>
-          </a:prstGeom>
-        </p:spPr>
-      </p:pic>
-    </p:spTree>
-    <p:extLst>
-      <p:ext uri="{BB962C8B-B14F-4D97-AF65-F5344CB8AC3E}">
-        <p14:creationId xmlns:p14="http://schemas.microsoft.com/office/powerpoint/2010/main" val="1750011629"/>
-      </p:ext>
-    </p:extLst>
-  </p:cSld>
-  <p:clrMapOvr>
-    <a:masterClrMapping/>
-  </p:clrMapOvr>
-  <mc:AlternateContent xmlns:mc="http://schemas.openxmlformats.org/markup-compatibility/2006" xmlns:p14="http://schemas.microsoft.com/office/powerpoint/2010/main">
-    <mc:Choice Requires="p14">
-      <p:transition p14:dur="10"/>
-    </mc:Choice>
-    <mc:Fallback xmlns="">
-      <p:transition/>
-    </mc:Fallback>
-  </mc:AlternateContent>
-</p:sld>
-</file>
-
-<file path=ppt/slides/slide20.xml><?xml version="1.0" encoding="utf-8"?>
+<file path=ppt/slides/slide21.xml><?xml version="1.0" encoding="utf-8"?>
 <p:sld xmlns:a="http://schemas.openxmlformats.org/drawingml/2006/main" xmlns:r="http://schemas.openxmlformats.org/officeDocument/2006/relationships" xmlns:p="http://schemas.openxmlformats.org/presentationml/2006/main">
   <p:cSld>
     <p:spTree>
@@ -9017,7 +9453,7 @@
 </p:sld>
 </file>
 
-<file path=ppt/slides/slide21.xml><?xml version="1.0" encoding="utf-8"?>
+<file path=ppt/slides/slide22.xml><?xml version="1.0" encoding="utf-8"?>
 <p:sld xmlns:a="http://schemas.openxmlformats.org/drawingml/2006/main" xmlns:r="http://schemas.openxmlformats.org/officeDocument/2006/relationships" xmlns:p="http://schemas.openxmlformats.org/presentationml/2006/main">
   <p:cSld>
     <p:spTree>
@@ -9082,14 +9518,14 @@
           <a:effectLst/>
           <a:extLst>
             <a:ext uri="{909E8E84-426E-40dd-AFC4-6F175D3DCCD1}">
-              <a14:hiddenFill xmlns="" xmlns:a14="http://schemas.microsoft.com/office/drawing/2010/main">
+              <a14:hiddenFill xmlns:a14="http://schemas.microsoft.com/office/drawing/2010/main" xmlns="">
                 <a:solidFill>
                   <a:schemeClr val="accent1"/>
                 </a:solidFill>
               </a14:hiddenFill>
             </a:ext>
             <a:ext uri="{91240B29-F687-4f45-9708-019B960494DF}">
-              <a14:hiddenLine xmlns="" xmlns:a14="http://schemas.microsoft.com/office/drawing/2010/main" w="9525" cap="flat" cmpd="sng" algn="ctr">
+              <a14:hiddenLine xmlns:a14="http://schemas.microsoft.com/office/drawing/2010/main" xmlns="" w="9525" cap="flat" cmpd="sng" algn="ctr">
                 <a:solidFill>
                   <a:schemeClr val="tx1"/>
                 </a:solidFill>
@@ -9100,7 +9536,7 @@
               </a14:hiddenLine>
             </a:ext>
             <a:ext uri="{AF507438-7753-43e0-B8FC-AC1667EBCBE1}">
-              <a14:hiddenEffects xmlns="" xmlns:a14="http://schemas.microsoft.com/office/drawing/2010/main">
+              <a14:hiddenEffects xmlns:a14="http://schemas.microsoft.com/office/drawing/2010/main" xmlns="">
                 <a:effectLst>
                   <a:outerShdw blurRad="63500" dist="38099" dir="2700000" algn="ctr" rotWithShape="0">
                     <a:srgbClr val="000000">
@@ -9192,14 +9628,14 @@
           <a:effectLst/>
           <a:extLst>
             <a:ext uri="{909E8E84-426E-40dd-AFC4-6F175D3DCCD1}">
-              <a14:hiddenFill xmlns="" xmlns:a14="http://schemas.microsoft.com/office/drawing/2010/main">
+              <a14:hiddenFill xmlns:a14="http://schemas.microsoft.com/office/drawing/2010/main" xmlns="">
                 <a:solidFill>
                   <a:schemeClr val="accent1"/>
                 </a:solidFill>
               </a14:hiddenFill>
             </a:ext>
             <a:ext uri="{91240B29-F687-4f45-9708-019B960494DF}">
-              <a14:hiddenLine xmlns="" xmlns:a14="http://schemas.microsoft.com/office/drawing/2010/main" w="9525" cap="flat" cmpd="sng" algn="ctr">
+              <a14:hiddenLine xmlns:a14="http://schemas.microsoft.com/office/drawing/2010/main" xmlns="" w="9525" cap="flat" cmpd="sng" algn="ctr">
                 <a:solidFill>
                   <a:schemeClr val="tx1"/>
                 </a:solidFill>
@@ -9210,7 +9646,7 @@
               </a14:hiddenLine>
             </a:ext>
             <a:ext uri="{AF507438-7753-43e0-B8FC-AC1667EBCBE1}">
-              <a14:hiddenEffects xmlns="" xmlns:a14="http://schemas.microsoft.com/office/drawing/2010/main">
+              <a14:hiddenEffects xmlns:a14="http://schemas.microsoft.com/office/drawing/2010/main" xmlns="">
                 <a:effectLst>
                   <a:outerShdw blurRad="63500" dist="38099" dir="2700000" algn="ctr" rotWithShape="0">
                     <a:srgbClr val="000000">
@@ -9275,14 +9711,14 @@
           <a:effectLst/>
           <a:extLst>
             <a:ext uri="{909E8E84-426E-40dd-AFC4-6F175D3DCCD1}">
-              <a14:hiddenFill xmlns="" xmlns:a14="http://schemas.microsoft.com/office/drawing/2010/main">
+              <a14:hiddenFill xmlns:a14="http://schemas.microsoft.com/office/drawing/2010/main" xmlns="">
                 <a:solidFill>
                   <a:schemeClr val="accent1"/>
                 </a:solidFill>
               </a14:hiddenFill>
             </a:ext>
             <a:ext uri="{91240B29-F687-4f45-9708-019B960494DF}">
-              <a14:hiddenLine xmlns="" xmlns:a14="http://schemas.microsoft.com/office/drawing/2010/main" w="9525" cap="flat" cmpd="sng" algn="ctr">
+              <a14:hiddenLine xmlns:a14="http://schemas.microsoft.com/office/drawing/2010/main" xmlns="" w="9525" cap="flat" cmpd="sng" algn="ctr">
                 <a:solidFill>
                   <a:schemeClr val="tx1"/>
                 </a:solidFill>
@@ -9293,7 +9729,7 @@
               </a14:hiddenLine>
             </a:ext>
             <a:ext uri="{AF507438-7753-43e0-B8FC-AC1667EBCBE1}">
-              <a14:hiddenEffects xmlns="" xmlns:a14="http://schemas.microsoft.com/office/drawing/2010/main">
+              <a14:hiddenEffects xmlns:a14="http://schemas.microsoft.com/office/drawing/2010/main" xmlns="">
                 <a:effectLst>
                   <a:outerShdw blurRad="63500" dist="38099" dir="2700000" algn="ctr" rotWithShape="0">
                     <a:srgbClr val="000000">
@@ -9895,7 +10331,7 @@
 </p:sld>
 </file>
 
-<file path=ppt/slides/slide22.xml><?xml version="1.0" encoding="utf-8"?>
+<file path=ppt/slides/slide23.xml><?xml version="1.0" encoding="utf-8"?>
 <p:sld xmlns:a="http://schemas.openxmlformats.org/drawingml/2006/main" xmlns:r="http://schemas.openxmlformats.org/officeDocument/2006/relationships" xmlns:p="http://schemas.openxmlformats.org/presentationml/2006/main">
   <p:cSld>
     <p:spTree>
@@ -10078,7 +10514,7 @@
 </p:sld>
 </file>
 
-<file path=ppt/slides/slide23.xml><?xml version="1.0" encoding="utf-8"?>
+<file path=ppt/slides/slide24.xml><?xml version="1.0" encoding="utf-8"?>
 <p:sld xmlns:a="http://schemas.openxmlformats.org/drawingml/2006/main" xmlns:r="http://schemas.openxmlformats.org/officeDocument/2006/relationships" xmlns:p="http://schemas.openxmlformats.org/presentationml/2006/main">
   <p:cSld>
     <p:spTree>
@@ -10246,7 +10682,7 @@
 </p:sld>
 </file>
 
-<file path=ppt/slides/slide24.xml><?xml version="1.0" encoding="utf-8"?>
+<file path=ppt/slides/slide25.xml><?xml version="1.0" encoding="utf-8"?>
 <p:sld xmlns:a="http://schemas.openxmlformats.org/drawingml/2006/main" xmlns:r="http://schemas.openxmlformats.org/officeDocument/2006/relationships" xmlns:p="http://schemas.openxmlformats.org/presentationml/2006/main">
   <p:cSld>
     <p:spTree>
@@ -10396,7 +10832,7 @@
 </p:sld>
 </file>
 
-<file path=ppt/slides/slide25.xml><?xml version="1.0" encoding="utf-8"?>
+<file path=ppt/slides/slide26.xml><?xml version="1.0" encoding="utf-8"?>
 <p:sld xmlns:a="http://schemas.openxmlformats.org/drawingml/2006/main" xmlns:r="http://schemas.openxmlformats.org/officeDocument/2006/relationships" xmlns:p="http://schemas.openxmlformats.org/presentationml/2006/main">
   <p:cSld>
     <p:spTree>
@@ -10449,7 +10885,7 @@
           <a:effectLst/>
           <a:extLst>
             <a:ext uri="{AF507438-7753-43e0-B8FC-AC1667EBCBE1}">
-              <a14:hiddenEffects xmlns="" xmlns:a14="http://schemas.microsoft.com/office/drawing/2010/main">
+              <a14:hiddenEffects xmlns:a14="http://schemas.microsoft.com/office/drawing/2010/main" xmlns="">
                 <a:effectLst>
                   <a:outerShdw blurRad="63500" dist="38099" dir="2700000" algn="ctr" rotWithShape="0">
                     <a:srgbClr val="000000">
@@ -11611,14 +12047,14 @@
           <a:ln/>
           <a:extLst>
             <a:ext uri="{909E8E84-426E-40dd-AFC4-6F175D3DCCD1}">
-              <a14:hiddenFill xmlns:a14="http://schemas.microsoft.com/office/drawing/2010/main" xmlns="">
+              <a14:hiddenFill xmlns="" xmlns:a14="http://schemas.microsoft.com/office/drawing/2010/main">
                 <a:solidFill>
                   <a:schemeClr val="accent1"/>
                 </a:solidFill>
               </a14:hiddenFill>
             </a:ext>
             <a:ext uri="{91240B29-F687-4f45-9708-019B960494DF}">
-              <a14:hiddenLine xmlns:a14="http://schemas.microsoft.com/office/drawing/2010/main" xmlns="" w="9525" cap="flat" cmpd="sng" algn="ctr">
+              <a14:hiddenLine xmlns="" xmlns:a14="http://schemas.microsoft.com/office/drawing/2010/main" w="9525" cap="flat" cmpd="sng" algn="ctr">
                 <a:solidFill>
                   <a:schemeClr val="tx1"/>
                 </a:solidFill>
@@ -11629,7 +12065,7 @@
               </a14:hiddenLine>
             </a:ext>
             <a:ext uri="{AF507438-7753-43e0-B8FC-AC1667EBCBE1}">
-              <a14:hiddenEffects xmlns:a14="http://schemas.microsoft.com/office/drawing/2010/main" xmlns="">
+              <a14:hiddenEffects xmlns="" xmlns:a14="http://schemas.microsoft.com/office/drawing/2010/main">
                 <a:effectLst>
                   <a:outerShdw blurRad="63500" dist="38099" dir="2700000" algn="ctr" rotWithShape="0">
                     <a:srgbClr val="000000">
@@ -12215,14 +12651,14 @@
           <a:ln/>
           <a:extLst>
             <a:ext uri="{909E8E84-426E-40dd-AFC4-6F175D3DCCD1}">
-              <a14:hiddenFill xmlns:a14="http://schemas.microsoft.com/office/drawing/2010/main" xmlns="">
+              <a14:hiddenFill xmlns="" xmlns:a14="http://schemas.microsoft.com/office/drawing/2010/main">
                 <a:solidFill>
                   <a:schemeClr val="accent1"/>
                 </a:solidFill>
               </a14:hiddenFill>
             </a:ext>
             <a:ext uri="{91240B29-F687-4f45-9708-019B960494DF}">
-              <a14:hiddenLine xmlns:a14="http://schemas.microsoft.com/office/drawing/2010/main" xmlns="" w="9525" cap="flat" cmpd="sng" algn="ctr">
+              <a14:hiddenLine xmlns="" xmlns:a14="http://schemas.microsoft.com/office/drawing/2010/main" w="9525" cap="flat" cmpd="sng" algn="ctr">
                 <a:solidFill>
                   <a:schemeClr val="tx1"/>
                 </a:solidFill>
@@ -12233,7 +12669,7 @@
               </a14:hiddenLine>
             </a:ext>
             <a:ext uri="{AF507438-7753-43e0-B8FC-AC1667EBCBE1}">
-              <a14:hiddenEffects xmlns:a14="http://schemas.microsoft.com/office/drawing/2010/main" xmlns="">
+              <a14:hiddenEffects xmlns="" xmlns:a14="http://schemas.microsoft.com/office/drawing/2010/main">
                 <a:effectLst>
                   <a:outerShdw blurRad="63500" dist="38099" dir="2700000" algn="ctr" rotWithShape="0">
                     <a:srgbClr val="000000">
@@ -12329,14 +12765,14 @@
           <a:effectLst/>
           <a:extLst>
             <a:ext uri="{909E8E84-426E-40dd-AFC4-6F175D3DCCD1}">
-              <a14:hiddenFill xmlns:a14="http://schemas.microsoft.com/office/drawing/2010/main" xmlns="">
+              <a14:hiddenFill xmlns="" xmlns:a14="http://schemas.microsoft.com/office/drawing/2010/main">
                 <a:solidFill>
                   <a:schemeClr val="accent1"/>
                 </a:solidFill>
               </a14:hiddenFill>
             </a:ext>
             <a:ext uri="{91240B29-F687-4f45-9708-019B960494DF}">
-              <a14:hiddenLine xmlns:a14="http://schemas.microsoft.com/office/drawing/2010/main" xmlns="" w="9525" cap="flat" cmpd="sng" algn="ctr">
+              <a14:hiddenLine xmlns="" xmlns:a14="http://schemas.microsoft.com/office/drawing/2010/main" w="9525" cap="flat" cmpd="sng" algn="ctr">
                 <a:solidFill>
                   <a:schemeClr val="tx1"/>
                 </a:solidFill>
@@ -12347,7 +12783,7 @@
               </a14:hiddenLine>
             </a:ext>
             <a:ext uri="{AF507438-7753-43e0-B8FC-AC1667EBCBE1}">
-              <a14:hiddenEffects xmlns:a14="http://schemas.microsoft.com/office/drawing/2010/main" xmlns="">
+              <a14:hiddenEffects xmlns="" xmlns:a14="http://schemas.microsoft.com/office/drawing/2010/main">
                 <a:effectLst>
                   <a:outerShdw blurRad="63500" dist="38099" dir="2700000" algn="ctr" rotWithShape="0">
                     <a:srgbClr val="000000">
@@ -12900,14 +13336,14 @@
           <a:effectLst/>
           <a:extLst>
             <a:ext uri="{909E8E84-426E-40dd-AFC4-6F175D3DCCD1}">
-              <a14:hiddenFill xmlns:a14="http://schemas.microsoft.com/office/drawing/2010/main" xmlns="">
+              <a14:hiddenFill xmlns="" xmlns:a14="http://schemas.microsoft.com/office/drawing/2010/main">
                 <a:solidFill>
                   <a:schemeClr val="accent1"/>
                 </a:solidFill>
               </a14:hiddenFill>
             </a:ext>
             <a:ext uri="{91240B29-F687-4f45-9708-019B960494DF}">
-              <a14:hiddenLine xmlns:a14="http://schemas.microsoft.com/office/drawing/2010/main" xmlns="" w="9525" cap="flat" cmpd="sng" algn="ctr">
+              <a14:hiddenLine xmlns="" xmlns:a14="http://schemas.microsoft.com/office/drawing/2010/main" w="9525" cap="flat" cmpd="sng" algn="ctr">
                 <a:solidFill>
                   <a:schemeClr val="tx1"/>
                 </a:solidFill>
@@ -12918,7 +13354,7 @@
               </a14:hiddenLine>
             </a:ext>
             <a:ext uri="{AF507438-7753-43e0-B8FC-AC1667EBCBE1}">
-              <a14:hiddenEffects xmlns:a14="http://schemas.microsoft.com/office/drawing/2010/main" xmlns="">
+              <a14:hiddenEffects xmlns="" xmlns:a14="http://schemas.microsoft.com/office/drawing/2010/main">
                 <a:effectLst>
                   <a:outerShdw blurRad="63500" dist="38099" dir="2700000" algn="ctr" rotWithShape="0">
                     <a:srgbClr val="000000">
@@ -13286,14 +13722,14 @@
           <a:ln/>
           <a:extLst>
             <a:ext uri="{909E8E84-426E-40dd-AFC4-6F175D3DCCD1}">
-              <a14:hiddenFill xmlns:a14="http://schemas.microsoft.com/office/drawing/2010/main" xmlns="">
+              <a14:hiddenFill xmlns="" xmlns:a14="http://schemas.microsoft.com/office/drawing/2010/main">
                 <a:solidFill>
                   <a:schemeClr val="accent1"/>
                 </a:solidFill>
               </a14:hiddenFill>
             </a:ext>
             <a:ext uri="{91240B29-F687-4f45-9708-019B960494DF}">
-              <a14:hiddenLine xmlns:a14="http://schemas.microsoft.com/office/drawing/2010/main" xmlns="" w="9525" cap="flat" cmpd="sng" algn="ctr">
+              <a14:hiddenLine xmlns="" xmlns:a14="http://schemas.microsoft.com/office/drawing/2010/main" w="9525" cap="flat" cmpd="sng" algn="ctr">
                 <a:solidFill>
                   <a:schemeClr val="tx1"/>
                 </a:solidFill>
@@ -13304,7 +13740,7 @@
               </a14:hiddenLine>
             </a:ext>
             <a:ext uri="{AF507438-7753-43e0-B8FC-AC1667EBCBE1}">
-              <a14:hiddenEffects xmlns:a14="http://schemas.microsoft.com/office/drawing/2010/main" xmlns="">
+              <a14:hiddenEffects xmlns="" xmlns:a14="http://schemas.microsoft.com/office/drawing/2010/main">
                 <a:effectLst>
                   <a:outerShdw blurRad="63500" dist="38099" dir="2700000" algn="ctr" rotWithShape="0">
                     <a:srgbClr val="000000">
@@ -13392,14 +13828,14 @@
           <a:ln/>
           <a:extLst>
             <a:ext uri="{909E8E84-426E-40dd-AFC4-6F175D3DCCD1}">
-              <a14:hiddenFill xmlns:a14="http://schemas.microsoft.com/office/drawing/2010/main" xmlns="">
+              <a14:hiddenFill xmlns="" xmlns:a14="http://schemas.microsoft.com/office/drawing/2010/main">
                 <a:solidFill>
                   <a:schemeClr val="accent1"/>
                 </a:solidFill>
               </a14:hiddenFill>
             </a:ext>
             <a:ext uri="{91240B29-F687-4f45-9708-019B960494DF}">
-              <a14:hiddenLine xmlns:a14="http://schemas.microsoft.com/office/drawing/2010/main" xmlns="" w="9525" cap="flat" cmpd="sng" algn="ctr">
+              <a14:hiddenLine xmlns="" xmlns:a14="http://schemas.microsoft.com/office/drawing/2010/main" w="9525" cap="flat" cmpd="sng" algn="ctr">
                 <a:solidFill>
                   <a:schemeClr val="tx1"/>
                 </a:solidFill>
@@ -13410,7 +13846,7 @@
               </a14:hiddenLine>
             </a:ext>
             <a:ext uri="{AF507438-7753-43e0-B8FC-AC1667EBCBE1}">
-              <a14:hiddenEffects xmlns:a14="http://schemas.microsoft.com/office/drawing/2010/main" xmlns="">
+              <a14:hiddenEffects xmlns="" xmlns:a14="http://schemas.microsoft.com/office/drawing/2010/main">
                 <a:effectLst>
                   <a:outerShdw blurRad="63500" dist="38099" dir="2700000" algn="ctr" rotWithShape="0">
                     <a:srgbClr val="000000">
@@ -14076,14 +14512,14 @@
           <a:ln/>
           <a:extLst>
             <a:ext uri="{909E8E84-426E-40dd-AFC4-6F175D3DCCD1}">
-              <a14:hiddenFill xmlns:a14="http://schemas.microsoft.com/office/drawing/2010/main" xmlns="">
+              <a14:hiddenFill xmlns="" xmlns:a14="http://schemas.microsoft.com/office/drawing/2010/main">
                 <a:solidFill>
                   <a:schemeClr val="accent1"/>
                 </a:solidFill>
               </a14:hiddenFill>
             </a:ext>
             <a:ext uri="{91240B29-F687-4f45-9708-019B960494DF}">
-              <a14:hiddenLine xmlns:a14="http://schemas.microsoft.com/office/drawing/2010/main" xmlns="" w="9525" cap="flat" cmpd="sng" algn="ctr">
+              <a14:hiddenLine xmlns="" xmlns:a14="http://schemas.microsoft.com/office/drawing/2010/main" w="9525" cap="flat" cmpd="sng" algn="ctr">
                 <a:solidFill>
                   <a:schemeClr val="tx1"/>
                 </a:solidFill>
@@ -14094,7 +14530,7 @@
               </a14:hiddenLine>
             </a:ext>
             <a:ext uri="{AF507438-7753-43e0-B8FC-AC1667EBCBE1}">
-              <a14:hiddenEffects xmlns:a14="http://schemas.microsoft.com/office/drawing/2010/main" xmlns="">
+              <a14:hiddenEffects xmlns="" xmlns:a14="http://schemas.microsoft.com/office/drawing/2010/main">
                 <a:effectLst>
                   <a:outerShdw blurRad="63500" dist="38099" dir="2700000" algn="ctr" rotWithShape="0">
                     <a:srgbClr val="000000">
@@ -14342,8 +14778,8 @@
           </a:p>
         </p:txBody>
       </p:sp>
-      <mc:AlternateContent xmlns:mc="http://schemas.openxmlformats.org/markup-compatibility/2006">
-        <mc:Choice xmlns:a14="http://schemas.microsoft.com/office/drawing/2010/main" Requires="a14">
+      <mc:AlternateContent xmlns:mc="http://schemas.openxmlformats.org/markup-compatibility/2006" xmlns:a14="http://schemas.microsoft.com/office/drawing/2010/main">
+        <mc:Choice Requires="a14">
           <p:sp>
             <p:nvSpPr>
               <p:cNvPr id="3" name="Segnaposto contenuto 2"/>
@@ -14414,7 +14850,7 @@
                     <m:sSub>
                       <m:sSubPr>
                         <m:ctrlPr>
-                          <a:rPr lang="it-IT" sz="1800" dirty="0" smtClean="0">
+                          <a:rPr lang="it-IT" sz="1800" i="1" dirty="0" smtClean="0">
                             <a:effectLst/>
                             <a:latin typeface="Cambria Math" panose="02040503050406030204" pitchFamily="18" charset="0"/>
                           </a:rPr>
@@ -14471,7 +14907,7 @@
                     <m:sSub>
                       <m:sSubPr>
                         <m:ctrlPr>
-                          <a:rPr lang="it-IT" sz="1800" dirty="0">
+                          <a:rPr lang="it-IT" sz="1800" i="1" dirty="0">
                             <a:latin typeface="Cambria Math" panose="02040503050406030204" pitchFamily="18" charset="0"/>
                           </a:rPr>
                         </m:ctrlPr>
@@ -14731,7 +15167,7 @@
             </p:txBody>
           </p:sp>
         </mc:Choice>
-        <mc:Fallback>
+        <mc:Fallback xmlns="">
           <p:sp>
             <p:nvSpPr>
               <p:cNvPr id="3" name="Segnaposto contenuto 2"/>
@@ -14792,6 +15228,526 @@
           <a:ln/>
           <a:extLst>
             <a:ext uri="{909E8E84-426E-40dd-AFC4-6F175D3DCCD1}">
+              <a14:hiddenFill xmlns:a14="http://schemas.microsoft.com/office/drawing/2010/main" xmlns="">
+                <a:solidFill>
+                  <a:schemeClr val="accent1"/>
+                </a:solidFill>
+              </a14:hiddenFill>
+            </a:ext>
+            <a:ext uri="{91240B29-F687-4f45-9708-019B960494DF}">
+              <a14:hiddenLine xmlns:a14="http://schemas.microsoft.com/office/drawing/2010/main" xmlns="" w="9525" cap="flat" cmpd="sng" algn="ctr">
+                <a:solidFill>
+                  <a:schemeClr val="tx1"/>
+                </a:solidFill>
+                <a:prstDash val="solid"/>
+                <a:round/>
+                <a:headEnd type="none" w="med" len="med"/>
+                <a:tailEnd type="none" w="med" len="med"/>
+              </a14:hiddenLine>
+            </a:ext>
+            <a:ext uri="{AF507438-7753-43e0-B8FC-AC1667EBCBE1}">
+              <a14:hiddenEffects xmlns:a14="http://schemas.microsoft.com/office/drawing/2010/main" xmlns="">
+                <a:effectLst>
+                  <a:outerShdw blurRad="63500" dist="38099" dir="2700000" algn="ctr" rotWithShape="0">
+                    <a:srgbClr val="000000">
+                      <a:alpha val="74998"/>
+                    </a:srgbClr>
+                  </a:outerShdw>
+                </a:effectLst>
+              </a14:hiddenEffects>
+            </a:ext>
+          </a:extLst>
+        </p:spPr>
+        <p:style>
+          <a:lnRef idx="2">
+            <a:schemeClr val="dk1"/>
+          </a:lnRef>
+          <a:fillRef idx="1">
+            <a:schemeClr val="lt1"/>
+          </a:fillRef>
+          <a:effectRef idx="0">
+            <a:schemeClr val="dk1"/>
+          </a:effectRef>
+          <a:fontRef idx="minor">
+            <a:schemeClr val="dk1"/>
+          </a:fontRef>
+        </p:style>
+        <p:txBody>
+          <a:bodyPr vert="horz" wrap="square" lIns="91440" tIns="45720" rIns="91440" bIns="45720" numCol="1" rtlCol="0" anchor="t" anchorCtr="0" compatLnSpc="1">
+            <a:prstTxWarp prst="textNoShape">
+              <a:avLst/>
+            </a:prstTxWarp>
+          </a:bodyPr>
+          <a:lstStyle/>
+          <a:p>
+            <a:pPr marL="0" marR="0" indent="0" algn="l" defTabSz="914400" rtl="0" eaLnBrk="0" fontAlgn="base" latinLnBrk="0" hangingPunct="0">
+              <a:lnSpc>
+                <a:spcPct val="100000"/>
+              </a:lnSpc>
+              <a:spcBef>
+                <a:spcPct val="0"/>
+              </a:spcBef>
+              <a:spcAft>
+                <a:spcPct val="0"/>
+              </a:spcAft>
+              <a:buClrTx/>
+              <a:buSzTx/>
+              <a:buFontTx/>
+              <a:buNone/>
+              <a:tabLst/>
+            </a:pPr>
+            <a:endParaRPr kumimoji="0" lang="it-IT" sz="2400" b="0" i="0" u="none" strike="noStrike" cap="none" normalizeH="0" baseline="0">
+              <a:ln>
+                <a:noFill/>
+              </a:ln>
+              <a:solidFill>
+                <a:srgbClr val="000000"/>
+              </a:solidFill>
+              <a:effectLst/>
+              <a:latin typeface="Arial" charset="0"/>
+              <a:ea typeface="ＭＳ Ｐゴシック" charset="0"/>
+              <a:cs typeface="ＭＳ Ｐゴシック" charset="0"/>
+            </a:endParaRPr>
+          </a:p>
+        </p:txBody>
+      </p:sp>
+      <p:sp>
+        <p:nvSpPr>
+          <p:cNvPr id="6" name="Freccia giù 5">
+            <a:extLst>
+              <a:ext uri="{FF2B5EF4-FFF2-40B4-BE49-F238E27FC236}">
+                <a16:creationId xmlns:a16="http://schemas.microsoft.com/office/drawing/2014/main" id="{8F595931-B9A2-56CC-01CE-1D569EB2FC8B}"/>
+              </a:ext>
+            </a:extLst>
+          </p:cNvPr>
+          <p:cNvSpPr/>
+          <p:nvPr/>
+        </p:nvSpPr>
+        <p:spPr bwMode="auto">
+          <a:xfrm flipH="1">
+            <a:off x="3677014" y="4159772"/>
+            <a:ext cx="314322" cy="685918"/>
+          </a:xfrm>
+          <a:prstGeom prst="downArrow">
+            <a:avLst/>
+          </a:prstGeom>
+          <a:ln/>
+          <a:extLst>
+            <a:ext uri="{909E8E84-426E-40dd-AFC4-6F175D3DCCD1}">
+              <a14:hiddenFill xmlns:a14="http://schemas.microsoft.com/office/drawing/2010/main" xmlns="">
+                <a:solidFill>
+                  <a:schemeClr val="accent1"/>
+                </a:solidFill>
+              </a14:hiddenFill>
+            </a:ext>
+            <a:ext uri="{91240B29-F687-4f45-9708-019B960494DF}">
+              <a14:hiddenLine xmlns:a14="http://schemas.microsoft.com/office/drawing/2010/main" xmlns="" w="9525" cap="flat" cmpd="sng" algn="ctr">
+                <a:solidFill>
+                  <a:schemeClr val="tx1"/>
+                </a:solidFill>
+                <a:prstDash val="solid"/>
+                <a:round/>
+                <a:headEnd type="none" w="med" len="med"/>
+                <a:tailEnd type="none" w="med" len="med"/>
+              </a14:hiddenLine>
+            </a:ext>
+            <a:ext uri="{AF507438-7753-43e0-B8FC-AC1667EBCBE1}">
+              <a14:hiddenEffects xmlns:a14="http://schemas.microsoft.com/office/drawing/2010/main" xmlns="">
+                <a:effectLst>
+                  <a:outerShdw blurRad="63500" dist="38099" dir="2700000" algn="ctr" rotWithShape="0">
+                    <a:srgbClr val="000000">
+                      <a:alpha val="74998"/>
+                    </a:srgbClr>
+                  </a:outerShdw>
+                </a:effectLst>
+              </a14:hiddenEffects>
+            </a:ext>
+          </a:extLst>
+        </p:spPr>
+        <p:style>
+          <a:lnRef idx="2">
+            <a:schemeClr val="dk1"/>
+          </a:lnRef>
+          <a:fillRef idx="1">
+            <a:schemeClr val="lt1"/>
+          </a:fillRef>
+          <a:effectRef idx="0">
+            <a:schemeClr val="dk1"/>
+          </a:effectRef>
+          <a:fontRef idx="minor">
+            <a:schemeClr val="dk1"/>
+          </a:fontRef>
+        </p:style>
+        <p:txBody>
+          <a:bodyPr vert="horz" wrap="square" lIns="91440" tIns="45720" rIns="91440" bIns="45720" numCol="1" rtlCol="0" anchor="t" anchorCtr="0" compatLnSpc="1">
+            <a:prstTxWarp prst="textNoShape">
+              <a:avLst/>
+            </a:prstTxWarp>
+          </a:bodyPr>
+          <a:lstStyle/>
+          <a:p>
+            <a:pPr marL="0" marR="0" indent="0" algn="l" defTabSz="914400" rtl="0" eaLnBrk="0" fontAlgn="base" latinLnBrk="0" hangingPunct="0">
+              <a:lnSpc>
+                <a:spcPct val="100000"/>
+              </a:lnSpc>
+              <a:spcBef>
+                <a:spcPct val="0"/>
+              </a:spcBef>
+              <a:spcAft>
+                <a:spcPct val="0"/>
+              </a:spcAft>
+              <a:buClrTx/>
+              <a:buSzTx/>
+              <a:buFontTx/>
+              <a:buNone/>
+              <a:tabLst/>
+            </a:pPr>
+            <a:endParaRPr kumimoji="0" lang="it-IT" sz="2400" b="0" i="0" u="none" strike="noStrike" cap="none" normalizeH="0" baseline="0">
+              <a:ln>
+                <a:noFill/>
+              </a:ln>
+              <a:solidFill>
+                <a:srgbClr val="000000"/>
+              </a:solidFill>
+              <a:effectLst/>
+              <a:latin typeface="Arial" charset="0"/>
+              <a:ea typeface="ＭＳ Ｐゴシック" charset="0"/>
+              <a:cs typeface="ＭＳ Ｐゴシック" charset="0"/>
+            </a:endParaRPr>
+          </a:p>
+        </p:txBody>
+      </p:sp>
+      <p:sp>
+        <p:nvSpPr>
+          <p:cNvPr id="7" name="Freccia giù 6">
+            <a:extLst>
+              <a:ext uri="{FF2B5EF4-FFF2-40B4-BE49-F238E27FC236}">
+                <a16:creationId xmlns:a16="http://schemas.microsoft.com/office/drawing/2014/main" id="{05436A61-E770-BCDF-A7AF-016ED521C790}"/>
+              </a:ext>
+            </a:extLst>
+          </p:cNvPr>
+          <p:cNvSpPr/>
+          <p:nvPr/>
+        </p:nvSpPr>
+        <p:spPr bwMode="auto">
+          <a:xfrm rot="1732211" flipH="1">
+            <a:off x="1816502" y="4202045"/>
+            <a:ext cx="314322" cy="648072"/>
+          </a:xfrm>
+          <a:prstGeom prst="downArrow">
+            <a:avLst/>
+          </a:prstGeom>
+          <a:ln/>
+          <a:extLst>
+            <a:ext uri="{909E8E84-426E-40dd-AFC4-6F175D3DCCD1}">
+              <a14:hiddenFill xmlns:a14="http://schemas.microsoft.com/office/drawing/2010/main" xmlns="">
+                <a:solidFill>
+                  <a:schemeClr val="accent1"/>
+                </a:solidFill>
+              </a14:hiddenFill>
+            </a:ext>
+            <a:ext uri="{91240B29-F687-4f45-9708-019B960494DF}">
+              <a14:hiddenLine xmlns:a14="http://schemas.microsoft.com/office/drawing/2010/main" xmlns="" w="9525" cap="flat" cmpd="sng" algn="ctr">
+                <a:solidFill>
+                  <a:schemeClr val="tx1"/>
+                </a:solidFill>
+                <a:prstDash val="solid"/>
+                <a:round/>
+                <a:headEnd type="none" w="med" len="med"/>
+                <a:tailEnd type="none" w="med" len="med"/>
+              </a14:hiddenLine>
+            </a:ext>
+            <a:ext uri="{AF507438-7753-43e0-B8FC-AC1667EBCBE1}">
+              <a14:hiddenEffects xmlns:a14="http://schemas.microsoft.com/office/drawing/2010/main" xmlns="">
+                <a:effectLst>
+                  <a:outerShdw blurRad="63500" dist="38099" dir="2700000" algn="ctr" rotWithShape="0">
+                    <a:srgbClr val="000000">
+                      <a:alpha val="74998"/>
+                    </a:srgbClr>
+                  </a:outerShdw>
+                </a:effectLst>
+              </a14:hiddenEffects>
+            </a:ext>
+          </a:extLst>
+        </p:spPr>
+        <p:style>
+          <a:lnRef idx="2">
+            <a:schemeClr val="dk1"/>
+          </a:lnRef>
+          <a:fillRef idx="1">
+            <a:schemeClr val="lt1"/>
+          </a:fillRef>
+          <a:effectRef idx="0">
+            <a:schemeClr val="dk1"/>
+          </a:effectRef>
+          <a:fontRef idx="minor">
+            <a:schemeClr val="dk1"/>
+          </a:fontRef>
+        </p:style>
+        <p:txBody>
+          <a:bodyPr vert="horz" wrap="square" lIns="91440" tIns="45720" rIns="91440" bIns="45720" numCol="1" rtlCol="0" anchor="t" anchorCtr="0" compatLnSpc="1">
+            <a:prstTxWarp prst="textNoShape">
+              <a:avLst/>
+            </a:prstTxWarp>
+          </a:bodyPr>
+          <a:lstStyle/>
+          <a:p>
+            <a:pPr marL="0" marR="0" indent="0" algn="l" defTabSz="914400" rtl="0" eaLnBrk="0" fontAlgn="base" latinLnBrk="0" hangingPunct="0">
+              <a:lnSpc>
+                <a:spcPct val="100000"/>
+              </a:lnSpc>
+              <a:spcBef>
+                <a:spcPct val="0"/>
+              </a:spcBef>
+              <a:spcAft>
+                <a:spcPct val="0"/>
+              </a:spcAft>
+              <a:buClrTx/>
+              <a:buSzTx/>
+              <a:buFontTx/>
+              <a:buNone/>
+              <a:tabLst/>
+            </a:pPr>
+            <a:endParaRPr kumimoji="0" lang="it-IT" sz="2400" b="0" i="0" u="none" strike="noStrike" cap="none" normalizeH="0" baseline="0">
+              <a:ln>
+                <a:noFill/>
+              </a:ln>
+              <a:solidFill>
+                <a:srgbClr val="000000"/>
+              </a:solidFill>
+              <a:effectLst/>
+              <a:latin typeface="Arial" charset="0"/>
+              <a:ea typeface="ＭＳ Ｐゴシック" charset="0"/>
+              <a:cs typeface="ＭＳ Ｐゴシック" charset="0"/>
+            </a:endParaRPr>
+          </a:p>
+        </p:txBody>
+      </p:sp>
+      <p:sp>
+        <p:nvSpPr>
+          <p:cNvPr id="8" name="Freccia giù 7">
+            <a:extLst>
+              <a:ext uri="{FF2B5EF4-FFF2-40B4-BE49-F238E27FC236}">
+                <a16:creationId xmlns:a16="http://schemas.microsoft.com/office/drawing/2014/main" id="{29EB65B5-EEC6-862F-FD71-068AF2768B2A}"/>
+              </a:ext>
+            </a:extLst>
+          </p:cNvPr>
+          <p:cNvSpPr/>
+          <p:nvPr/>
+        </p:nvSpPr>
+        <p:spPr bwMode="auto">
+          <a:xfrm rot="19475894" flipH="1">
+            <a:off x="4472725" y="4103875"/>
+            <a:ext cx="314322" cy="722584"/>
+          </a:xfrm>
+          <a:prstGeom prst="downArrow">
+            <a:avLst/>
+          </a:prstGeom>
+          <a:ln/>
+          <a:extLst>
+            <a:ext uri="{909E8E84-426E-40dd-AFC4-6F175D3DCCD1}">
+              <a14:hiddenFill xmlns:a14="http://schemas.microsoft.com/office/drawing/2010/main" xmlns="">
+                <a:solidFill>
+                  <a:schemeClr val="accent1"/>
+                </a:solidFill>
+              </a14:hiddenFill>
+            </a:ext>
+            <a:ext uri="{91240B29-F687-4f45-9708-019B960494DF}">
+              <a14:hiddenLine xmlns:a14="http://schemas.microsoft.com/office/drawing/2010/main" xmlns="" w="9525" cap="flat" cmpd="sng" algn="ctr">
+                <a:solidFill>
+                  <a:schemeClr val="tx1"/>
+                </a:solidFill>
+                <a:prstDash val="solid"/>
+                <a:round/>
+                <a:headEnd type="none" w="med" len="med"/>
+                <a:tailEnd type="none" w="med" len="med"/>
+              </a14:hiddenLine>
+            </a:ext>
+            <a:ext uri="{AF507438-7753-43e0-B8FC-AC1667EBCBE1}">
+              <a14:hiddenEffects xmlns:a14="http://schemas.microsoft.com/office/drawing/2010/main" xmlns="">
+                <a:effectLst>
+                  <a:outerShdw blurRad="63500" dist="38099" dir="2700000" algn="ctr" rotWithShape="0">
+                    <a:srgbClr val="000000">
+                      <a:alpha val="74998"/>
+                    </a:srgbClr>
+                  </a:outerShdw>
+                </a:effectLst>
+              </a14:hiddenEffects>
+            </a:ext>
+          </a:extLst>
+        </p:spPr>
+        <p:style>
+          <a:lnRef idx="2">
+            <a:schemeClr val="dk1"/>
+          </a:lnRef>
+          <a:fillRef idx="1">
+            <a:schemeClr val="lt1"/>
+          </a:fillRef>
+          <a:effectRef idx="0">
+            <a:schemeClr val="dk1"/>
+          </a:effectRef>
+          <a:fontRef idx="minor">
+            <a:schemeClr val="dk1"/>
+          </a:fontRef>
+        </p:style>
+        <p:txBody>
+          <a:bodyPr vert="horz" wrap="square" lIns="91440" tIns="45720" rIns="91440" bIns="45720" numCol="1" rtlCol="0" anchor="t" anchorCtr="0" compatLnSpc="1">
+            <a:prstTxWarp prst="textNoShape">
+              <a:avLst/>
+            </a:prstTxWarp>
+          </a:bodyPr>
+          <a:lstStyle/>
+          <a:p>
+            <a:pPr marL="0" marR="0" indent="0" algn="l" defTabSz="914400" rtl="0" eaLnBrk="0" fontAlgn="base" latinLnBrk="0" hangingPunct="0">
+              <a:lnSpc>
+                <a:spcPct val="100000"/>
+              </a:lnSpc>
+              <a:spcBef>
+                <a:spcPct val="0"/>
+              </a:spcBef>
+              <a:spcAft>
+                <a:spcPct val="0"/>
+              </a:spcAft>
+              <a:buClrTx/>
+              <a:buSzTx/>
+              <a:buFontTx/>
+              <a:buNone/>
+              <a:tabLst/>
+            </a:pPr>
+            <a:endParaRPr kumimoji="0" lang="it-IT" sz="2400" b="0" i="0" u="none" strike="noStrike" cap="none" normalizeH="0" baseline="0">
+              <a:ln>
+                <a:noFill/>
+              </a:ln>
+              <a:solidFill>
+                <a:srgbClr val="000000"/>
+              </a:solidFill>
+              <a:effectLst/>
+              <a:latin typeface="Arial" charset="0"/>
+              <a:ea typeface="ＭＳ Ｐゴシック" charset="0"/>
+              <a:cs typeface="ＭＳ Ｐゴシック" charset="0"/>
+            </a:endParaRPr>
+          </a:p>
+        </p:txBody>
+      </p:sp>
+      <p:sp>
+        <p:nvSpPr>
+          <p:cNvPr id="9" name="Freccia destra con strisce 8">
+            <a:extLst>
+              <a:ext uri="{FF2B5EF4-FFF2-40B4-BE49-F238E27FC236}">
+                <a16:creationId xmlns:a16="http://schemas.microsoft.com/office/drawing/2014/main" id="{4A96D5F1-3C69-A408-68D2-BF5FBAADEED8}"/>
+              </a:ext>
+            </a:extLst>
+          </p:cNvPr>
+          <p:cNvSpPr/>
+          <p:nvPr/>
+        </p:nvSpPr>
+        <p:spPr bwMode="auto">
+          <a:xfrm>
+            <a:off x="5076056" y="3933056"/>
+            <a:ext cx="1152128" cy="233379"/>
+          </a:xfrm>
+          <a:prstGeom prst="stripedRightArrow">
+            <a:avLst/>
+          </a:prstGeom>
+          <a:noFill/>
+          <a:ln>
+            <a:noFill/>
+          </a:ln>
+          <a:effectLst/>
+          <a:extLst>
+            <a:ext uri="{909E8E84-426E-40dd-AFC4-6F175D3DCCD1}">
+              <a14:hiddenFill xmlns:a14="http://schemas.microsoft.com/office/drawing/2010/main" xmlns="">
+                <a:solidFill>
+                  <a:schemeClr val="accent1"/>
+                </a:solidFill>
+              </a14:hiddenFill>
+            </a:ext>
+            <a:ext uri="{91240B29-F687-4f45-9708-019B960494DF}">
+              <a14:hiddenLine xmlns:a14="http://schemas.microsoft.com/office/drawing/2010/main" xmlns="" w="9525" cap="flat" cmpd="sng" algn="ctr">
+                <a:solidFill>
+                  <a:schemeClr val="tx1"/>
+                </a:solidFill>
+                <a:prstDash val="solid"/>
+                <a:round/>
+                <a:headEnd type="none" w="med" len="med"/>
+                <a:tailEnd type="none" w="med" len="med"/>
+              </a14:hiddenLine>
+            </a:ext>
+            <a:ext uri="{AF507438-7753-43e0-B8FC-AC1667EBCBE1}">
+              <a14:hiddenEffects xmlns:a14="http://schemas.microsoft.com/office/drawing/2010/main" xmlns="">
+                <a:effectLst>
+                  <a:outerShdw blurRad="63500" dist="38099" dir="2700000" algn="ctr" rotWithShape="0">
+                    <a:srgbClr val="000000">
+                      <a:alpha val="74998"/>
+                    </a:srgbClr>
+                  </a:outerShdw>
+                </a:effectLst>
+              </a14:hiddenEffects>
+            </a:ext>
+          </a:extLst>
+        </p:spPr>
+        <p:txBody>
+          <a:bodyPr vert="horz" wrap="square" lIns="91440" tIns="45720" rIns="91440" bIns="45720" numCol="1" rtlCol="0" anchor="t" anchorCtr="0" compatLnSpc="1">
+            <a:prstTxWarp prst="textNoShape">
+              <a:avLst/>
+            </a:prstTxWarp>
+          </a:bodyPr>
+          <a:lstStyle/>
+          <a:p>
+            <a:pPr marL="0" marR="0" indent="0" algn="l" defTabSz="914400" rtl="0" eaLnBrk="0" fontAlgn="base" latinLnBrk="0" hangingPunct="0">
+              <a:lnSpc>
+                <a:spcPct val="100000"/>
+              </a:lnSpc>
+              <a:spcBef>
+                <a:spcPct val="0"/>
+              </a:spcBef>
+              <a:spcAft>
+                <a:spcPct val="0"/>
+              </a:spcAft>
+              <a:buClrTx/>
+              <a:buSzTx/>
+              <a:buFontTx/>
+              <a:buNone/>
+              <a:tabLst/>
+            </a:pPr>
+            <a:endParaRPr kumimoji="0" lang="it-IT" sz="2400" b="0" i="0" u="none" strike="noStrike" cap="none" normalizeH="0" baseline="0">
+              <a:ln>
+                <a:noFill/>
+              </a:ln>
+              <a:solidFill>
+                <a:srgbClr val="000000"/>
+              </a:solidFill>
+              <a:effectLst/>
+              <a:latin typeface="Arial" charset="0"/>
+              <a:ea typeface="ＭＳ Ｐゴシック" charset="0"/>
+              <a:cs typeface="ＭＳ Ｐゴシック" charset="0"/>
+            </a:endParaRPr>
+          </a:p>
+        </p:txBody>
+      </p:sp>
+      <p:sp>
+        <p:nvSpPr>
+          <p:cNvPr id="10" name="Freccia destra con strisce 9">
+            <a:extLst>
+              <a:ext uri="{FF2B5EF4-FFF2-40B4-BE49-F238E27FC236}">
+                <a16:creationId xmlns:a16="http://schemas.microsoft.com/office/drawing/2014/main" id="{D0D2ACA8-72DF-89C5-9981-96F22EE1C3E0}"/>
+              </a:ext>
+            </a:extLst>
+          </p:cNvPr>
+          <p:cNvSpPr/>
+          <p:nvPr/>
+        </p:nvSpPr>
+        <p:spPr bwMode="auto">
+          <a:xfrm>
+            <a:off x="5007362" y="3745515"/>
+            <a:ext cx="1080120" cy="233379"/>
+          </a:xfrm>
+          <a:prstGeom prst="stripedRightArrow">
+            <a:avLst/>
+          </a:prstGeom>
+          <a:ln/>
+          <a:extLst>
+            <a:ext uri="{909E8E84-426E-40dd-AFC4-6F175D3DCCD1}">
               <a14:hiddenFill xmlns="" xmlns:a14="http://schemas.microsoft.com/office/drawing/2010/main">
                 <a:solidFill>
                   <a:schemeClr val="accent1"/>
@@ -14877,526 +15833,6 @@
       </p:sp>
       <p:sp>
         <p:nvSpPr>
-          <p:cNvPr id="6" name="Freccia giù 5">
-            <a:extLst>
-              <a:ext uri="{FF2B5EF4-FFF2-40B4-BE49-F238E27FC236}">
-                <a16:creationId xmlns:a16="http://schemas.microsoft.com/office/drawing/2014/main" id="{8F595931-B9A2-56CC-01CE-1D569EB2FC8B}"/>
-              </a:ext>
-            </a:extLst>
-          </p:cNvPr>
-          <p:cNvSpPr/>
-          <p:nvPr/>
-        </p:nvSpPr>
-        <p:spPr bwMode="auto">
-          <a:xfrm flipH="1">
-            <a:off x="3677014" y="4159772"/>
-            <a:ext cx="314322" cy="685918"/>
-          </a:xfrm>
-          <a:prstGeom prst="downArrow">
-            <a:avLst/>
-          </a:prstGeom>
-          <a:ln/>
-          <a:extLst>
-            <a:ext uri="{909E8E84-426E-40dd-AFC4-6F175D3DCCD1}">
-              <a14:hiddenFill xmlns="" xmlns:a14="http://schemas.microsoft.com/office/drawing/2010/main">
-                <a:solidFill>
-                  <a:schemeClr val="accent1"/>
-                </a:solidFill>
-              </a14:hiddenFill>
-            </a:ext>
-            <a:ext uri="{91240B29-F687-4f45-9708-019B960494DF}">
-              <a14:hiddenLine xmlns="" xmlns:a14="http://schemas.microsoft.com/office/drawing/2010/main" w="9525" cap="flat" cmpd="sng" algn="ctr">
-                <a:solidFill>
-                  <a:schemeClr val="tx1"/>
-                </a:solidFill>
-                <a:prstDash val="solid"/>
-                <a:round/>
-                <a:headEnd type="none" w="med" len="med"/>
-                <a:tailEnd type="none" w="med" len="med"/>
-              </a14:hiddenLine>
-            </a:ext>
-            <a:ext uri="{AF507438-7753-43e0-B8FC-AC1667EBCBE1}">
-              <a14:hiddenEffects xmlns="" xmlns:a14="http://schemas.microsoft.com/office/drawing/2010/main">
-                <a:effectLst>
-                  <a:outerShdw blurRad="63500" dist="38099" dir="2700000" algn="ctr" rotWithShape="0">
-                    <a:srgbClr val="000000">
-                      <a:alpha val="74998"/>
-                    </a:srgbClr>
-                  </a:outerShdw>
-                </a:effectLst>
-              </a14:hiddenEffects>
-            </a:ext>
-          </a:extLst>
-        </p:spPr>
-        <p:style>
-          <a:lnRef idx="2">
-            <a:schemeClr val="dk1"/>
-          </a:lnRef>
-          <a:fillRef idx="1">
-            <a:schemeClr val="lt1"/>
-          </a:fillRef>
-          <a:effectRef idx="0">
-            <a:schemeClr val="dk1"/>
-          </a:effectRef>
-          <a:fontRef idx="minor">
-            <a:schemeClr val="dk1"/>
-          </a:fontRef>
-        </p:style>
-        <p:txBody>
-          <a:bodyPr vert="horz" wrap="square" lIns="91440" tIns="45720" rIns="91440" bIns="45720" numCol="1" rtlCol="0" anchor="t" anchorCtr="0" compatLnSpc="1">
-            <a:prstTxWarp prst="textNoShape">
-              <a:avLst/>
-            </a:prstTxWarp>
-          </a:bodyPr>
-          <a:lstStyle/>
-          <a:p>
-            <a:pPr marL="0" marR="0" indent="0" algn="l" defTabSz="914400" rtl="0" eaLnBrk="0" fontAlgn="base" latinLnBrk="0" hangingPunct="0">
-              <a:lnSpc>
-                <a:spcPct val="100000"/>
-              </a:lnSpc>
-              <a:spcBef>
-                <a:spcPct val="0"/>
-              </a:spcBef>
-              <a:spcAft>
-                <a:spcPct val="0"/>
-              </a:spcAft>
-              <a:buClrTx/>
-              <a:buSzTx/>
-              <a:buFontTx/>
-              <a:buNone/>
-              <a:tabLst/>
-            </a:pPr>
-            <a:endParaRPr kumimoji="0" lang="it-IT" sz="2400" b="0" i="0" u="none" strike="noStrike" cap="none" normalizeH="0" baseline="0">
-              <a:ln>
-                <a:noFill/>
-              </a:ln>
-              <a:solidFill>
-                <a:srgbClr val="000000"/>
-              </a:solidFill>
-              <a:effectLst/>
-              <a:latin typeface="Arial" charset="0"/>
-              <a:ea typeface="ＭＳ Ｐゴシック" charset="0"/>
-              <a:cs typeface="ＭＳ Ｐゴシック" charset="0"/>
-            </a:endParaRPr>
-          </a:p>
-        </p:txBody>
-      </p:sp>
-      <p:sp>
-        <p:nvSpPr>
-          <p:cNvPr id="7" name="Freccia giù 6">
-            <a:extLst>
-              <a:ext uri="{FF2B5EF4-FFF2-40B4-BE49-F238E27FC236}">
-                <a16:creationId xmlns:a16="http://schemas.microsoft.com/office/drawing/2014/main" id="{05436A61-E770-BCDF-A7AF-016ED521C790}"/>
-              </a:ext>
-            </a:extLst>
-          </p:cNvPr>
-          <p:cNvSpPr/>
-          <p:nvPr/>
-        </p:nvSpPr>
-        <p:spPr bwMode="auto">
-          <a:xfrm rot="1732211" flipH="1">
-            <a:off x="1816502" y="4202045"/>
-            <a:ext cx="314322" cy="648072"/>
-          </a:xfrm>
-          <a:prstGeom prst="downArrow">
-            <a:avLst/>
-          </a:prstGeom>
-          <a:ln/>
-          <a:extLst>
-            <a:ext uri="{909E8E84-426E-40dd-AFC4-6F175D3DCCD1}">
-              <a14:hiddenFill xmlns="" xmlns:a14="http://schemas.microsoft.com/office/drawing/2010/main">
-                <a:solidFill>
-                  <a:schemeClr val="accent1"/>
-                </a:solidFill>
-              </a14:hiddenFill>
-            </a:ext>
-            <a:ext uri="{91240B29-F687-4f45-9708-019B960494DF}">
-              <a14:hiddenLine xmlns="" xmlns:a14="http://schemas.microsoft.com/office/drawing/2010/main" w="9525" cap="flat" cmpd="sng" algn="ctr">
-                <a:solidFill>
-                  <a:schemeClr val="tx1"/>
-                </a:solidFill>
-                <a:prstDash val="solid"/>
-                <a:round/>
-                <a:headEnd type="none" w="med" len="med"/>
-                <a:tailEnd type="none" w="med" len="med"/>
-              </a14:hiddenLine>
-            </a:ext>
-            <a:ext uri="{AF507438-7753-43e0-B8FC-AC1667EBCBE1}">
-              <a14:hiddenEffects xmlns="" xmlns:a14="http://schemas.microsoft.com/office/drawing/2010/main">
-                <a:effectLst>
-                  <a:outerShdw blurRad="63500" dist="38099" dir="2700000" algn="ctr" rotWithShape="0">
-                    <a:srgbClr val="000000">
-                      <a:alpha val="74998"/>
-                    </a:srgbClr>
-                  </a:outerShdw>
-                </a:effectLst>
-              </a14:hiddenEffects>
-            </a:ext>
-          </a:extLst>
-        </p:spPr>
-        <p:style>
-          <a:lnRef idx="2">
-            <a:schemeClr val="dk1"/>
-          </a:lnRef>
-          <a:fillRef idx="1">
-            <a:schemeClr val="lt1"/>
-          </a:fillRef>
-          <a:effectRef idx="0">
-            <a:schemeClr val="dk1"/>
-          </a:effectRef>
-          <a:fontRef idx="minor">
-            <a:schemeClr val="dk1"/>
-          </a:fontRef>
-        </p:style>
-        <p:txBody>
-          <a:bodyPr vert="horz" wrap="square" lIns="91440" tIns="45720" rIns="91440" bIns="45720" numCol="1" rtlCol="0" anchor="t" anchorCtr="0" compatLnSpc="1">
-            <a:prstTxWarp prst="textNoShape">
-              <a:avLst/>
-            </a:prstTxWarp>
-          </a:bodyPr>
-          <a:lstStyle/>
-          <a:p>
-            <a:pPr marL="0" marR="0" indent="0" algn="l" defTabSz="914400" rtl="0" eaLnBrk="0" fontAlgn="base" latinLnBrk="0" hangingPunct="0">
-              <a:lnSpc>
-                <a:spcPct val="100000"/>
-              </a:lnSpc>
-              <a:spcBef>
-                <a:spcPct val="0"/>
-              </a:spcBef>
-              <a:spcAft>
-                <a:spcPct val="0"/>
-              </a:spcAft>
-              <a:buClrTx/>
-              <a:buSzTx/>
-              <a:buFontTx/>
-              <a:buNone/>
-              <a:tabLst/>
-            </a:pPr>
-            <a:endParaRPr kumimoji="0" lang="it-IT" sz="2400" b="0" i="0" u="none" strike="noStrike" cap="none" normalizeH="0" baseline="0">
-              <a:ln>
-                <a:noFill/>
-              </a:ln>
-              <a:solidFill>
-                <a:srgbClr val="000000"/>
-              </a:solidFill>
-              <a:effectLst/>
-              <a:latin typeface="Arial" charset="0"/>
-              <a:ea typeface="ＭＳ Ｐゴシック" charset="0"/>
-              <a:cs typeface="ＭＳ Ｐゴシック" charset="0"/>
-            </a:endParaRPr>
-          </a:p>
-        </p:txBody>
-      </p:sp>
-      <p:sp>
-        <p:nvSpPr>
-          <p:cNvPr id="8" name="Freccia giù 7">
-            <a:extLst>
-              <a:ext uri="{FF2B5EF4-FFF2-40B4-BE49-F238E27FC236}">
-                <a16:creationId xmlns:a16="http://schemas.microsoft.com/office/drawing/2014/main" id="{29EB65B5-EEC6-862F-FD71-068AF2768B2A}"/>
-              </a:ext>
-            </a:extLst>
-          </p:cNvPr>
-          <p:cNvSpPr/>
-          <p:nvPr/>
-        </p:nvSpPr>
-        <p:spPr bwMode="auto">
-          <a:xfrm rot="19475894" flipH="1">
-            <a:off x="4472725" y="4103875"/>
-            <a:ext cx="314322" cy="722584"/>
-          </a:xfrm>
-          <a:prstGeom prst="downArrow">
-            <a:avLst/>
-          </a:prstGeom>
-          <a:ln/>
-          <a:extLst>
-            <a:ext uri="{909E8E84-426E-40dd-AFC4-6F175D3DCCD1}">
-              <a14:hiddenFill xmlns="" xmlns:a14="http://schemas.microsoft.com/office/drawing/2010/main">
-                <a:solidFill>
-                  <a:schemeClr val="accent1"/>
-                </a:solidFill>
-              </a14:hiddenFill>
-            </a:ext>
-            <a:ext uri="{91240B29-F687-4f45-9708-019B960494DF}">
-              <a14:hiddenLine xmlns="" xmlns:a14="http://schemas.microsoft.com/office/drawing/2010/main" w="9525" cap="flat" cmpd="sng" algn="ctr">
-                <a:solidFill>
-                  <a:schemeClr val="tx1"/>
-                </a:solidFill>
-                <a:prstDash val="solid"/>
-                <a:round/>
-                <a:headEnd type="none" w="med" len="med"/>
-                <a:tailEnd type="none" w="med" len="med"/>
-              </a14:hiddenLine>
-            </a:ext>
-            <a:ext uri="{AF507438-7753-43e0-B8FC-AC1667EBCBE1}">
-              <a14:hiddenEffects xmlns="" xmlns:a14="http://schemas.microsoft.com/office/drawing/2010/main">
-                <a:effectLst>
-                  <a:outerShdw blurRad="63500" dist="38099" dir="2700000" algn="ctr" rotWithShape="0">
-                    <a:srgbClr val="000000">
-                      <a:alpha val="74998"/>
-                    </a:srgbClr>
-                  </a:outerShdw>
-                </a:effectLst>
-              </a14:hiddenEffects>
-            </a:ext>
-          </a:extLst>
-        </p:spPr>
-        <p:style>
-          <a:lnRef idx="2">
-            <a:schemeClr val="dk1"/>
-          </a:lnRef>
-          <a:fillRef idx="1">
-            <a:schemeClr val="lt1"/>
-          </a:fillRef>
-          <a:effectRef idx="0">
-            <a:schemeClr val="dk1"/>
-          </a:effectRef>
-          <a:fontRef idx="minor">
-            <a:schemeClr val="dk1"/>
-          </a:fontRef>
-        </p:style>
-        <p:txBody>
-          <a:bodyPr vert="horz" wrap="square" lIns="91440" tIns="45720" rIns="91440" bIns="45720" numCol="1" rtlCol="0" anchor="t" anchorCtr="0" compatLnSpc="1">
-            <a:prstTxWarp prst="textNoShape">
-              <a:avLst/>
-            </a:prstTxWarp>
-          </a:bodyPr>
-          <a:lstStyle/>
-          <a:p>
-            <a:pPr marL="0" marR="0" indent="0" algn="l" defTabSz="914400" rtl="0" eaLnBrk="0" fontAlgn="base" latinLnBrk="0" hangingPunct="0">
-              <a:lnSpc>
-                <a:spcPct val="100000"/>
-              </a:lnSpc>
-              <a:spcBef>
-                <a:spcPct val="0"/>
-              </a:spcBef>
-              <a:spcAft>
-                <a:spcPct val="0"/>
-              </a:spcAft>
-              <a:buClrTx/>
-              <a:buSzTx/>
-              <a:buFontTx/>
-              <a:buNone/>
-              <a:tabLst/>
-            </a:pPr>
-            <a:endParaRPr kumimoji="0" lang="it-IT" sz="2400" b="0" i="0" u="none" strike="noStrike" cap="none" normalizeH="0" baseline="0">
-              <a:ln>
-                <a:noFill/>
-              </a:ln>
-              <a:solidFill>
-                <a:srgbClr val="000000"/>
-              </a:solidFill>
-              <a:effectLst/>
-              <a:latin typeface="Arial" charset="0"/>
-              <a:ea typeface="ＭＳ Ｐゴシック" charset="0"/>
-              <a:cs typeface="ＭＳ Ｐゴシック" charset="0"/>
-            </a:endParaRPr>
-          </a:p>
-        </p:txBody>
-      </p:sp>
-      <p:sp>
-        <p:nvSpPr>
-          <p:cNvPr id="9" name="Freccia destra con strisce 8">
-            <a:extLst>
-              <a:ext uri="{FF2B5EF4-FFF2-40B4-BE49-F238E27FC236}">
-                <a16:creationId xmlns:a16="http://schemas.microsoft.com/office/drawing/2014/main" id="{4A96D5F1-3C69-A408-68D2-BF5FBAADEED8}"/>
-              </a:ext>
-            </a:extLst>
-          </p:cNvPr>
-          <p:cNvSpPr/>
-          <p:nvPr/>
-        </p:nvSpPr>
-        <p:spPr bwMode="auto">
-          <a:xfrm>
-            <a:off x="5076056" y="3933056"/>
-            <a:ext cx="1152128" cy="233379"/>
-          </a:xfrm>
-          <a:prstGeom prst="stripedRightArrow">
-            <a:avLst/>
-          </a:prstGeom>
-          <a:noFill/>
-          <a:ln>
-            <a:noFill/>
-          </a:ln>
-          <a:effectLst/>
-          <a:extLst>
-            <a:ext uri="{909E8E84-426E-40dd-AFC4-6F175D3DCCD1}">
-              <a14:hiddenFill xmlns="" xmlns:a14="http://schemas.microsoft.com/office/drawing/2010/main">
-                <a:solidFill>
-                  <a:schemeClr val="accent1"/>
-                </a:solidFill>
-              </a14:hiddenFill>
-            </a:ext>
-            <a:ext uri="{91240B29-F687-4f45-9708-019B960494DF}">
-              <a14:hiddenLine xmlns="" xmlns:a14="http://schemas.microsoft.com/office/drawing/2010/main" w="9525" cap="flat" cmpd="sng" algn="ctr">
-                <a:solidFill>
-                  <a:schemeClr val="tx1"/>
-                </a:solidFill>
-                <a:prstDash val="solid"/>
-                <a:round/>
-                <a:headEnd type="none" w="med" len="med"/>
-                <a:tailEnd type="none" w="med" len="med"/>
-              </a14:hiddenLine>
-            </a:ext>
-            <a:ext uri="{AF507438-7753-43e0-B8FC-AC1667EBCBE1}">
-              <a14:hiddenEffects xmlns="" xmlns:a14="http://schemas.microsoft.com/office/drawing/2010/main">
-                <a:effectLst>
-                  <a:outerShdw blurRad="63500" dist="38099" dir="2700000" algn="ctr" rotWithShape="0">
-                    <a:srgbClr val="000000">
-                      <a:alpha val="74998"/>
-                    </a:srgbClr>
-                  </a:outerShdw>
-                </a:effectLst>
-              </a14:hiddenEffects>
-            </a:ext>
-          </a:extLst>
-        </p:spPr>
-        <p:txBody>
-          <a:bodyPr vert="horz" wrap="square" lIns="91440" tIns="45720" rIns="91440" bIns="45720" numCol="1" rtlCol="0" anchor="t" anchorCtr="0" compatLnSpc="1">
-            <a:prstTxWarp prst="textNoShape">
-              <a:avLst/>
-            </a:prstTxWarp>
-          </a:bodyPr>
-          <a:lstStyle/>
-          <a:p>
-            <a:pPr marL="0" marR="0" indent="0" algn="l" defTabSz="914400" rtl="0" eaLnBrk="0" fontAlgn="base" latinLnBrk="0" hangingPunct="0">
-              <a:lnSpc>
-                <a:spcPct val="100000"/>
-              </a:lnSpc>
-              <a:spcBef>
-                <a:spcPct val="0"/>
-              </a:spcBef>
-              <a:spcAft>
-                <a:spcPct val="0"/>
-              </a:spcAft>
-              <a:buClrTx/>
-              <a:buSzTx/>
-              <a:buFontTx/>
-              <a:buNone/>
-              <a:tabLst/>
-            </a:pPr>
-            <a:endParaRPr kumimoji="0" lang="it-IT" sz="2400" b="0" i="0" u="none" strike="noStrike" cap="none" normalizeH="0" baseline="0">
-              <a:ln>
-                <a:noFill/>
-              </a:ln>
-              <a:solidFill>
-                <a:srgbClr val="000000"/>
-              </a:solidFill>
-              <a:effectLst/>
-              <a:latin typeface="Arial" charset="0"/>
-              <a:ea typeface="ＭＳ Ｐゴシック" charset="0"/>
-              <a:cs typeface="ＭＳ Ｐゴシック" charset="0"/>
-            </a:endParaRPr>
-          </a:p>
-        </p:txBody>
-      </p:sp>
-      <p:sp>
-        <p:nvSpPr>
-          <p:cNvPr id="10" name="Freccia destra con strisce 9">
-            <a:extLst>
-              <a:ext uri="{FF2B5EF4-FFF2-40B4-BE49-F238E27FC236}">
-                <a16:creationId xmlns:a16="http://schemas.microsoft.com/office/drawing/2014/main" id="{D0D2ACA8-72DF-89C5-9981-96F22EE1C3E0}"/>
-              </a:ext>
-            </a:extLst>
-          </p:cNvPr>
-          <p:cNvSpPr/>
-          <p:nvPr/>
-        </p:nvSpPr>
-        <p:spPr bwMode="auto">
-          <a:xfrm>
-            <a:off x="5007362" y="3745515"/>
-            <a:ext cx="1080120" cy="233379"/>
-          </a:xfrm>
-          <a:prstGeom prst="stripedRightArrow">
-            <a:avLst/>
-          </a:prstGeom>
-          <a:ln/>
-          <a:extLst>
-            <a:ext uri="{909E8E84-426E-40dd-AFC4-6F175D3DCCD1}">
-              <a14:hiddenFill xmlns:a14="http://schemas.microsoft.com/office/drawing/2010/main" xmlns="">
-                <a:solidFill>
-                  <a:schemeClr val="accent1"/>
-                </a:solidFill>
-              </a14:hiddenFill>
-            </a:ext>
-            <a:ext uri="{91240B29-F687-4f45-9708-019B960494DF}">
-              <a14:hiddenLine xmlns:a14="http://schemas.microsoft.com/office/drawing/2010/main" xmlns="" w="9525" cap="flat" cmpd="sng" algn="ctr">
-                <a:solidFill>
-                  <a:schemeClr val="tx1"/>
-                </a:solidFill>
-                <a:prstDash val="solid"/>
-                <a:round/>
-                <a:headEnd type="none" w="med" len="med"/>
-                <a:tailEnd type="none" w="med" len="med"/>
-              </a14:hiddenLine>
-            </a:ext>
-            <a:ext uri="{AF507438-7753-43e0-B8FC-AC1667EBCBE1}">
-              <a14:hiddenEffects xmlns:a14="http://schemas.microsoft.com/office/drawing/2010/main" xmlns="">
-                <a:effectLst>
-                  <a:outerShdw blurRad="63500" dist="38099" dir="2700000" algn="ctr" rotWithShape="0">
-                    <a:srgbClr val="000000">
-                      <a:alpha val="74998"/>
-                    </a:srgbClr>
-                  </a:outerShdw>
-                </a:effectLst>
-              </a14:hiddenEffects>
-            </a:ext>
-          </a:extLst>
-        </p:spPr>
-        <p:style>
-          <a:lnRef idx="2">
-            <a:schemeClr val="dk1"/>
-          </a:lnRef>
-          <a:fillRef idx="1">
-            <a:schemeClr val="lt1"/>
-          </a:fillRef>
-          <a:effectRef idx="0">
-            <a:schemeClr val="dk1"/>
-          </a:effectRef>
-          <a:fontRef idx="minor">
-            <a:schemeClr val="dk1"/>
-          </a:fontRef>
-        </p:style>
-        <p:txBody>
-          <a:bodyPr vert="horz" wrap="square" lIns="91440" tIns="45720" rIns="91440" bIns="45720" numCol="1" rtlCol="0" anchor="t" anchorCtr="0" compatLnSpc="1">
-            <a:prstTxWarp prst="textNoShape">
-              <a:avLst/>
-            </a:prstTxWarp>
-          </a:bodyPr>
-          <a:lstStyle/>
-          <a:p>
-            <a:pPr marL="0" marR="0" indent="0" algn="l" defTabSz="914400" rtl="0" eaLnBrk="0" fontAlgn="base" latinLnBrk="0" hangingPunct="0">
-              <a:lnSpc>
-                <a:spcPct val="100000"/>
-              </a:lnSpc>
-              <a:spcBef>
-                <a:spcPct val="0"/>
-              </a:spcBef>
-              <a:spcAft>
-                <a:spcPct val="0"/>
-              </a:spcAft>
-              <a:buClrTx/>
-              <a:buSzTx/>
-              <a:buFontTx/>
-              <a:buNone/>
-              <a:tabLst/>
-            </a:pPr>
-            <a:endParaRPr kumimoji="0" lang="it-IT" sz="2400" b="0" i="0" u="none" strike="noStrike" cap="none" normalizeH="0" baseline="0">
-              <a:ln>
-                <a:noFill/>
-              </a:ln>
-              <a:solidFill>
-                <a:srgbClr val="000000"/>
-              </a:solidFill>
-              <a:effectLst/>
-              <a:latin typeface="Arial" charset="0"/>
-              <a:ea typeface="ＭＳ Ｐゴシック" charset="0"/>
-              <a:cs typeface="ＭＳ Ｐゴシック" charset="0"/>
-            </a:endParaRPr>
-          </a:p>
-        </p:txBody>
-      </p:sp>
-      <p:sp>
-        <p:nvSpPr>
           <p:cNvPr id="11" name="CasellaDiTesto 10">
             <a:extLst>
               <a:ext uri="{FF2B5EF4-FFF2-40B4-BE49-F238E27FC236}">
@@ -15569,14 +16005,14 @@
           <a:ln/>
           <a:extLst>
             <a:ext uri="{909E8E84-426E-40dd-AFC4-6F175D3DCCD1}">
-              <a14:hiddenFill xmlns:a14="http://schemas.microsoft.com/office/drawing/2010/main" xmlns="">
+              <a14:hiddenFill xmlns="" xmlns:a14="http://schemas.microsoft.com/office/drawing/2010/main">
                 <a:solidFill>
                   <a:schemeClr val="accent1"/>
                 </a:solidFill>
               </a14:hiddenFill>
             </a:ext>
             <a:ext uri="{91240B29-F687-4f45-9708-019B960494DF}">
-              <a14:hiddenLine xmlns:a14="http://schemas.microsoft.com/office/drawing/2010/main" xmlns="" w="9525" cap="flat" cmpd="sng" algn="ctr">
+              <a14:hiddenLine xmlns="" xmlns:a14="http://schemas.microsoft.com/office/drawing/2010/main" w="9525" cap="flat" cmpd="sng" algn="ctr">
                 <a:solidFill>
                   <a:schemeClr val="tx1"/>
                 </a:solidFill>
@@ -15587,7 +16023,7 @@
               </a14:hiddenLine>
             </a:ext>
             <a:ext uri="{AF507438-7753-43e0-B8FC-AC1667EBCBE1}">
-              <a14:hiddenEffects xmlns:a14="http://schemas.microsoft.com/office/drawing/2010/main" xmlns="">
+              <a14:hiddenEffects xmlns="" xmlns:a14="http://schemas.microsoft.com/office/drawing/2010/main">
                 <a:effectLst>
                   <a:outerShdw blurRad="63500" dist="38099" dir="2700000" algn="ctr" rotWithShape="0">
                     <a:srgbClr val="000000">
@@ -16616,14 +17052,14 @@
           <a:ln/>
           <a:extLst>
             <a:ext uri="{909E8E84-426E-40dd-AFC4-6F175D3DCCD1}">
-              <a14:hiddenFill xmlns:a14="http://schemas.microsoft.com/office/drawing/2010/main" xmlns="">
+              <a14:hiddenFill xmlns="" xmlns:a14="http://schemas.microsoft.com/office/drawing/2010/main">
                 <a:solidFill>
                   <a:schemeClr val="accent1"/>
                 </a:solidFill>
               </a14:hiddenFill>
             </a:ext>
             <a:ext uri="{91240B29-F687-4f45-9708-019B960494DF}">
-              <a14:hiddenLine xmlns:a14="http://schemas.microsoft.com/office/drawing/2010/main" xmlns="" w="9525" cap="flat" cmpd="sng" algn="ctr">
+              <a14:hiddenLine xmlns="" xmlns:a14="http://schemas.microsoft.com/office/drawing/2010/main" w="9525" cap="flat" cmpd="sng" algn="ctr">
                 <a:solidFill>
                   <a:schemeClr val="tx1"/>
                 </a:solidFill>
@@ -16634,7 +17070,7 @@
               </a14:hiddenLine>
             </a:ext>
             <a:ext uri="{AF507438-7753-43e0-B8FC-AC1667EBCBE1}">
-              <a14:hiddenEffects xmlns:a14="http://schemas.microsoft.com/office/drawing/2010/main" xmlns="">
+              <a14:hiddenEffects xmlns="" xmlns:a14="http://schemas.microsoft.com/office/drawing/2010/main">
                 <a:effectLst>
                   <a:outerShdw blurRad="63500" dist="38099" dir="2700000" algn="ctr" rotWithShape="0">
                     <a:srgbClr val="000000">
@@ -17592,14 +18028,14 @@
         <a:effectLst/>
         <a:extLst>
           <a:ext uri="{909E8E84-426E-40dd-AFC4-6F175D3DCCD1}">
-            <a14:hiddenFill xmlns="" xmlns:a14="http://schemas.microsoft.com/office/drawing/2010/main">
+            <a14:hiddenFill xmlns:a14="http://schemas.microsoft.com/office/drawing/2010/main" xmlns="">
               <a:solidFill>
                 <a:schemeClr val="accent1"/>
               </a:solidFill>
             </a14:hiddenFill>
           </a:ext>
           <a:ext uri="{91240B29-F687-4f45-9708-019B960494DF}">
-            <a14:hiddenLine xmlns="" xmlns:a14="http://schemas.microsoft.com/office/drawing/2010/main" w="9525" cap="flat" cmpd="sng" algn="ctr">
+            <a14:hiddenLine xmlns:a14="http://schemas.microsoft.com/office/drawing/2010/main" xmlns="" w="9525" cap="flat" cmpd="sng" algn="ctr">
               <a:solidFill>
                 <a:schemeClr val="tx1"/>
               </a:solidFill>
@@ -17610,7 +18046,7 @@
             </a14:hiddenLine>
           </a:ext>
           <a:ext uri="{AF507438-7753-43e0-B8FC-AC1667EBCBE1}">
-            <a14:hiddenEffects xmlns="" xmlns:a14="http://schemas.microsoft.com/office/drawing/2010/main">
+            <a14:hiddenEffects xmlns:a14="http://schemas.microsoft.com/office/drawing/2010/main" xmlns="">
               <a:effectLst>
                 <a:outerShdw blurRad="63500" dist="38099" dir="2700000" algn="ctr" rotWithShape="0">
                   <a:srgbClr val="000000">
@@ -17679,14 +18115,14 @@
         <a:effectLst/>
         <a:extLst>
           <a:ext uri="{909E8E84-426E-40dd-AFC4-6F175D3DCCD1}">
-            <a14:hiddenFill xmlns="" xmlns:a14="http://schemas.microsoft.com/office/drawing/2010/main">
+            <a14:hiddenFill xmlns:a14="http://schemas.microsoft.com/office/drawing/2010/main" xmlns="">
               <a:solidFill>
                 <a:schemeClr val="accent1"/>
               </a:solidFill>
             </a14:hiddenFill>
           </a:ext>
           <a:ext uri="{91240B29-F687-4f45-9708-019B960494DF}">
-            <a14:hiddenLine xmlns="" xmlns:a14="http://schemas.microsoft.com/office/drawing/2010/main" w="9525" cap="flat" cmpd="sng" algn="ctr">
+            <a14:hiddenLine xmlns:a14="http://schemas.microsoft.com/office/drawing/2010/main" xmlns="" w="9525" cap="flat" cmpd="sng" algn="ctr">
               <a:solidFill>
                 <a:schemeClr val="tx1"/>
               </a:solidFill>
@@ -17697,7 +18133,7 @@
             </a14:hiddenLine>
           </a:ext>
           <a:ext uri="{AF507438-7753-43e0-B8FC-AC1667EBCBE1}">
-            <a14:hiddenEffects xmlns="" xmlns:a14="http://schemas.microsoft.com/office/drawing/2010/main">
+            <a14:hiddenEffects xmlns:a14="http://schemas.microsoft.com/office/drawing/2010/main" xmlns="">
               <a:effectLst>
                 <a:outerShdw blurRad="63500" dist="38099" dir="2700000" algn="ctr" rotWithShape="0">
                   <a:srgbClr val="000000">

--- a/dds_project_ppt.pptx
+++ b/dds_project_ppt.pptx
@@ -287,14 +287,14 @@
           </a:ln>
           <a:extLst>
             <a:ext uri="{909E8E84-426E-40dd-AFC4-6F175D3DCCD1}">
-              <a14:hiddenFill xmlns:a14="http://schemas.microsoft.com/office/drawing/2010/main" xmlns="">
+              <a14:hiddenFill xmlns="" xmlns:a14="http://schemas.microsoft.com/office/drawing/2010/main">
                 <a:solidFill>
                   <a:schemeClr val="accent1"/>
                 </a:solidFill>
               </a14:hiddenFill>
             </a:ext>
             <a:ext uri="{91240B29-F687-4f45-9708-019B960494DF}">
-              <a14:hiddenLine xmlns:a14="http://schemas.microsoft.com/office/drawing/2010/main" xmlns="" w="9525">
+              <a14:hiddenLine xmlns="" xmlns:a14="http://schemas.microsoft.com/office/drawing/2010/main" w="9525">
                 <a:solidFill>
                   <a:schemeClr val="tx1"/>
                 </a:solidFill>
@@ -304,7 +304,7 @@
               </a14:hiddenLine>
             </a:ext>
             <a:ext uri="{FAA26D3D-D897-4be2-8F04-BA451C77F1D7}">
-              <ma14:placeholderFlag xmlns:ma14="http://schemas.microsoft.com/office/mac/drawingml/2011/main" xmlns="" val="1"/>
+              <ma14:placeholderFlag xmlns="" xmlns:ma14="http://schemas.microsoft.com/office/mac/drawingml/2011/main" val="1"/>
             </a:ext>
           </a:extLst>
         </p:spPr>
@@ -367,14 +367,14 @@
           </a:ln>
           <a:extLst>
             <a:ext uri="{909E8E84-426E-40dd-AFC4-6F175D3DCCD1}">
-              <a14:hiddenFill xmlns:a14="http://schemas.microsoft.com/office/drawing/2010/main" xmlns="">
+              <a14:hiddenFill xmlns="" xmlns:a14="http://schemas.microsoft.com/office/drawing/2010/main">
                 <a:solidFill>
                   <a:schemeClr val="accent1"/>
                 </a:solidFill>
               </a14:hiddenFill>
             </a:ext>
             <a:ext uri="{91240B29-F687-4f45-9708-019B960494DF}">
-              <a14:hiddenLine xmlns:a14="http://schemas.microsoft.com/office/drawing/2010/main" xmlns="" w="9525">
+              <a14:hiddenLine xmlns="" xmlns:a14="http://schemas.microsoft.com/office/drawing/2010/main" w="9525">
                 <a:solidFill>
                   <a:schemeClr val="tx1"/>
                 </a:solidFill>
@@ -384,7 +384,7 @@
               </a14:hiddenLine>
             </a:ext>
             <a:ext uri="{FAA26D3D-D897-4be2-8F04-BA451C77F1D7}">
-              <ma14:placeholderFlag xmlns:ma14="http://schemas.microsoft.com/office/mac/drawingml/2011/main" xmlns="" val="1"/>
+              <ma14:placeholderFlag xmlns="" xmlns:ma14="http://schemas.microsoft.com/office/mac/drawingml/2011/main" val="1"/>
             </a:ext>
           </a:extLst>
         </p:spPr>
@@ -444,14 +444,14 @@
           </a:ln>
           <a:extLst>
             <a:ext uri="{909E8E84-426E-40dd-AFC4-6F175D3DCCD1}">
-              <a14:hiddenFill xmlns:a14="http://schemas.microsoft.com/office/drawing/2010/main" xmlns="">
+              <a14:hiddenFill xmlns="" xmlns:a14="http://schemas.microsoft.com/office/drawing/2010/main">
                 <a:solidFill>
                   <a:schemeClr val="accent1"/>
                 </a:solidFill>
               </a14:hiddenFill>
             </a:ext>
             <a:ext uri="{91240B29-F687-4f45-9708-019B960494DF}">
-              <a14:hiddenLine xmlns:a14="http://schemas.microsoft.com/office/drawing/2010/main" xmlns="" w="9525">
+              <a14:hiddenLine xmlns="" xmlns:a14="http://schemas.microsoft.com/office/drawing/2010/main" w="9525">
                 <a:solidFill>
                   <a:schemeClr val="tx1"/>
                 </a:solidFill>
@@ -461,7 +461,7 @@
               </a14:hiddenLine>
             </a:ext>
             <a:ext uri="{FAA26D3D-D897-4be2-8F04-BA451C77F1D7}">
-              <ma14:placeholderFlag xmlns:ma14="http://schemas.microsoft.com/office/mac/drawingml/2011/main" xmlns="" val="1"/>
+              <ma14:placeholderFlag xmlns="" xmlns:ma14="http://schemas.microsoft.com/office/mac/drawingml/2011/main" val="1"/>
             </a:ext>
           </a:extLst>
         </p:spPr>
@@ -524,14 +524,14 @@
           </a:ln>
           <a:extLst>
             <a:ext uri="{909E8E84-426E-40dd-AFC4-6F175D3DCCD1}">
-              <a14:hiddenFill xmlns:a14="http://schemas.microsoft.com/office/drawing/2010/main" xmlns="">
+              <a14:hiddenFill xmlns="" xmlns:a14="http://schemas.microsoft.com/office/drawing/2010/main">
                 <a:solidFill>
                   <a:schemeClr val="accent1"/>
                 </a:solidFill>
               </a14:hiddenFill>
             </a:ext>
             <a:ext uri="{91240B29-F687-4f45-9708-019B960494DF}">
-              <a14:hiddenLine xmlns:a14="http://schemas.microsoft.com/office/drawing/2010/main" xmlns="" w="9525">
+              <a14:hiddenLine xmlns="" xmlns:a14="http://schemas.microsoft.com/office/drawing/2010/main" w="9525">
                 <a:solidFill>
                   <a:schemeClr val="tx1"/>
                 </a:solidFill>
@@ -541,7 +541,7 @@
               </a14:hiddenLine>
             </a:ext>
             <a:ext uri="{FAA26D3D-D897-4be2-8F04-BA451C77F1D7}">
-              <ma14:placeholderFlag xmlns:ma14="http://schemas.microsoft.com/office/mac/drawingml/2011/main" xmlns="" val="1"/>
+              <ma14:placeholderFlag xmlns="" xmlns:ma14="http://schemas.microsoft.com/office/mac/drawingml/2011/main" val="1"/>
             </a:ext>
           </a:extLst>
         </p:spPr>
@@ -638,14 +638,14 @@
           </a:ln>
           <a:extLst>
             <a:ext uri="{909E8E84-426E-40dd-AFC4-6F175D3DCCD1}">
-              <a14:hiddenFill xmlns:a14="http://schemas.microsoft.com/office/drawing/2010/main" xmlns="">
+              <a14:hiddenFill xmlns="" xmlns:a14="http://schemas.microsoft.com/office/drawing/2010/main">
                 <a:solidFill>
                   <a:schemeClr val="accent1"/>
                 </a:solidFill>
               </a14:hiddenFill>
             </a:ext>
             <a:ext uri="{91240B29-F687-4f45-9708-019B960494DF}">
-              <a14:hiddenLine xmlns:a14="http://schemas.microsoft.com/office/drawing/2010/main" xmlns="" w="9525">
+              <a14:hiddenLine xmlns="" xmlns:a14="http://schemas.microsoft.com/office/drawing/2010/main" w="9525">
                 <a:solidFill>
                   <a:schemeClr val="tx1"/>
                 </a:solidFill>
@@ -655,7 +655,7 @@
               </a14:hiddenLine>
             </a:ext>
             <a:ext uri="{FAA26D3D-D897-4be2-8F04-BA451C77F1D7}">
-              <ma14:placeholderFlag xmlns:ma14="http://schemas.microsoft.com/office/mac/drawingml/2011/main" xmlns="" val="1"/>
+              <ma14:placeholderFlag xmlns="" xmlns:ma14="http://schemas.microsoft.com/office/mac/drawingml/2011/main" val="1"/>
             </a:ext>
           </a:extLst>
         </p:spPr>
@@ -718,14 +718,14 @@
           </a:ln>
           <a:extLst>
             <a:ext uri="{909E8E84-426E-40dd-AFC4-6F175D3DCCD1}">
-              <a14:hiddenFill xmlns:a14="http://schemas.microsoft.com/office/drawing/2010/main" xmlns="">
+              <a14:hiddenFill xmlns="" xmlns:a14="http://schemas.microsoft.com/office/drawing/2010/main">
                 <a:solidFill>
                   <a:schemeClr val="accent1"/>
                 </a:solidFill>
               </a14:hiddenFill>
             </a:ext>
             <a:ext uri="{91240B29-F687-4f45-9708-019B960494DF}">
-              <a14:hiddenLine xmlns:a14="http://schemas.microsoft.com/office/drawing/2010/main" xmlns="" w="9525">
+              <a14:hiddenLine xmlns="" xmlns:a14="http://schemas.microsoft.com/office/drawing/2010/main" w="9525">
                 <a:solidFill>
                   <a:schemeClr val="tx1"/>
                 </a:solidFill>
@@ -735,7 +735,7 @@
               </a14:hiddenLine>
             </a:ext>
             <a:ext uri="{FAA26D3D-D897-4be2-8F04-BA451C77F1D7}">
-              <ma14:placeholderFlag xmlns:ma14="http://schemas.microsoft.com/office/mac/drawingml/2011/main" xmlns="" val="1"/>
+              <ma14:placeholderFlag xmlns="" xmlns:ma14="http://schemas.microsoft.com/office/mac/drawingml/2011/main" val="1"/>
             </a:ext>
           </a:extLst>
         </p:spPr>
@@ -801,7 +801,7 @@
           <a:effectLst/>
           <a:extLst>
             <a:ext uri="{AF507438-7753-43e0-B8FC-AC1667EBCBE1}">
-              <a14:hiddenEffects xmlns:a14="http://schemas.microsoft.com/office/drawing/2010/main" xmlns="">
+              <a14:hiddenEffects xmlns="" xmlns:a14="http://schemas.microsoft.com/office/drawing/2010/main">
                 <a:effectLst>
                   <a:outerShdw blurRad="63500" dist="38099" dir="2700000" algn="ctr" rotWithShape="0">
                     <a:srgbClr val="000000">
@@ -812,7 +812,7 @@
               </a14:hiddenEffects>
             </a:ext>
             <a:ext uri="{53640926-AAD7-44d8-BBD7-CCE9431645EC}">
-              <a14:shadowObscured xmlns:a14="http://schemas.microsoft.com/office/drawing/2010/main" xmlns="" val="1"/>
+              <a14:shadowObscured xmlns="" xmlns:a14="http://schemas.microsoft.com/office/drawing/2010/main" val="1"/>
             </a:ext>
           </a:extLst>
         </p:spPr>
@@ -847,14 +847,14 @@
           </a:ln>
           <a:extLst>
             <a:ext uri="{909E8E84-426E-40dd-AFC4-6F175D3DCCD1}">
-              <a14:hiddenFill xmlns:a14="http://schemas.microsoft.com/office/drawing/2010/main" xmlns="">
+              <a14:hiddenFill xmlns="" xmlns:a14="http://schemas.microsoft.com/office/drawing/2010/main">
                 <a:solidFill>
                   <a:schemeClr val="accent1"/>
                 </a:solidFill>
               </a14:hiddenFill>
             </a:ext>
             <a:ext uri="{91240B29-F687-4f45-9708-019B960494DF}">
-              <a14:hiddenLine xmlns:a14="http://schemas.microsoft.com/office/drawing/2010/main" xmlns="" w="9525">
+              <a14:hiddenLine xmlns="" xmlns:a14="http://schemas.microsoft.com/office/drawing/2010/main" w="9525">
                 <a:solidFill>
                   <a:schemeClr val="tx1"/>
                 </a:solidFill>
@@ -864,7 +864,7 @@
               </a14:hiddenLine>
             </a:ext>
             <a:ext uri="{FAA26D3D-D897-4be2-8F04-BA451C77F1D7}">
-              <ma14:placeholderFlag xmlns:ma14="http://schemas.microsoft.com/office/mac/drawingml/2011/main" xmlns="" val="1"/>
+              <ma14:placeholderFlag xmlns="" xmlns:ma14="http://schemas.microsoft.com/office/mac/drawingml/2011/main" val="1"/>
             </a:ext>
           </a:extLst>
         </p:spPr>
@@ -942,14 +942,14 @@
           </a:ln>
           <a:extLst>
             <a:ext uri="{909E8E84-426E-40dd-AFC4-6F175D3DCCD1}">
-              <a14:hiddenFill xmlns:a14="http://schemas.microsoft.com/office/drawing/2010/main" xmlns="">
+              <a14:hiddenFill xmlns="" xmlns:a14="http://schemas.microsoft.com/office/drawing/2010/main">
                 <a:solidFill>
                   <a:schemeClr val="accent1"/>
                 </a:solidFill>
               </a14:hiddenFill>
             </a:ext>
             <a:ext uri="{91240B29-F687-4f45-9708-019B960494DF}">
-              <a14:hiddenLine xmlns:a14="http://schemas.microsoft.com/office/drawing/2010/main" xmlns="" w="9525">
+              <a14:hiddenLine xmlns="" xmlns:a14="http://schemas.microsoft.com/office/drawing/2010/main" w="9525">
                 <a:solidFill>
                   <a:schemeClr val="tx1"/>
                 </a:solidFill>
@@ -959,7 +959,7 @@
               </a14:hiddenLine>
             </a:ext>
             <a:ext uri="{FAA26D3D-D897-4be2-8F04-BA451C77F1D7}">
-              <ma14:placeholderFlag xmlns:ma14="http://schemas.microsoft.com/office/mac/drawingml/2011/main" xmlns="" val="1"/>
+              <ma14:placeholderFlag xmlns="" xmlns:ma14="http://schemas.microsoft.com/office/mac/drawingml/2011/main" val="1"/>
             </a:ext>
           </a:extLst>
         </p:spPr>
@@ -1022,14 +1022,14 @@
           </a:ln>
           <a:extLst>
             <a:ext uri="{909E8E84-426E-40dd-AFC4-6F175D3DCCD1}">
-              <a14:hiddenFill xmlns:a14="http://schemas.microsoft.com/office/drawing/2010/main" xmlns="">
+              <a14:hiddenFill xmlns="" xmlns:a14="http://schemas.microsoft.com/office/drawing/2010/main">
                 <a:solidFill>
                   <a:schemeClr val="accent1"/>
                 </a:solidFill>
               </a14:hiddenFill>
             </a:ext>
             <a:ext uri="{91240B29-F687-4f45-9708-019B960494DF}">
-              <a14:hiddenLine xmlns:a14="http://schemas.microsoft.com/office/drawing/2010/main" xmlns="" w="9525">
+              <a14:hiddenLine xmlns="" xmlns:a14="http://schemas.microsoft.com/office/drawing/2010/main" w="9525">
                 <a:solidFill>
                   <a:schemeClr val="tx1"/>
                 </a:solidFill>
@@ -1039,7 +1039,7 @@
               </a14:hiddenLine>
             </a:ext>
             <a:ext uri="{FAA26D3D-D897-4be2-8F04-BA451C77F1D7}">
-              <ma14:placeholderFlag xmlns:ma14="http://schemas.microsoft.com/office/mac/drawingml/2011/main" xmlns="" val="1"/>
+              <ma14:placeholderFlag xmlns="" xmlns:ma14="http://schemas.microsoft.com/office/mac/drawingml/2011/main" val="1"/>
             </a:ext>
           </a:extLst>
         </p:spPr>
@@ -1240,7 +1240,7 @@
           <a:ln/>
           <a:extLst>
             <a:ext uri="{FAA26D3D-D897-4be2-8F04-BA451C77F1D7}">
-              <ma14:placeholderFlag xmlns:ma14="http://schemas.microsoft.com/office/mac/drawingml/2011/main" xmlns="" val="1"/>
+              <ma14:placeholderFlag xmlns="" xmlns:ma14="http://schemas.microsoft.com/office/mac/drawingml/2011/main" val="1"/>
             </a:ext>
           </a:extLst>
         </p:spPr>
@@ -1527,7 +1527,7 @@
           <a:ln/>
           <a:extLst>
             <a:ext uri="{FAA26D3D-D897-4be2-8F04-BA451C77F1D7}">
-              <ma14:placeholderFlag xmlns:ma14="http://schemas.microsoft.com/office/mac/drawingml/2011/main" xmlns="" val="1"/>
+              <ma14:placeholderFlag xmlns="" xmlns:ma14="http://schemas.microsoft.com/office/mac/drawingml/2011/main" val="1"/>
             </a:ext>
           </a:extLst>
         </p:spPr>
@@ -4642,7 +4642,7 @@
           <a:effectLst/>
           <a:extLst>
             <a:ext uri="{AF507438-7753-43e0-B8FC-AC1667EBCBE1}">
-              <a14:hiddenEffects xmlns:a14="http://schemas.microsoft.com/office/drawing/2010/main" xmlns="">
+              <a14:hiddenEffects xmlns="" xmlns:a14="http://schemas.microsoft.com/office/drawing/2010/main">
                 <a:effectLst>
                   <a:outerShdw blurRad="63500" dist="38099" dir="2700000" algn="ctr" rotWithShape="0">
                     <a:srgbClr val="000000">
@@ -4901,18 +4901,39 @@
               </a:rPr>
               <a:t>Practical Project on Distributed Data Centric Networks</a:t>
             </a:r>
+            <a:r>
+              <a:rPr lang="it-IT" sz="2000" dirty="0">
+                <a:effectLst/>
+                <a:latin typeface="Helvetica Neue" panose="02000503000000020004" pitchFamily="2" charset="0"/>
+              </a:rPr>
+              <a:t/>
+            </a:r>
             <a:br>
               <a:rPr lang="it-IT" sz="2000" dirty="0">
                 <a:effectLst/>
                 <a:latin typeface="Helvetica Neue" panose="02000503000000020004" pitchFamily="2" charset="0"/>
               </a:rPr>
             </a:br>
+            <a:r>
+              <a:rPr lang="it-IT" sz="2000" dirty="0">
+                <a:effectLst/>
+                <a:latin typeface="Helvetica Neue" panose="02000503000000020004" pitchFamily="2" charset="0"/>
+              </a:rPr>
+              <a:t/>
+            </a:r>
             <a:br>
               <a:rPr lang="it-IT" sz="2000" dirty="0">
                 <a:effectLst/>
                 <a:latin typeface="Helvetica Neue" panose="02000503000000020004" pitchFamily="2" charset="0"/>
               </a:rPr>
             </a:br>
+            <a:r>
+              <a:rPr lang="it-IT" sz="2000" dirty="0">
+                <a:effectLst/>
+                <a:latin typeface="Helvetica Neue" panose="02000503000000020004" pitchFamily="2" charset="0"/>
+              </a:rPr>
+              <a:t/>
+            </a:r>
             <a:br>
               <a:rPr lang="it-IT" sz="2000" dirty="0">
                 <a:effectLst/>
@@ -4940,9 +4961,22 @@
               </a:rPr>
               <a:t>The price of validity in dynamic networks</a:t>
             </a:r>
+            <a:r>
+              <a:rPr lang="en-US" sz="2000" dirty="0"/>
+              <a:t/>
+            </a:r>
             <a:br>
               <a:rPr lang="en-US" sz="2000" dirty="0"/>
             </a:br>
+            <a:r>
+              <a:rPr lang="it-IT" altLang="en-US" sz="1600" b="0" dirty="0">
+                <a:solidFill>
+                  <a:srgbClr val="FFFFFF"/>
+                </a:solidFill>
+                <a:latin typeface="Calibri" panose="020F0502020204030204" pitchFamily="34" charset="0"/>
+              </a:rPr>
+              <a:t/>
+            </a:r>
             <a:br>
               <a:rPr lang="it-IT" altLang="en-US" sz="1600" b="0" dirty="0">
                 <a:solidFill>
@@ -5689,14 +5723,14 @@
           <a:ln/>
           <a:extLst>
             <a:ext uri="{909E8E84-426E-40dd-AFC4-6F175D3DCCD1}">
-              <a14:hiddenFill xmlns="" xmlns:a14="http://schemas.microsoft.com/office/drawing/2010/main">
+              <a14:hiddenFill xmlns:a14="http://schemas.microsoft.com/office/drawing/2010/main" xmlns="">
                 <a:solidFill>
                   <a:schemeClr val="accent1"/>
                 </a:solidFill>
               </a14:hiddenFill>
             </a:ext>
             <a:ext uri="{91240B29-F687-4f45-9708-019B960494DF}">
-              <a14:hiddenLine xmlns="" xmlns:a14="http://schemas.microsoft.com/office/drawing/2010/main" w="9525" cap="flat" cmpd="sng" algn="ctr">
+              <a14:hiddenLine xmlns:a14="http://schemas.microsoft.com/office/drawing/2010/main" xmlns="" w="9525" cap="flat" cmpd="sng" algn="ctr">
                 <a:solidFill>
                   <a:schemeClr val="tx1"/>
                 </a:solidFill>
@@ -5707,7 +5741,7 @@
               </a14:hiddenLine>
             </a:ext>
             <a:ext uri="{AF507438-7753-43e0-B8FC-AC1667EBCBE1}">
-              <a14:hiddenEffects xmlns="" xmlns:a14="http://schemas.microsoft.com/office/drawing/2010/main">
+              <a14:hiddenEffects xmlns:a14="http://schemas.microsoft.com/office/drawing/2010/main" xmlns="">
                 <a:effectLst>
                   <a:outerShdw blurRad="63500" dist="38099" dir="2700000" algn="ctr" rotWithShape="0">
                     <a:srgbClr val="000000">
@@ -5790,7 +5824,7 @@
           <a:blip r:embed="rId2">
             <a:extLst>
               <a:ext uri="{96DAC541-7B7A-43D3-8B79-37D633B846F1}">
-                <asvg:svgBlip xmlns:asvg="http://schemas.microsoft.com/office/drawing/2016/SVG/main" r:embed="rId3"/>
+                <asvg:svgBlip xmlns:asvg="http://schemas.microsoft.com/office/drawing/2016/SVG/main" xmlns="" r:embed="rId3"/>
               </a:ext>
             </a:extLst>
           </a:blip>
@@ -5826,7 +5860,7 @@
           <a:blip r:embed="rId4">
             <a:extLst>
               <a:ext uri="{96DAC541-7B7A-43D3-8B79-37D633B846F1}">
-                <asvg:svgBlip xmlns:asvg="http://schemas.microsoft.com/office/drawing/2016/SVG/main" r:embed="rId5"/>
+                <asvg:svgBlip xmlns:asvg="http://schemas.microsoft.com/office/drawing/2016/SVG/main" xmlns="" r:embed="rId5"/>
               </a:ext>
             </a:extLst>
           </a:blip>
@@ -5862,7 +5896,7 @@
           <a:blip r:embed="rId4">
             <a:extLst>
               <a:ext uri="{96DAC541-7B7A-43D3-8B79-37D633B846F1}">
-                <asvg:svgBlip xmlns:asvg="http://schemas.microsoft.com/office/drawing/2016/SVG/main" r:embed="rId5"/>
+                <asvg:svgBlip xmlns:asvg="http://schemas.microsoft.com/office/drawing/2016/SVG/main" xmlns="" r:embed="rId5"/>
               </a:ext>
             </a:extLst>
           </a:blip>
@@ -7060,6 +7094,13 @@
   <p:clrMapOvr>
     <a:masterClrMapping/>
   </p:clrMapOvr>
+  <p:timing>
+    <p:tnLst>
+      <p:par>
+        <p:cTn id="1" dur="indefinite" restart="never" nodeType="tmRoot"/>
+      </p:par>
+    </p:tnLst>
+  </p:timing>
 </p:sld>
 </file>
 
@@ -7559,6 +7600,13 @@
   <p:clrMapOvr>
     <a:masterClrMapping/>
   </p:clrMapOvr>
+  <p:timing>
+    <p:tnLst>
+      <p:par>
+        <p:cTn id="1" dur="indefinite" restart="never" nodeType="tmRoot"/>
+      </p:par>
+    </p:tnLst>
+  </p:timing>
 </p:sld>
 </file>
 
@@ -7645,66 +7693,6 @@
           </a:xfrm>
         </p:spPr>
       </p:pic>
-      <p:pic>
-        <p:nvPicPr>
-          <p:cNvPr id="5" name="Immagine 4"/>
-          <p:cNvPicPr>
-            <a:picLocks noChangeAspect="1"/>
-          </p:cNvPicPr>
-          <p:nvPr/>
-        </p:nvPicPr>
-        <p:blipFill>
-          <a:blip r:embed="rId3">
-            <a:extLst>
-              <a:ext uri="{28A0092B-C50C-407E-A947-70E740481C1C}">
-                <a14:useLocalDpi xmlns:a14="http://schemas.microsoft.com/office/drawing/2010/main" val="0"/>
-              </a:ext>
-            </a:extLst>
-          </a:blip>
-          <a:stretch>
-            <a:fillRect/>
-          </a:stretch>
-        </p:blipFill>
-        <p:spPr>
-          <a:xfrm>
-            <a:off x="539552" y="1496539"/>
-            <a:ext cx="4120350" cy="3006741"/>
-          </a:xfrm>
-          <a:prstGeom prst="rect">
-            <a:avLst/>
-          </a:prstGeom>
-        </p:spPr>
-      </p:pic>
-      <p:pic>
-        <p:nvPicPr>
-          <p:cNvPr id="6" name="Immagine 5"/>
-          <p:cNvPicPr>
-            <a:picLocks noChangeAspect="1"/>
-          </p:cNvPicPr>
-          <p:nvPr/>
-        </p:nvPicPr>
-        <p:blipFill>
-          <a:blip r:embed="rId4">
-            <a:extLst>
-              <a:ext uri="{28A0092B-C50C-407E-A947-70E740481C1C}">
-                <a14:useLocalDpi xmlns:a14="http://schemas.microsoft.com/office/drawing/2010/main" val="0"/>
-              </a:ext>
-            </a:extLst>
-          </a:blip>
-          <a:stretch>
-            <a:fillRect/>
-          </a:stretch>
-        </p:blipFill>
-        <p:spPr>
-          <a:xfrm>
-            <a:off x="4803917" y="1476061"/>
-            <a:ext cx="3898871" cy="2889043"/>
-          </a:xfrm>
-          <a:prstGeom prst="rect">
-            <a:avLst/>
-          </a:prstGeom>
-        </p:spPr>
-      </p:pic>
       <p:sp>
         <p:nvSpPr>
           <p:cNvPr id="9" name="Rettangolo 8"/>
@@ -7726,14 +7714,14 @@
           <a:effectLst/>
           <a:extLst>
             <a:ext uri="{909E8E84-426E-40dd-AFC4-6F175D3DCCD1}">
-              <a14:hiddenFill xmlns:a14="http://schemas.microsoft.com/office/drawing/2010/main" xmlns="">
+              <a14:hiddenFill xmlns="" xmlns:a14="http://schemas.microsoft.com/office/drawing/2010/main">
                 <a:solidFill>
                   <a:schemeClr val="accent1"/>
                 </a:solidFill>
               </a14:hiddenFill>
             </a:ext>
             <a:ext uri="{91240B29-F687-4f45-9708-019B960494DF}">
-              <a14:hiddenLine xmlns:a14="http://schemas.microsoft.com/office/drawing/2010/main" xmlns="" w="9525" cap="flat" cmpd="sng" algn="ctr">
+              <a14:hiddenLine xmlns="" xmlns:a14="http://schemas.microsoft.com/office/drawing/2010/main" w="9525" cap="flat" cmpd="sng" algn="ctr">
                 <a:solidFill>
                   <a:schemeClr val="tx1"/>
                 </a:solidFill>
@@ -7744,7 +7732,7 @@
               </a14:hiddenLine>
             </a:ext>
             <a:ext uri="{AF507438-7753-43e0-B8FC-AC1667EBCBE1}">
-              <a14:hiddenEffects xmlns:a14="http://schemas.microsoft.com/office/drawing/2010/main" xmlns="">
+              <a14:hiddenEffects xmlns="" xmlns:a14="http://schemas.microsoft.com/office/drawing/2010/main">
                 <a:effectLst>
                   <a:outerShdw blurRad="63500" dist="38099" dir="2700000" algn="ctr" rotWithShape="0">
                     <a:srgbClr val="000000">
@@ -7836,14 +7824,14 @@
           <a:effectLst/>
           <a:extLst>
             <a:ext uri="{909E8E84-426E-40dd-AFC4-6F175D3DCCD1}">
-              <a14:hiddenFill xmlns:a14="http://schemas.microsoft.com/office/drawing/2010/main" xmlns="">
+              <a14:hiddenFill xmlns="" xmlns:a14="http://schemas.microsoft.com/office/drawing/2010/main">
                 <a:solidFill>
                   <a:schemeClr val="accent1"/>
                 </a:solidFill>
               </a14:hiddenFill>
             </a:ext>
             <a:ext uri="{91240B29-F687-4f45-9708-019B960494DF}">
-              <a14:hiddenLine xmlns:a14="http://schemas.microsoft.com/office/drawing/2010/main" xmlns="" w="9525" cap="flat" cmpd="sng" algn="ctr">
+              <a14:hiddenLine xmlns="" xmlns:a14="http://schemas.microsoft.com/office/drawing/2010/main" w="9525" cap="flat" cmpd="sng" algn="ctr">
                 <a:solidFill>
                   <a:schemeClr val="tx1"/>
                 </a:solidFill>
@@ -7854,7 +7842,7 @@
               </a14:hiddenLine>
             </a:ext>
             <a:ext uri="{AF507438-7753-43e0-B8FC-AC1667EBCBE1}">
-              <a14:hiddenEffects xmlns:a14="http://schemas.microsoft.com/office/drawing/2010/main" xmlns="">
+              <a14:hiddenEffects xmlns="" xmlns:a14="http://schemas.microsoft.com/office/drawing/2010/main">
                 <a:effectLst>
                   <a:outerShdw blurRad="63500" dist="38099" dir="2700000" algn="ctr" rotWithShape="0">
                     <a:srgbClr val="000000">
@@ -7919,14 +7907,14 @@
           <a:effectLst/>
           <a:extLst>
             <a:ext uri="{909E8E84-426E-40dd-AFC4-6F175D3DCCD1}">
-              <a14:hiddenFill xmlns:a14="http://schemas.microsoft.com/office/drawing/2010/main" xmlns="">
+              <a14:hiddenFill xmlns="" xmlns:a14="http://schemas.microsoft.com/office/drawing/2010/main">
                 <a:solidFill>
                   <a:schemeClr val="accent1"/>
                 </a:solidFill>
               </a14:hiddenFill>
             </a:ext>
             <a:ext uri="{91240B29-F687-4f45-9708-019B960494DF}">
-              <a14:hiddenLine xmlns:a14="http://schemas.microsoft.com/office/drawing/2010/main" xmlns="" w="9525" cap="flat" cmpd="sng" algn="ctr">
+              <a14:hiddenLine xmlns="" xmlns:a14="http://schemas.microsoft.com/office/drawing/2010/main" w="9525" cap="flat" cmpd="sng" algn="ctr">
                 <a:solidFill>
                   <a:schemeClr val="tx1"/>
                 </a:solidFill>
@@ -7937,7 +7925,7 @@
               </a14:hiddenLine>
             </a:ext>
             <a:ext uri="{AF507438-7753-43e0-B8FC-AC1667EBCBE1}">
-              <a14:hiddenEffects xmlns:a14="http://schemas.microsoft.com/office/drawing/2010/main" xmlns="">
+              <a14:hiddenEffects xmlns="" xmlns:a14="http://schemas.microsoft.com/office/drawing/2010/main">
                 <a:effectLst>
                   <a:outerShdw blurRad="63500" dist="38099" dir="2700000" algn="ctr" rotWithShape="0">
                     <a:srgbClr val="000000">
@@ -7990,6 +7978,88 @@
           </a:p>
         </p:txBody>
       </p:sp>
+      <p:pic>
+        <p:nvPicPr>
+          <p:cNvPr id="12" name="Segnaposto contenuto 6"/>
+          <p:cNvPicPr>
+            <a:picLocks noChangeAspect="1"/>
+          </p:cNvPicPr>
+          <p:nvPr/>
+        </p:nvPicPr>
+        <p:blipFill rotWithShape="1">
+          <a:blip r:embed="rId3">
+            <a:extLst>
+              <a:ext uri="{28A0092B-C50C-407E-A947-70E740481C1C}">
+                <a14:useLocalDpi xmlns:a14="http://schemas.microsoft.com/office/drawing/2010/main" val="0"/>
+              </a:ext>
+            </a:extLst>
+          </a:blip>
+          <a:srcRect t="6748"/>
+          <a:stretch/>
+        </p:blipFill>
+        <p:spPr bwMode="auto">
+          <a:xfrm>
+            <a:off x="4934904" y="1587829"/>
+            <a:ext cx="3667445" cy="2669116"/>
+          </a:xfrm>
+          <a:prstGeom prst="rect">
+            <a:avLst/>
+          </a:prstGeom>
+          <a:noFill/>
+          <a:ln>
+            <a:noFill/>
+          </a:ln>
+          <a:extLst>
+            <a:ext uri="{909E8E84-426E-40DD-AFC4-6F175D3DCCD1}">
+              <a14:hiddenFill xmlns:a14="http://schemas.microsoft.com/office/drawing/2010/main">
+                <a:solidFill>
+                  <a:schemeClr val="accent1"/>
+                </a:solidFill>
+              </a14:hiddenFill>
+            </a:ext>
+            <a:ext uri="{91240B29-F687-4F45-9708-019B960494DF}">
+              <a14:hiddenLine xmlns:a14="http://schemas.microsoft.com/office/drawing/2010/main" w="9525">
+                <a:solidFill>
+                  <a:schemeClr val="tx1"/>
+                </a:solidFill>
+                <a:miter lim="800000"/>
+                <a:headEnd/>
+                <a:tailEnd/>
+              </a14:hiddenLine>
+            </a:ext>
+          </a:extLst>
+        </p:spPr>
+      </p:pic>
+      <p:pic>
+        <p:nvPicPr>
+          <p:cNvPr id="13" name="Immagine 12"/>
+          <p:cNvPicPr>
+            <a:picLocks noChangeAspect="1"/>
+          </p:cNvPicPr>
+          <p:nvPr/>
+        </p:nvPicPr>
+        <p:blipFill>
+          <a:blip r:embed="rId4">
+            <a:extLst>
+              <a:ext uri="{28A0092B-C50C-407E-A947-70E740481C1C}">
+                <a14:useLocalDpi xmlns:a14="http://schemas.microsoft.com/office/drawing/2010/main" val="0"/>
+              </a:ext>
+            </a:extLst>
+          </a:blip>
+          <a:stretch>
+            <a:fillRect/>
+          </a:stretch>
+        </p:blipFill>
+        <p:spPr>
+          <a:xfrm>
+            <a:off x="628811" y="1513913"/>
+            <a:ext cx="3860263" cy="2816949"/>
+          </a:xfrm>
+          <a:prstGeom prst="rect">
+            <a:avLst/>
+          </a:prstGeom>
+        </p:spPr>
+      </p:pic>
     </p:spTree>
     <p:extLst>
       <p:ext uri="{BB962C8B-B14F-4D97-AF65-F5344CB8AC3E}">
@@ -8091,7 +8161,7 @@
                                 </p:cTn>
                               </p:par>
                               <p:par>
-                                <p:cTn id="11" presetID="42" presetClass="exit" presetSubtype="0" fill="hold" nodeType="withEffect">
+                                <p:cTn id="11" presetID="42" presetClass="exit" presetSubtype="0" fill="hold" grpId="0" nodeType="withEffect">
                                   <p:stCondLst>
                                     <p:cond delay="0"/>
                                   </p:stCondLst>
@@ -8100,7 +8170,7 @@
                                       <p:cBhvr>
                                         <p:cTn id="12" dur="1000"/>
                                         <p:tgtEl>
-                                          <p:spTgt spid="5"/>
+                                          <p:spTgt spid="9"/>
                                         </p:tgtEl>
                                       </p:cBhvr>
                                     </p:animEffect>
@@ -8108,7 +8178,7 @@
                                       <p:cBhvr>
                                         <p:cTn id="13" dur="1000"/>
                                         <p:tgtEl>
-                                          <p:spTgt spid="5"/>
+                                          <p:spTgt spid="9"/>
                                         </p:tgtEl>
                                         <p:attrNameLst>
                                           <p:attrName>ppt_x</p:attrName>
@@ -8131,7 +8201,7 @@
                                       <p:cBhvr>
                                         <p:cTn id="14" dur="1000"/>
                                         <p:tgtEl>
-                                          <p:spTgt spid="5"/>
+                                          <p:spTgt spid="9"/>
                                         </p:tgtEl>
                                         <p:attrNameLst>
                                           <p:attrName>ppt_y</p:attrName>
@@ -8158,7 +8228,7 @@
                                           </p:stCondLst>
                                         </p:cTn>
                                         <p:tgtEl>
-                                          <p:spTgt spid="5"/>
+                                          <p:spTgt spid="9"/>
                                         </p:tgtEl>
                                         <p:attrNameLst>
                                           <p:attrName>style.visibility</p:attrName>
@@ -8181,7 +8251,7 @@
                                       <p:cBhvr>
                                         <p:cTn id="17" dur="1000"/>
                                         <p:tgtEl>
-                                          <p:spTgt spid="9"/>
+                                          <p:spTgt spid="10"/>
                                         </p:tgtEl>
                                       </p:cBhvr>
                                     </p:animEffect>
@@ -8189,7 +8259,7 @@
                                       <p:cBhvr>
                                         <p:cTn id="18" dur="1000"/>
                                         <p:tgtEl>
-                                          <p:spTgt spid="9"/>
+                                          <p:spTgt spid="10"/>
                                         </p:tgtEl>
                                         <p:attrNameLst>
                                           <p:attrName>ppt_x</p:attrName>
@@ -8212,7 +8282,7 @@
                                       <p:cBhvr>
                                         <p:cTn id="19" dur="1000"/>
                                         <p:tgtEl>
-                                          <p:spTgt spid="9"/>
+                                          <p:spTgt spid="10"/>
                                         </p:tgtEl>
                                         <p:attrNameLst>
                                           <p:attrName>ppt_y</p:attrName>
@@ -8239,7 +8309,7 @@
                                           </p:stCondLst>
                                         </p:cTn>
                                         <p:tgtEl>
-                                          <p:spTgt spid="9"/>
+                                          <p:spTgt spid="10"/>
                                         </p:tgtEl>
                                         <p:attrNameLst>
                                           <p:attrName>style.visibility</p:attrName>
@@ -8253,7 +8323,7 @@
                                 </p:cTn>
                               </p:par>
                               <p:par>
-                                <p:cTn id="21" presetID="42" presetClass="exit" presetSubtype="0" fill="hold" nodeType="withEffect">
+                                <p:cTn id="21" presetID="10" presetClass="exit" presetSubtype="0" fill="hold" nodeType="withEffect">
                                   <p:stCondLst>
                                     <p:cond delay="0"/>
                                   </p:stCondLst>
@@ -8262,65 +8332,19 @@
                                       <p:cBhvr>
                                         <p:cTn id="22" dur="1000"/>
                                         <p:tgtEl>
-                                          <p:spTgt spid="6"/>
+                                          <p:spTgt spid="13"/>
                                         </p:tgtEl>
                                       </p:cBhvr>
                                     </p:animEffect>
-                                    <p:anim calcmode="lin" valueType="num">
-                                      <p:cBhvr>
-                                        <p:cTn id="23" dur="1000"/>
-                                        <p:tgtEl>
-                                          <p:spTgt spid="6"/>
-                                        </p:tgtEl>
-                                        <p:attrNameLst>
-                                          <p:attrName>ppt_x</p:attrName>
-                                        </p:attrNameLst>
-                                      </p:cBhvr>
-                                      <p:tavLst>
-                                        <p:tav tm="0">
-                                          <p:val>
-                                            <p:strVal val="ppt_x"/>
-                                          </p:val>
-                                        </p:tav>
-                                        <p:tav tm="100000">
-                                          <p:val>
-                                            <p:strVal val="ppt_x"/>
-                                          </p:val>
-                                        </p:tav>
-                                      </p:tavLst>
-                                    </p:anim>
-                                    <p:anim calcmode="lin" valueType="num">
-                                      <p:cBhvr>
-                                        <p:cTn id="24" dur="1000"/>
-                                        <p:tgtEl>
-                                          <p:spTgt spid="6"/>
-                                        </p:tgtEl>
-                                        <p:attrNameLst>
-                                          <p:attrName>ppt_y</p:attrName>
-                                        </p:attrNameLst>
-                                      </p:cBhvr>
-                                      <p:tavLst>
-                                        <p:tav tm="0">
-                                          <p:val>
-                                            <p:strVal val="ppt_y"/>
-                                          </p:val>
-                                        </p:tav>
-                                        <p:tav tm="100000">
-                                          <p:val>
-                                            <p:strVal val="ppt_y+.1"/>
-                                          </p:val>
-                                        </p:tav>
-                                      </p:tavLst>
-                                    </p:anim>
                                     <p:set>
                                       <p:cBhvr>
-                                        <p:cTn id="25" dur="1" fill="hold">
+                                        <p:cTn id="23" dur="1" fill="hold">
                                           <p:stCondLst>
                                             <p:cond delay="999"/>
                                           </p:stCondLst>
                                         </p:cTn>
                                         <p:tgtEl>
-                                          <p:spTgt spid="6"/>
+                                          <p:spTgt spid="13"/>
                                         </p:tgtEl>
                                         <p:attrNameLst>
                                           <p:attrName>style.visibility</p:attrName>
@@ -8334,74 +8358,28 @@
                                 </p:cTn>
                               </p:par>
                               <p:par>
-                                <p:cTn id="26" presetID="42" presetClass="exit" presetSubtype="0" fill="hold" grpId="0" nodeType="withEffect">
+                                <p:cTn id="24" presetID="10" presetClass="exit" presetSubtype="0" fill="hold" nodeType="withEffect">
                                   <p:stCondLst>
                                     <p:cond delay="0"/>
                                   </p:stCondLst>
                                   <p:childTnLst>
                                     <p:animEffect transition="out" filter="fade">
                                       <p:cBhvr>
-                                        <p:cTn id="27" dur="1000"/>
+                                        <p:cTn id="25" dur="1000"/>
                                         <p:tgtEl>
-                                          <p:spTgt spid="10"/>
+                                          <p:spTgt spid="12"/>
                                         </p:tgtEl>
                                       </p:cBhvr>
                                     </p:animEffect>
-                                    <p:anim calcmode="lin" valueType="num">
-                                      <p:cBhvr>
-                                        <p:cTn id="28" dur="1000"/>
-                                        <p:tgtEl>
-                                          <p:spTgt spid="10"/>
-                                        </p:tgtEl>
-                                        <p:attrNameLst>
-                                          <p:attrName>ppt_x</p:attrName>
-                                        </p:attrNameLst>
-                                      </p:cBhvr>
-                                      <p:tavLst>
-                                        <p:tav tm="0">
-                                          <p:val>
-                                            <p:strVal val="ppt_x"/>
-                                          </p:val>
-                                        </p:tav>
-                                        <p:tav tm="100000">
-                                          <p:val>
-                                            <p:strVal val="ppt_x"/>
-                                          </p:val>
-                                        </p:tav>
-                                      </p:tavLst>
-                                    </p:anim>
-                                    <p:anim calcmode="lin" valueType="num">
-                                      <p:cBhvr>
-                                        <p:cTn id="29" dur="1000"/>
-                                        <p:tgtEl>
-                                          <p:spTgt spid="10"/>
-                                        </p:tgtEl>
-                                        <p:attrNameLst>
-                                          <p:attrName>ppt_y</p:attrName>
-                                        </p:attrNameLst>
-                                      </p:cBhvr>
-                                      <p:tavLst>
-                                        <p:tav tm="0">
-                                          <p:val>
-                                            <p:strVal val="ppt_y"/>
-                                          </p:val>
-                                        </p:tav>
-                                        <p:tav tm="100000">
-                                          <p:val>
-                                            <p:strVal val="ppt_y+.1"/>
-                                          </p:val>
-                                        </p:tav>
-                                      </p:tavLst>
-                                    </p:anim>
                                     <p:set>
                                       <p:cBhvr>
-                                        <p:cTn id="30" dur="1" fill="hold">
+                                        <p:cTn id="26" dur="1" fill="hold">
                                           <p:stCondLst>
                                             <p:cond delay="999"/>
                                           </p:stCondLst>
                                         </p:cTn>
                                         <p:tgtEl>
-                                          <p:spTgt spid="10"/>
+                                          <p:spTgt spid="12"/>
                                         </p:tgtEl>
                                         <p:attrNameLst>
                                           <p:attrName>style.visibility</p:attrName>
@@ -8509,13 +8487,11 @@
       </p:sp>
       <p:pic>
         <p:nvPicPr>
-          <p:cNvPr id="4" name="Segnaposto contenuto 3"/>
+          <p:cNvPr id="7" name="Segnaposto contenuto 3"/>
           <p:cNvPicPr>
-            <a:picLocks noGrp="1" noChangeAspect="1"/>
+            <a:picLocks noChangeAspect="1"/>
           </p:cNvPicPr>
-          <p:nvPr>
-            <p:ph idx="1"/>
-          </p:nvPr>
+          <p:nvPr/>
         </p:nvPicPr>
         <p:blipFill>
           <a:blip r:embed="rId2">
@@ -8539,22 +8515,48 @@
             <a:fillRect/>
           </a:stretch>
         </p:blipFill>
-        <p:spPr>
+        <p:spPr bwMode="auto">
           <a:xfrm>
             <a:off x="2987824" y="3804422"/>
             <a:ext cx="3024336" cy="2304256"/>
           </a:xfrm>
+          <a:prstGeom prst="rect">
+            <a:avLst/>
+          </a:prstGeom>
+          <a:noFill/>
+          <a:ln>
+            <a:noFill/>
+          </a:ln>
+          <a:extLst>
+            <a:ext uri="{909E8E84-426E-40DD-AFC4-6F175D3DCCD1}">
+              <a14:hiddenFill xmlns:a14="http://schemas.microsoft.com/office/drawing/2010/main">
+                <a:solidFill>
+                  <a:schemeClr val="accent1"/>
+                </a:solidFill>
+              </a14:hiddenFill>
+            </a:ext>
+            <a:ext uri="{91240B29-F687-4F45-9708-019B960494DF}">
+              <a14:hiddenLine xmlns:a14="http://schemas.microsoft.com/office/drawing/2010/main" w="9525">
+                <a:solidFill>
+                  <a:schemeClr val="tx1"/>
+                </a:solidFill>
+                <a:miter lim="800000"/>
+                <a:headEnd/>
+                <a:tailEnd/>
+              </a14:hiddenLine>
+            </a:ext>
+          </a:extLst>
         </p:spPr>
       </p:pic>
       <p:pic>
         <p:nvPicPr>
-          <p:cNvPr id="5" name="Immagine 4"/>
+          <p:cNvPr id="8" name="Segnaposto contenuto 6"/>
           <p:cNvPicPr>
             <a:picLocks noChangeAspect="1"/>
           </p:cNvPicPr>
           <p:nvPr/>
         </p:nvPicPr>
-        <p:blipFill>
+        <p:blipFill rotWithShape="1">
           <a:blip r:embed="rId3">
             <a:extLst>
               <a:ext uri="{28A0092B-C50C-407E-A947-70E740481C1C}">
@@ -8562,23 +8564,45 @@
               </a:ext>
             </a:extLst>
           </a:blip>
-          <a:stretch>
-            <a:fillRect/>
-          </a:stretch>
+          <a:srcRect t="6748"/>
+          <a:stretch/>
         </p:blipFill>
-        <p:spPr>
+        <p:spPr bwMode="auto">
           <a:xfrm>
-            <a:off x="1331640" y="1419608"/>
-            <a:ext cx="3091172" cy="2255720"/>
+            <a:off x="5220072" y="1449912"/>
+            <a:ext cx="3163877" cy="2302626"/>
           </a:xfrm>
           <a:prstGeom prst="rect">
             <a:avLst/>
           </a:prstGeom>
+          <a:noFill/>
+          <a:ln>
+            <a:noFill/>
+          </a:ln>
+          <a:extLst>
+            <a:ext uri="{909E8E84-426E-40DD-AFC4-6F175D3DCCD1}">
+              <a14:hiddenFill xmlns:a14="http://schemas.microsoft.com/office/drawing/2010/main">
+                <a:solidFill>
+                  <a:schemeClr val="accent1"/>
+                </a:solidFill>
+              </a14:hiddenFill>
+            </a:ext>
+            <a:ext uri="{91240B29-F687-4F45-9708-019B960494DF}">
+              <a14:hiddenLine xmlns:a14="http://schemas.microsoft.com/office/drawing/2010/main" w="9525">
+                <a:solidFill>
+                  <a:schemeClr val="tx1"/>
+                </a:solidFill>
+                <a:miter lim="800000"/>
+                <a:headEnd/>
+                <a:tailEnd/>
+              </a14:hiddenLine>
+            </a:ext>
+          </a:extLst>
         </p:spPr>
       </p:pic>
       <p:pic>
         <p:nvPicPr>
-          <p:cNvPr id="6" name="Immagine 5"/>
+          <p:cNvPr id="9" name="Immagine 8"/>
           <p:cNvPicPr>
             <a:picLocks noChangeAspect="1"/>
           </p:cNvPicPr>
@@ -8598,8 +8622,8 @@
         </p:blipFill>
         <p:spPr>
           <a:xfrm>
-            <a:off x="5292080" y="1397306"/>
-            <a:ext cx="3096344" cy="2294375"/>
+            <a:off x="1294816" y="1479641"/>
+            <a:ext cx="3116944" cy="2274527"/>
           </a:xfrm>
           <a:prstGeom prst="rect">
             <a:avLst/>
@@ -8616,6 +8640,13 @@
   <p:clrMapOvr>
     <a:masterClrMapping/>
   </p:clrMapOvr>
+  <p:timing>
+    <p:tnLst>
+      <p:par>
+        <p:cTn id="1" dur="indefinite" restart="never" nodeType="tmRoot"/>
+      </p:par>
+    </p:tnLst>
+  </p:timing>
 </p:sld>
 </file>
 
@@ -8671,12 +8702,24 @@
             <a:br>
               <a:rPr lang="it-IT" dirty="0"/>
             </a:br>
+            <a:r>
+              <a:rPr lang="it-IT" dirty="0"/>
+              <a:t/>
+            </a:r>
             <a:br>
               <a:rPr lang="it-IT" dirty="0"/>
             </a:br>
+            <a:r>
+              <a:rPr lang="it-IT" dirty="0"/>
+              <a:t/>
+            </a:r>
             <a:br>
               <a:rPr lang="it-IT" dirty="0"/>
             </a:br>
+            <a:r>
+              <a:rPr lang="it-IT" dirty="0"/>
+              <a:t/>
+            </a:r>
             <a:br>
               <a:rPr lang="it-IT" dirty="0"/>
             </a:br>
@@ -8978,7 +9021,7 @@
           <a:blip r:embed="rId3">
             <a:extLst>
               <a:ext uri="{837473B0-CC2E-450A-ABE3-18F120FF3D39}">
-                <a1611:picAttrSrcUrl xmlns:a1611="http://schemas.microsoft.com/office/drawing/2016/11/main" r:id="rId4"/>
+                <a1611:picAttrSrcUrl xmlns:a1611="http://schemas.microsoft.com/office/drawing/2016/11/main" xmlns="" r:id="rId4"/>
               </a:ext>
             </a:extLst>
           </a:blip>
@@ -9084,34 +9127,6 @@
       </p:sp>
       <p:pic>
         <p:nvPicPr>
-          <p:cNvPr id="7" name="Segnaposto contenuto 6"/>
-          <p:cNvPicPr>
-            <a:picLocks noGrp="1" noChangeAspect="1"/>
-          </p:cNvPicPr>
-          <p:nvPr>
-            <p:ph idx="1"/>
-          </p:nvPr>
-        </p:nvPicPr>
-        <p:blipFill rotWithShape="1">
-          <a:blip r:embed="rId2">
-            <a:extLst>
-              <a:ext uri="{28A0092B-C50C-407E-A947-70E740481C1C}">
-                <a14:useLocalDpi xmlns:a14="http://schemas.microsoft.com/office/drawing/2010/main" val="0"/>
-              </a:ext>
-            </a:extLst>
-          </a:blip>
-          <a:srcRect t="6748"/>
-          <a:stretch/>
-        </p:blipFill>
-        <p:spPr>
-          <a:xfrm>
-            <a:off x="5292080" y="1340768"/>
-            <a:ext cx="3163877" cy="2302626"/>
-          </a:xfrm>
-        </p:spPr>
-      </p:pic>
-      <p:pic>
-        <p:nvPicPr>
           <p:cNvPr id="8" name="Immagine 7"/>
           <p:cNvPicPr>
             <a:picLocks noChangeAspect="1"/>
@@ -9119,7 +9134,7 @@
           <p:nvPr/>
         </p:nvPicPr>
         <p:blipFill>
-          <a:blip r:embed="rId3">
+          <a:blip r:embed="rId2">
             <a:clrChange>
               <a:clrFrom>
                 <a:srgbClr val="FFFFFF"/>
@@ -9152,7 +9167,37 @@
       </p:pic>
       <p:pic>
         <p:nvPicPr>
-          <p:cNvPr id="10" name="Immagine 9"/>
+          <p:cNvPr id="9" name="Immagine 8"/>
+          <p:cNvPicPr>
+            <a:picLocks noChangeAspect="1"/>
+          </p:cNvPicPr>
+          <p:nvPr/>
+        </p:nvPicPr>
+        <p:blipFill>
+          <a:blip r:embed="rId3">
+            <a:extLst>
+              <a:ext uri="{28A0092B-C50C-407E-A947-70E740481C1C}">
+                <a14:useLocalDpi xmlns:a14="http://schemas.microsoft.com/office/drawing/2010/main" val="0"/>
+              </a:ext>
+            </a:extLst>
+          </a:blip>
+          <a:stretch>
+            <a:fillRect/>
+          </a:stretch>
+        </p:blipFill>
+        <p:spPr>
+          <a:xfrm>
+            <a:off x="1467668" y="1492583"/>
+            <a:ext cx="3091172" cy="2255720"/>
+          </a:xfrm>
+          <a:prstGeom prst="rect">
+            <a:avLst/>
+          </a:prstGeom>
+        </p:spPr>
+      </p:pic>
+      <p:pic>
+        <p:nvPicPr>
+          <p:cNvPr id="11" name="Immagine 10"/>
           <p:cNvPicPr>
             <a:picLocks noChangeAspect="1"/>
           </p:cNvPicPr>
@@ -9172,8 +9217,8 @@
         </p:blipFill>
         <p:spPr>
           <a:xfrm>
-            <a:off x="1366824" y="1370497"/>
-            <a:ext cx="3116944" cy="2274527"/>
+            <a:off x="5428108" y="1470281"/>
+            <a:ext cx="3096344" cy="2294375"/>
           </a:xfrm>
           <a:prstGeom prst="rect">
             <a:avLst/>
@@ -9518,14 +9563,14 @@
           <a:effectLst/>
           <a:extLst>
             <a:ext uri="{909E8E84-426E-40dd-AFC4-6F175D3DCCD1}">
-              <a14:hiddenFill xmlns:a14="http://schemas.microsoft.com/office/drawing/2010/main" xmlns="">
+              <a14:hiddenFill xmlns="" xmlns:a14="http://schemas.microsoft.com/office/drawing/2010/main">
                 <a:solidFill>
                   <a:schemeClr val="accent1"/>
                 </a:solidFill>
               </a14:hiddenFill>
             </a:ext>
             <a:ext uri="{91240B29-F687-4f45-9708-019B960494DF}">
-              <a14:hiddenLine xmlns:a14="http://schemas.microsoft.com/office/drawing/2010/main" xmlns="" w="9525" cap="flat" cmpd="sng" algn="ctr">
+              <a14:hiddenLine xmlns="" xmlns:a14="http://schemas.microsoft.com/office/drawing/2010/main" w="9525" cap="flat" cmpd="sng" algn="ctr">
                 <a:solidFill>
                   <a:schemeClr val="tx1"/>
                 </a:solidFill>
@@ -9536,7 +9581,7 @@
               </a14:hiddenLine>
             </a:ext>
             <a:ext uri="{AF507438-7753-43e0-B8FC-AC1667EBCBE1}">
-              <a14:hiddenEffects xmlns:a14="http://schemas.microsoft.com/office/drawing/2010/main" xmlns="">
+              <a14:hiddenEffects xmlns="" xmlns:a14="http://schemas.microsoft.com/office/drawing/2010/main">
                 <a:effectLst>
                   <a:outerShdw blurRad="63500" dist="38099" dir="2700000" algn="ctr" rotWithShape="0">
                     <a:srgbClr val="000000">
@@ -9628,14 +9673,14 @@
           <a:effectLst/>
           <a:extLst>
             <a:ext uri="{909E8E84-426E-40dd-AFC4-6F175D3DCCD1}">
-              <a14:hiddenFill xmlns:a14="http://schemas.microsoft.com/office/drawing/2010/main" xmlns="">
+              <a14:hiddenFill xmlns="" xmlns:a14="http://schemas.microsoft.com/office/drawing/2010/main">
                 <a:solidFill>
                   <a:schemeClr val="accent1"/>
                 </a:solidFill>
               </a14:hiddenFill>
             </a:ext>
             <a:ext uri="{91240B29-F687-4f45-9708-019B960494DF}">
-              <a14:hiddenLine xmlns:a14="http://schemas.microsoft.com/office/drawing/2010/main" xmlns="" w="9525" cap="flat" cmpd="sng" algn="ctr">
+              <a14:hiddenLine xmlns="" xmlns:a14="http://schemas.microsoft.com/office/drawing/2010/main" w="9525" cap="flat" cmpd="sng" algn="ctr">
                 <a:solidFill>
                   <a:schemeClr val="tx1"/>
                 </a:solidFill>
@@ -9646,7 +9691,7 @@
               </a14:hiddenLine>
             </a:ext>
             <a:ext uri="{AF507438-7753-43e0-B8FC-AC1667EBCBE1}">
-              <a14:hiddenEffects xmlns:a14="http://schemas.microsoft.com/office/drawing/2010/main" xmlns="">
+              <a14:hiddenEffects xmlns="" xmlns:a14="http://schemas.microsoft.com/office/drawing/2010/main">
                 <a:effectLst>
                   <a:outerShdw blurRad="63500" dist="38099" dir="2700000" algn="ctr" rotWithShape="0">
                     <a:srgbClr val="000000">
@@ -9711,14 +9756,14 @@
           <a:effectLst/>
           <a:extLst>
             <a:ext uri="{909E8E84-426E-40dd-AFC4-6F175D3DCCD1}">
-              <a14:hiddenFill xmlns:a14="http://schemas.microsoft.com/office/drawing/2010/main" xmlns="">
+              <a14:hiddenFill xmlns="" xmlns:a14="http://schemas.microsoft.com/office/drawing/2010/main">
                 <a:solidFill>
                   <a:schemeClr val="accent1"/>
                 </a:solidFill>
               </a14:hiddenFill>
             </a:ext>
             <a:ext uri="{91240B29-F687-4f45-9708-019B960494DF}">
-              <a14:hiddenLine xmlns:a14="http://schemas.microsoft.com/office/drawing/2010/main" xmlns="" w="9525" cap="flat" cmpd="sng" algn="ctr">
+              <a14:hiddenLine xmlns="" xmlns:a14="http://schemas.microsoft.com/office/drawing/2010/main" w="9525" cap="flat" cmpd="sng" algn="ctr">
                 <a:solidFill>
                   <a:schemeClr val="tx1"/>
                 </a:solidFill>
@@ -9729,7 +9774,7 @@
               </a14:hiddenLine>
             </a:ext>
             <a:ext uri="{AF507438-7753-43e0-B8FC-AC1667EBCBE1}">
-              <a14:hiddenEffects xmlns:a14="http://schemas.microsoft.com/office/drawing/2010/main" xmlns="">
+              <a14:hiddenEffects xmlns="" xmlns:a14="http://schemas.microsoft.com/office/drawing/2010/main">
                 <a:effectLst>
                   <a:outerShdw blurRad="63500" dist="38099" dir="2700000" algn="ctr" rotWithShape="0">
                     <a:srgbClr val="000000">
@@ -10885,7 +10930,7 @@
           <a:effectLst/>
           <a:extLst>
             <a:ext uri="{AF507438-7753-43e0-B8FC-AC1667EBCBE1}">
-              <a14:hiddenEffects xmlns:a14="http://schemas.microsoft.com/office/drawing/2010/main" xmlns="">
+              <a14:hiddenEffects xmlns="" xmlns:a14="http://schemas.microsoft.com/office/drawing/2010/main">
                 <a:effectLst>
                   <a:outerShdw blurRad="63500" dist="38099" dir="2700000" algn="ctr" rotWithShape="0">
                     <a:srgbClr val="000000">
@@ -12047,14 +12092,14 @@
           <a:ln/>
           <a:extLst>
             <a:ext uri="{909E8E84-426E-40dd-AFC4-6F175D3DCCD1}">
-              <a14:hiddenFill xmlns="" xmlns:a14="http://schemas.microsoft.com/office/drawing/2010/main">
+              <a14:hiddenFill xmlns:a14="http://schemas.microsoft.com/office/drawing/2010/main" xmlns="">
                 <a:solidFill>
                   <a:schemeClr val="accent1"/>
                 </a:solidFill>
               </a14:hiddenFill>
             </a:ext>
             <a:ext uri="{91240B29-F687-4f45-9708-019B960494DF}">
-              <a14:hiddenLine xmlns="" xmlns:a14="http://schemas.microsoft.com/office/drawing/2010/main" w="9525" cap="flat" cmpd="sng" algn="ctr">
+              <a14:hiddenLine xmlns:a14="http://schemas.microsoft.com/office/drawing/2010/main" xmlns="" w="9525" cap="flat" cmpd="sng" algn="ctr">
                 <a:solidFill>
                   <a:schemeClr val="tx1"/>
                 </a:solidFill>
@@ -12065,7 +12110,7 @@
               </a14:hiddenLine>
             </a:ext>
             <a:ext uri="{AF507438-7753-43e0-B8FC-AC1667EBCBE1}">
-              <a14:hiddenEffects xmlns="" xmlns:a14="http://schemas.microsoft.com/office/drawing/2010/main">
+              <a14:hiddenEffects xmlns:a14="http://schemas.microsoft.com/office/drawing/2010/main" xmlns="">
                 <a:effectLst>
                   <a:outerShdw blurRad="63500" dist="38099" dir="2700000" algn="ctr" rotWithShape="0">
                     <a:srgbClr val="000000">
@@ -12507,7 +12552,7 @@
         </p:txBody>
       </p:sp>
       <mc:AlternateContent xmlns:mc="http://schemas.openxmlformats.org/markup-compatibility/2006">
-        <mc:Choice xmlns:am3d="http://schemas.microsoft.com/office/drawing/2017/model3d" Requires="am3d">
+        <mc:Choice xmlns:am3d="http://schemas.microsoft.com/office/drawing/2017/model3d" xmlns="" Requires="am3d">
           <p:graphicFrame>
             <p:nvGraphicFramePr>
               <p:cNvPr id="18" name="Modello 3D 17" descr="Punto esclamativo di colore grigio scuro">
@@ -12611,7 +12656,7 @@
               <p:nvPr/>
             </p:nvPicPr>
             <p:blipFill>
-              <a:blip r:embed="rId3"/>
+              <a:blip r:embed="rId4"/>
               <a:stretch>
                 <a:fillRect/>
               </a:stretch>
@@ -12651,14 +12696,14 @@
           <a:ln/>
           <a:extLst>
             <a:ext uri="{909E8E84-426E-40dd-AFC4-6F175D3DCCD1}">
-              <a14:hiddenFill xmlns="" xmlns:a14="http://schemas.microsoft.com/office/drawing/2010/main">
+              <a14:hiddenFill xmlns:a14="http://schemas.microsoft.com/office/drawing/2010/main" xmlns="">
                 <a:solidFill>
                   <a:schemeClr val="accent1"/>
                 </a:solidFill>
               </a14:hiddenFill>
             </a:ext>
             <a:ext uri="{91240B29-F687-4f45-9708-019B960494DF}">
-              <a14:hiddenLine xmlns="" xmlns:a14="http://schemas.microsoft.com/office/drawing/2010/main" w="9525" cap="flat" cmpd="sng" algn="ctr">
+              <a14:hiddenLine xmlns:a14="http://schemas.microsoft.com/office/drawing/2010/main" xmlns="" w="9525" cap="flat" cmpd="sng" algn="ctr">
                 <a:solidFill>
                   <a:schemeClr val="tx1"/>
                 </a:solidFill>
@@ -12669,7 +12714,7 @@
               </a14:hiddenLine>
             </a:ext>
             <a:ext uri="{AF507438-7753-43e0-B8FC-AC1667EBCBE1}">
-              <a14:hiddenEffects xmlns="" xmlns:a14="http://schemas.microsoft.com/office/drawing/2010/main">
+              <a14:hiddenEffects xmlns:a14="http://schemas.microsoft.com/office/drawing/2010/main" xmlns="">
                 <a:effectLst>
                   <a:outerShdw blurRad="63500" dist="38099" dir="2700000" algn="ctr" rotWithShape="0">
                     <a:srgbClr val="000000">
@@ -12765,14 +12810,14 @@
           <a:effectLst/>
           <a:extLst>
             <a:ext uri="{909E8E84-426E-40dd-AFC4-6F175D3DCCD1}">
-              <a14:hiddenFill xmlns="" xmlns:a14="http://schemas.microsoft.com/office/drawing/2010/main">
+              <a14:hiddenFill xmlns:a14="http://schemas.microsoft.com/office/drawing/2010/main" xmlns="">
                 <a:solidFill>
                   <a:schemeClr val="accent1"/>
                 </a:solidFill>
               </a14:hiddenFill>
             </a:ext>
             <a:ext uri="{91240B29-F687-4f45-9708-019B960494DF}">
-              <a14:hiddenLine xmlns="" xmlns:a14="http://schemas.microsoft.com/office/drawing/2010/main" w="9525" cap="flat" cmpd="sng" algn="ctr">
+              <a14:hiddenLine xmlns:a14="http://schemas.microsoft.com/office/drawing/2010/main" xmlns="" w="9525" cap="flat" cmpd="sng" algn="ctr">
                 <a:solidFill>
                   <a:schemeClr val="tx1"/>
                 </a:solidFill>
@@ -12783,7 +12828,7 @@
               </a14:hiddenLine>
             </a:ext>
             <a:ext uri="{AF507438-7753-43e0-B8FC-AC1667EBCBE1}">
-              <a14:hiddenEffects xmlns="" xmlns:a14="http://schemas.microsoft.com/office/drawing/2010/main">
+              <a14:hiddenEffects xmlns:a14="http://schemas.microsoft.com/office/drawing/2010/main" xmlns="">
                 <a:effectLst>
                   <a:outerShdw blurRad="63500" dist="38099" dir="2700000" algn="ctr" rotWithShape="0">
                     <a:srgbClr val="000000">
@@ -12980,7 +13025,7 @@
           <a:blip r:embed="rId2">
             <a:extLst>
               <a:ext uri="{96DAC541-7B7A-43D3-8B79-37D633B846F1}">
-                <asvg:svgBlip xmlns:asvg="http://schemas.microsoft.com/office/drawing/2016/SVG/main" r:embed="rId3"/>
+                <asvg:svgBlip xmlns:asvg="http://schemas.microsoft.com/office/drawing/2016/SVG/main" xmlns="" r:embed="rId3"/>
               </a:ext>
             </a:extLst>
           </a:blip>
@@ -13084,7 +13129,7 @@
           <a:blip r:embed="rId4">
             <a:extLst>
               <a:ext uri="{96DAC541-7B7A-43D3-8B79-37D633B846F1}">
-                <asvg:svgBlip xmlns:asvg="http://schemas.microsoft.com/office/drawing/2016/SVG/main" r:embed="rId5"/>
+                <asvg:svgBlip xmlns:asvg="http://schemas.microsoft.com/office/drawing/2016/SVG/main" xmlns="" r:embed="rId5"/>
               </a:ext>
             </a:extLst>
           </a:blip>
@@ -13336,14 +13381,14 @@
           <a:effectLst/>
           <a:extLst>
             <a:ext uri="{909E8E84-426E-40dd-AFC4-6F175D3DCCD1}">
-              <a14:hiddenFill xmlns="" xmlns:a14="http://schemas.microsoft.com/office/drawing/2010/main">
+              <a14:hiddenFill xmlns:a14="http://schemas.microsoft.com/office/drawing/2010/main" xmlns="">
                 <a:solidFill>
                   <a:schemeClr val="accent1"/>
                 </a:solidFill>
               </a14:hiddenFill>
             </a:ext>
             <a:ext uri="{91240B29-F687-4f45-9708-019B960494DF}">
-              <a14:hiddenLine xmlns="" xmlns:a14="http://schemas.microsoft.com/office/drawing/2010/main" w="9525" cap="flat" cmpd="sng" algn="ctr">
+              <a14:hiddenLine xmlns:a14="http://schemas.microsoft.com/office/drawing/2010/main" xmlns="" w="9525" cap="flat" cmpd="sng" algn="ctr">
                 <a:solidFill>
                   <a:schemeClr val="tx1"/>
                 </a:solidFill>
@@ -13354,7 +13399,7 @@
               </a14:hiddenLine>
             </a:ext>
             <a:ext uri="{AF507438-7753-43e0-B8FC-AC1667EBCBE1}">
-              <a14:hiddenEffects xmlns="" xmlns:a14="http://schemas.microsoft.com/office/drawing/2010/main">
+              <a14:hiddenEffects xmlns:a14="http://schemas.microsoft.com/office/drawing/2010/main" xmlns="">
                 <a:effectLst>
                   <a:outerShdw blurRad="63500" dist="38099" dir="2700000" algn="ctr" rotWithShape="0">
                     <a:srgbClr val="000000">
@@ -13471,7 +13516,7 @@
           <a:blip r:embed="rId4">
             <a:extLst>
               <a:ext uri="{96DAC541-7B7A-43D3-8B79-37D633B846F1}">
-                <asvg:svgBlip xmlns:asvg="http://schemas.microsoft.com/office/drawing/2016/SVG/main" r:embed="rId5"/>
+                <asvg:svgBlip xmlns:asvg="http://schemas.microsoft.com/office/drawing/2016/SVG/main" xmlns="" r:embed="rId5"/>
               </a:ext>
             </a:extLst>
           </a:blip>
@@ -13722,14 +13767,14 @@
           <a:ln/>
           <a:extLst>
             <a:ext uri="{909E8E84-426E-40dd-AFC4-6F175D3DCCD1}">
-              <a14:hiddenFill xmlns="" xmlns:a14="http://schemas.microsoft.com/office/drawing/2010/main">
+              <a14:hiddenFill xmlns:a14="http://schemas.microsoft.com/office/drawing/2010/main" xmlns="">
                 <a:solidFill>
                   <a:schemeClr val="accent1"/>
                 </a:solidFill>
               </a14:hiddenFill>
             </a:ext>
             <a:ext uri="{91240B29-F687-4f45-9708-019B960494DF}">
-              <a14:hiddenLine xmlns="" xmlns:a14="http://schemas.microsoft.com/office/drawing/2010/main" w="9525" cap="flat" cmpd="sng" algn="ctr">
+              <a14:hiddenLine xmlns:a14="http://schemas.microsoft.com/office/drawing/2010/main" xmlns="" w="9525" cap="flat" cmpd="sng" algn="ctr">
                 <a:solidFill>
                   <a:schemeClr val="tx1"/>
                 </a:solidFill>
@@ -13740,7 +13785,7 @@
               </a14:hiddenLine>
             </a:ext>
             <a:ext uri="{AF507438-7753-43e0-B8FC-AC1667EBCBE1}">
-              <a14:hiddenEffects xmlns="" xmlns:a14="http://schemas.microsoft.com/office/drawing/2010/main">
+              <a14:hiddenEffects xmlns:a14="http://schemas.microsoft.com/office/drawing/2010/main" xmlns="">
                 <a:effectLst>
                   <a:outerShdw blurRad="63500" dist="38099" dir="2700000" algn="ctr" rotWithShape="0">
                     <a:srgbClr val="000000">
@@ -13828,14 +13873,14 @@
           <a:ln/>
           <a:extLst>
             <a:ext uri="{909E8E84-426E-40dd-AFC4-6F175D3DCCD1}">
-              <a14:hiddenFill xmlns="" xmlns:a14="http://schemas.microsoft.com/office/drawing/2010/main">
+              <a14:hiddenFill xmlns:a14="http://schemas.microsoft.com/office/drawing/2010/main" xmlns="">
                 <a:solidFill>
                   <a:schemeClr val="accent1"/>
                 </a:solidFill>
               </a14:hiddenFill>
             </a:ext>
             <a:ext uri="{91240B29-F687-4f45-9708-019B960494DF}">
-              <a14:hiddenLine xmlns="" xmlns:a14="http://schemas.microsoft.com/office/drawing/2010/main" w="9525" cap="flat" cmpd="sng" algn="ctr">
+              <a14:hiddenLine xmlns:a14="http://schemas.microsoft.com/office/drawing/2010/main" xmlns="" w="9525" cap="flat" cmpd="sng" algn="ctr">
                 <a:solidFill>
                   <a:schemeClr val="tx1"/>
                 </a:solidFill>
@@ -13846,7 +13891,7 @@
               </a14:hiddenLine>
             </a:ext>
             <a:ext uri="{AF507438-7753-43e0-B8FC-AC1667EBCBE1}">
-              <a14:hiddenEffects xmlns="" xmlns:a14="http://schemas.microsoft.com/office/drawing/2010/main">
+              <a14:hiddenEffects xmlns:a14="http://schemas.microsoft.com/office/drawing/2010/main" xmlns="">
                 <a:effectLst>
                   <a:outerShdw blurRad="63500" dist="38099" dir="2700000" algn="ctr" rotWithShape="0">
                     <a:srgbClr val="000000">
@@ -14045,7 +14090,7 @@
           <a:blip r:embed="rId6">
             <a:extLst>
               <a:ext uri="{837473B0-CC2E-450A-ABE3-18F120FF3D39}">
-                <a1611:picAttrSrcUrl xmlns:a1611="http://schemas.microsoft.com/office/drawing/2016/11/main" r:id="rId7"/>
+                <a1611:picAttrSrcUrl xmlns:a1611="http://schemas.microsoft.com/office/drawing/2016/11/main" xmlns="" r:id="rId7"/>
               </a:ext>
             </a:extLst>
           </a:blip>
@@ -14512,14 +14557,14 @@
           <a:ln/>
           <a:extLst>
             <a:ext uri="{909E8E84-426E-40dd-AFC4-6F175D3DCCD1}">
-              <a14:hiddenFill xmlns="" xmlns:a14="http://schemas.microsoft.com/office/drawing/2010/main">
+              <a14:hiddenFill xmlns:a14="http://schemas.microsoft.com/office/drawing/2010/main" xmlns="">
                 <a:solidFill>
                   <a:schemeClr val="accent1"/>
                 </a:solidFill>
               </a14:hiddenFill>
             </a:ext>
             <a:ext uri="{91240B29-F687-4f45-9708-019B960494DF}">
-              <a14:hiddenLine xmlns="" xmlns:a14="http://schemas.microsoft.com/office/drawing/2010/main" w="9525" cap="flat" cmpd="sng" algn="ctr">
+              <a14:hiddenLine xmlns:a14="http://schemas.microsoft.com/office/drawing/2010/main" xmlns="" w="9525" cap="flat" cmpd="sng" algn="ctr">
                 <a:solidFill>
                   <a:schemeClr val="tx1"/>
                 </a:solidFill>
@@ -14530,7 +14575,7 @@
               </a14:hiddenLine>
             </a:ext>
             <a:ext uri="{AF507438-7753-43e0-B8FC-AC1667EBCBE1}">
-              <a14:hiddenEffects xmlns="" xmlns:a14="http://schemas.microsoft.com/office/drawing/2010/main">
+              <a14:hiddenEffects xmlns:a14="http://schemas.microsoft.com/office/drawing/2010/main" xmlns="">
                 <a:effectLst>
                   <a:outerShdw blurRad="63500" dist="38099" dir="2700000" algn="ctr" rotWithShape="0">
                     <a:srgbClr val="000000">
@@ -14699,7 +14744,7 @@
           <a:blip r:embed="rId3">
             <a:extLst>
               <a:ext uri="{837473B0-CC2E-450A-ABE3-18F120FF3D39}">
-                <a1611:picAttrSrcUrl xmlns:a1611="http://schemas.microsoft.com/office/drawing/2016/11/main" r:id="rId4"/>
+                <a1611:picAttrSrcUrl xmlns:a1611="http://schemas.microsoft.com/office/drawing/2016/11/main" xmlns="" r:id="rId4"/>
               </a:ext>
             </a:extLst>
           </a:blip>
@@ -15228,6 +15273,526 @@
           <a:ln/>
           <a:extLst>
             <a:ext uri="{909E8E84-426E-40dd-AFC4-6F175D3DCCD1}">
+              <a14:hiddenFill xmlns="" xmlns:a14="http://schemas.microsoft.com/office/drawing/2010/main">
+                <a:solidFill>
+                  <a:schemeClr val="accent1"/>
+                </a:solidFill>
+              </a14:hiddenFill>
+            </a:ext>
+            <a:ext uri="{91240B29-F687-4f45-9708-019B960494DF}">
+              <a14:hiddenLine xmlns="" xmlns:a14="http://schemas.microsoft.com/office/drawing/2010/main" w="9525" cap="flat" cmpd="sng" algn="ctr">
+                <a:solidFill>
+                  <a:schemeClr val="tx1"/>
+                </a:solidFill>
+                <a:prstDash val="solid"/>
+                <a:round/>
+                <a:headEnd type="none" w="med" len="med"/>
+                <a:tailEnd type="none" w="med" len="med"/>
+              </a14:hiddenLine>
+            </a:ext>
+            <a:ext uri="{AF507438-7753-43e0-B8FC-AC1667EBCBE1}">
+              <a14:hiddenEffects xmlns="" xmlns:a14="http://schemas.microsoft.com/office/drawing/2010/main">
+                <a:effectLst>
+                  <a:outerShdw blurRad="63500" dist="38099" dir="2700000" algn="ctr" rotWithShape="0">
+                    <a:srgbClr val="000000">
+                      <a:alpha val="74998"/>
+                    </a:srgbClr>
+                  </a:outerShdw>
+                </a:effectLst>
+              </a14:hiddenEffects>
+            </a:ext>
+          </a:extLst>
+        </p:spPr>
+        <p:style>
+          <a:lnRef idx="2">
+            <a:schemeClr val="dk1"/>
+          </a:lnRef>
+          <a:fillRef idx="1">
+            <a:schemeClr val="lt1"/>
+          </a:fillRef>
+          <a:effectRef idx="0">
+            <a:schemeClr val="dk1"/>
+          </a:effectRef>
+          <a:fontRef idx="minor">
+            <a:schemeClr val="dk1"/>
+          </a:fontRef>
+        </p:style>
+        <p:txBody>
+          <a:bodyPr vert="horz" wrap="square" lIns="91440" tIns="45720" rIns="91440" bIns="45720" numCol="1" rtlCol="0" anchor="t" anchorCtr="0" compatLnSpc="1">
+            <a:prstTxWarp prst="textNoShape">
+              <a:avLst/>
+            </a:prstTxWarp>
+          </a:bodyPr>
+          <a:lstStyle/>
+          <a:p>
+            <a:pPr marL="0" marR="0" indent="0" algn="l" defTabSz="914400" rtl="0" eaLnBrk="0" fontAlgn="base" latinLnBrk="0" hangingPunct="0">
+              <a:lnSpc>
+                <a:spcPct val="100000"/>
+              </a:lnSpc>
+              <a:spcBef>
+                <a:spcPct val="0"/>
+              </a:spcBef>
+              <a:spcAft>
+                <a:spcPct val="0"/>
+              </a:spcAft>
+              <a:buClrTx/>
+              <a:buSzTx/>
+              <a:buFontTx/>
+              <a:buNone/>
+              <a:tabLst/>
+            </a:pPr>
+            <a:endParaRPr kumimoji="0" lang="it-IT" sz="2400" b="0" i="0" u="none" strike="noStrike" cap="none" normalizeH="0" baseline="0">
+              <a:ln>
+                <a:noFill/>
+              </a:ln>
+              <a:solidFill>
+                <a:srgbClr val="000000"/>
+              </a:solidFill>
+              <a:effectLst/>
+              <a:latin typeface="Arial" charset="0"/>
+              <a:ea typeface="ＭＳ Ｐゴシック" charset="0"/>
+              <a:cs typeface="ＭＳ Ｐゴシック" charset="0"/>
+            </a:endParaRPr>
+          </a:p>
+        </p:txBody>
+      </p:sp>
+      <p:sp>
+        <p:nvSpPr>
+          <p:cNvPr id="6" name="Freccia giù 5">
+            <a:extLst>
+              <a:ext uri="{FF2B5EF4-FFF2-40B4-BE49-F238E27FC236}">
+                <a16:creationId xmlns:a16="http://schemas.microsoft.com/office/drawing/2014/main" id="{8F595931-B9A2-56CC-01CE-1D569EB2FC8B}"/>
+              </a:ext>
+            </a:extLst>
+          </p:cNvPr>
+          <p:cNvSpPr/>
+          <p:nvPr/>
+        </p:nvSpPr>
+        <p:spPr bwMode="auto">
+          <a:xfrm flipH="1">
+            <a:off x="3677014" y="4159772"/>
+            <a:ext cx="314322" cy="685918"/>
+          </a:xfrm>
+          <a:prstGeom prst="downArrow">
+            <a:avLst/>
+          </a:prstGeom>
+          <a:ln/>
+          <a:extLst>
+            <a:ext uri="{909E8E84-426E-40dd-AFC4-6F175D3DCCD1}">
+              <a14:hiddenFill xmlns="" xmlns:a14="http://schemas.microsoft.com/office/drawing/2010/main">
+                <a:solidFill>
+                  <a:schemeClr val="accent1"/>
+                </a:solidFill>
+              </a14:hiddenFill>
+            </a:ext>
+            <a:ext uri="{91240B29-F687-4f45-9708-019B960494DF}">
+              <a14:hiddenLine xmlns="" xmlns:a14="http://schemas.microsoft.com/office/drawing/2010/main" w="9525" cap="flat" cmpd="sng" algn="ctr">
+                <a:solidFill>
+                  <a:schemeClr val="tx1"/>
+                </a:solidFill>
+                <a:prstDash val="solid"/>
+                <a:round/>
+                <a:headEnd type="none" w="med" len="med"/>
+                <a:tailEnd type="none" w="med" len="med"/>
+              </a14:hiddenLine>
+            </a:ext>
+            <a:ext uri="{AF507438-7753-43e0-B8FC-AC1667EBCBE1}">
+              <a14:hiddenEffects xmlns="" xmlns:a14="http://schemas.microsoft.com/office/drawing/2010/main">
+                <a:effectLst>
+                  <a:outerShdw blurRad="63500" dist="38099" dir="2700000" algn="ctr" rotWithShape="0">
+                    <a:srgbClr val="000000">
+                      <a:alpha val="74998"/>
+                    </a:srgbClr>
+                  </a:outerShdw>
+                </a:effectLst>
+              </a14:hiddenEffects>
+            </a:ext>
+          </a:extLst>
+        </p:spPr>
+        <p:style>
+          <a:lnRef idx="2">
+            <a:schemeClr val="dk1"/>
+          </a:lnRef>
+          <a:fillRef idx="1">
+            <a:schemeClr val="lt1"/>
+          </a:fillRef>
+          <a:effectRef idx="0">
+            <a:schemeClr val="dk1"/>
+          </a:effectRef>
+          <a:fontRef idx="minor">
+            <a:schemeClr val="dk1"/>
+          </a:fontRef>
+        </p:style>
+        <p:txBody>
+          <a:bodyPr vert="horz" wrap="square" lIns="91440" tIns="45720" rIns="91440" bIns="45720" numCol="1" rtlCol="0" anchor="t" anchorCtr="0" compatLnSpc="1">
+            <a:prstTxWarp prst="textNoShape">
+              <a:avLst/>
+            </a:prstTxWarp>
+          </a:bodyPr>
+          <a:lstStyle/>
+          <a:p>
+            <a:pPr marL="0" marR="0" indent="0" algn="l" defTabSz="914400" rtl="0" eaLnBrk="0" fontAlgn="base" latinLnBrk="0" hangingPunct="0">
+              <a:lnSpc>
+                <a:spcPct val="100000"/>
+              </a:lnSpc>
+              <a:spcBef>
+                <a:spcPct val="0"/>
+              </a:spcBef>
+              <a:spcAft>
+                <a:spcPct val="0"/>
+              </a:spcAft>
+              <a:buClrTx/>
+              <a:buSzTx/>
+              <a:buFontTx/>
+              <a:buNone/>
+              <a:tabLst/>
+            </a:pPr>
+            <a:endParaRPr kumimoji="0" lang="it-IT" sz="2400" b="0" i="0" u="none" strike="noStrike" cap="none" normalizeH="0" baseline="0">
+              <a:ln>
+                <a:noFill/>
+              </a:ln>
+              <a:solidFill>
+                <a:srgbClr val="000000"/>
+              </a:solidFill>
+              <a:effectLst/>
+              <a:latin typeface="Arial" charset="0"/>
+              <a:ea typeface="ＭＳ Ｐゴシック" charset="0"/>
+              <a:cs typeface="ＭＳ Ｐゴシック" charset="0"/>
+            </a:endParaRPr>
+          </a:p>
+        </p:txBody>
+      </p:sp>
+      <p:sp>
+        <p:nvSpPr>
+          <p:cNvPr id="7" name="Freccia giù 6">
+            <a:extLst>
+              <a:ext uri="{FF2B5EF4-FFF2-40B4-BE49-F238E27FC236}">
+                <a16:creationId xmlns:a16="http://schemas.microsoft.com/office/drawing/2014/main" id="{05436A61-E770-BCDF-A7AF-016ED521C790}"/>
+              </a:ext>
+            </a:extLst>
+          </p:cNvPr>
+          <p:cNvSpPr/>
+          <p:nvPr/>
+        </p:nvSpPr>
+        <p:spPr bwMode="auto">
+          <a:xfrm rot="1732211" flipH="1">
+            <a:off x="1816502" y="4202045"/>
+            <a:ext cx="314322" cy="648072"/>
+          </a:xfrm>
+          <a:prstGeom prst="downArrow">
+            <a:avLst/>
+          </a:prstGeom>
+          <a:ln/>
+          <a:extLst>
+            <a:ext uri="{909E8E84-426E-40dd-AFC4-6F175D3DCCD1}">
+              <a14:hiddenFill xmlns="" xmlns:a14="http://schemas.microsoft.com/office/drawing/2010/main">
+                <a:solidFill>
+                  <a:schemeClr val="accent1"/>
+                </a:solidFill>
+              </a14:hiddenFill>
+            </a:ext>
+            <a:ext uri="{91240B29-F687-4f45-9708-019B960494DF}">
+              <a14:hiddenLine xmlns="" xmlns:a14="http://schemas.microsoft.com/office/drawing/2010/main" w="9525" cap="flat" cmpd="sng" algn="ctr">
+                <a:solidFill>
+                  <a:schemeClr val="tx1"/>
+                </a:solidFill>
+                <a:prstDash val="solid"/>
+                <a:round/>
+                <a:headEnd type="none" w="med" len="med"/>
+                <a:tailEnd type="none" w="med" len="med"/>
+              </a14:hiddenLine>
+            </a:ext>
+            <a:ext uri="{AF507438-7753-43e0-B8FC-AC1667EBCBE1}">
+              <a14:hiddenEffects xmlns="" xmlns:a14="http://schemas.microsoft.com/office/drawing/2010/main">
+                <a:effectLst>
+                  <a:outerShdw blurRad="63500" dist="38099" dir="2700000" algn="ctr" rotWithShape="0">
+                    <a:srgbClr val="000000">
+                      <a:alpha val="74998"/>
+                    </a:srgbClr>
+                  </a:outerShdw>
+                </a:effectLst>
+              </a14:hiddenEffects>
+            </a:ext>
+          </a:extLst>
+        </p:spPr>
+        <p:style>
+          <a:lnRef idx="2">
+            <a:schemeClr val="dk1"/>
+          </a:lnRef>
+          <a:fillRef idx="1">
+            <a:schemeClr val="lt1"/>
+          </a:fillRef>
+          <a:effectRef idx="0">
+            <a:schemeClr val="dk1"/>
+          </a:effectRef>
+          <a:fontRef idx="minor">
+            <a:schemeClr val="dk1"/>
+          </a:fontRef>
+        </p:style>
+        <p:txBody>
+          <a:bodyPr vert="horz" wrap="square" lIns="91440" tIns="45720" rIns="91440" bIns="45720" numCol="1" rtlCol="0" anchor="t" anchorCtr="0" compatLnSpc="1">
+            <a:prstTxWarp prst="textNoShape">
+              <a:avLst/>
+            </a:prstTxWarp>
+          </a:bodyPr>
+          <a:lstStyle/>
+          <a:p>
+            <a:pPr marL="0" marR="0" indent="0" algn="l" defTabSz="914400" rtl="0" eaLnBrk="0" fontAlgn="base" latinLnBrk="0" hangingPunct="0">
+              <a:lnSpc>
+                <a:spcPct val="100000"/>
+              </a:lnSpc>
+              <a:spcBef>
+                <a:spcPct val="0"/>
+              </a:spcBef>
+              <a:spcAft>
+                <a:spcPct val="0"/>
+              </a:spcAft>
+              <a:buClrTx/>
+              <a:buSzTx/>
+              <a:buFontTx/>
+              <a:buNone/>
+              <a:tabLst/>
+            </a:pPr>
+            <a:endParaRPr kumimoji="0" lang="it-IT" sz="2400" b="0" i="0" u="none" strike="noStrike" cap="none" normalizeH="0" baseline="0">
+              <a:ln>
+                <a:noFill/>
+              </a:ln>
+              <a:solidFill>
+                <a:srgbClr val="000000"/>
+              </a:solidFill>
+              <a:effectLst/>
+              <a:latin typeface="Arial" charset="0"/>
+              <a:ea typeface="ＭＳ Ｐゴシック" charset="0"/>
+              <a:cs typeface="ＭＳ Ｐゴシック" charset="0"/>
+            </a:endParaRPr>
+          </a:p>
+        </p:txBody>
+      </p:sp>
+      <p:sp>
+        <p:nvSpPr>
+          <p:cNvPr id="8" name="Freccia giù 7">
+            <a:extLst>
+              <a:ext uri="{FF2B5EF4-FFF2-40B4-BE49-F238E27FC236}">
+                <a16:creationId xmlns:a16="http://schemas.microsoft.com/office/drawing/2014/main" id="{29EB65B5-EEC6-862F-FD71-068AF2768B2A}"/>
+              </a:ext>
+            </a:extLst>
+          </p:cNvPr>
+          <p:cNvSpPr/>
+          <p:nvPr/>
+        </p:nvSpPr>
+        <p:spPr bwMode="auto">
+          <a:xfrm rot="19475894" flipH="1">
+            <a:off x="4472725" y="4103875"/>
+            <a:ext cx="314322" cy="722584"/>
+          </a:xfrm>
+          <a:prstGeom prst="downArrow">
+            <a:avLst/>
+          </a:prstGeom>
+          <a:ln/>
+          <a:extLst>
+            <a:ext uri="{909E8E84-426E-40dd-AFC4-6F175D3DCCD1}">
+              <a14:hiddenFill xmlns="" xmlns:a14="http://schemas.microsoft.com/office/drawing/2010/main">
+                <a:solidFill>
+                  <a:schemeClr val="accent1"/>
+                </a:solidFill>
+              </a14:hiddenFill>
+            </a:ext>
+            <a:ext uri="{91240B29-F687-4f45-9708-019B960494DF}">
+              <a14:hiddenLine xmlns="" xmlns:a14="http://schemas.microsoft.com/office/drawing/2010/main" w="9525" cap="flat" cmpd="sng" algn="ctr">
+                <a:solidFill>
+                  <a:schemeClr val="tx1"/>
+                </a:solidFill>
+                <a:prstDash val="solid"/>
+                <a:round/>
+                <a:headEnd type="none" w="med" len="med"/>
+                <a:tailEnd type="none" w="med" len="med"/>
+              </a14:hiddenLine>
+            </a:ext>
+            <a:ext uri="{AF507438-7753-43e0-B8FC-AC1667EBCBE1}">
+              <a14:hiddenEffects xmlns="" xmlns:a14="http://schemas.microsoft.com/office/drawing/2010/main">
+                <a:effectLst>
+                  <a:outerShdw blurRad="63500" dist="38099" dir="2700000" algn="ctr" rotWithShape="0">
+                    <a:srgbClr val="000000">
+                      <a:alpha val="74998"/>
+                    </a:srgbClr>
+                  </a:outerShdw>
+                </a:effectLst>
+              </a14:hiddenEffects>
+            </a:ext>
+          </a:extLst>
+        </p:spPr>
+        <p:style>
+          <a:lnRef idx="2">
+            <a:schemeClr val="dk1"/>
+          </a:lnRef>
+          <a:fillRef idx="1">
+            <a:schemeClr val="lt1"/>
+          </a:fillRef>
+          <a:effectRef idx="0">
+            <a:schemeClr val="dk1"/>
+          </a:effectRef>
+          <a:fontRef idx="minor">
+            <a:schemeClr val="dk1"/>
+          </a:fontRef>
+        </p:style>
+        <p:txBody>
+          <a:bodyPr vert="horz" wrap="square" lIns="91440" tIns="45720" rIns="91440" bIns="45720" numCol="1" rtlCol="0" anchor="t" anchorCtr="0" compatLnSpc="1">
+            <a:prstTxWarp prst="textNoShape">
+              <a:avLst/>
+            </a:prstTxWarp>
+          </a:bodyPr>
+          <a:lstStyle/>
+          <a:p>
+            <a:pPr marL="0" marR="0" indent="0" algn="l" defTabSz="914400" rtl="0" eaLnBrk="0" fontAlgn="base" latinLnBrk="0" hangingPunct="0">
+              <a:lnSpc>
+                <a:spcPct val="100000"/>
+              </a:lnSpc>
+              <a:spcBef>
+                <a:spcPct val="0"/>
+              </a:spcBef>
+              <a:spcAft>
+                <a:spcPct val="0"/>
+              </a:spcAft>
+              <a:buClrTx/>
+              <a:buSzTx/>
+              <a:buFontTx/>
+              <a:buNone/>
+              <a:tabLst/>
+            </a:pPr>
+            <a:endParaRPr kumimoji="0" lang="it-IT" sz="2400" b="0" i="0" u="none" strike="noStrike" cap="none" normalizeH="0" baseline="0">
+              <a:ln>
+                <a:noFill/>
+              </a:ln>
+              <a:solidFill>
+                <a:srgbClr val="000000"/>
+              </a:solidFill>
+              <a:effectLst/>
+              <a:latin typeface="Arial" charset="0"/>
+              <a:ea typeface="ＭＳ Ｐゴシック" charset="0"/>
+              <a:cs typeface="ＭＳ Ｐゴシック" charset="0"/>
+            </a:endParaRPr>
+          </a:p>
+        </p:txBody>
+      </p:sp>
+      <p:sp>
+        <p:nvSpPr>
+          <p:cNvPr id="9" name="Freccia destra con strisce 8">
+            <a:extLst>
+              <a:ext uri="{FF2B5EF4-FFF2-40B4-BE49-F238E27FC236}">
+                <a16:creationId xmlns:a16="http://schemas.microsoft.com/office/drawing/2014/main" id="{4A96D5F1-3C69-A408-68D2-BF5FBAADEED8}"/>
+              </a:ext>
+            </a:extLst>
+          </p:cNvPr>
+          <p:cNvSpPr/>
+          <p:nvPr/>
+        </p:nvSpPr>
+        <p:spPr bwMode="auto">
+          <a:xfrm>
+            <a:off x="5076056" y="3933056"/>
+            <a:ext cx="1152128" cy="233379"/>
+          </a:xfrm>
+          <a:prstGeom prst="stripedRightArrow">
+            <a:avLst/>
+          </a:prstGeom>
+          <a:noFill/>
+          <a:ln>
+            <a:noFill/>
+          </a:ln>
+          <a:effectLst/>
+          <a:extLst>
+            <a:ext uri="{909E8E84-426E-40dd-AFC4-6F175D3DCCD1}">
+              <a14:hiddenFill xmlns="" xmlns:a14="http://schemas.microsoft.com/office/drawing/2010/main">
+                <a:solidFill>
+                  <a:schemeClr val="accent1"/>
+                </a:solidFill>
+              </a14:hiddenFill>
+            </a:ext>
+            <a:ext uri="{91240B29-F687-4f45-9708-019B960494DF}">
+              <a14:hiddenLine xmlns="" xmlns:a14="http://schemas.microsoft.com/office/drawing/2010/main" w="9525" cap="flat" cmpd="sng" algn="ctr">
+                <a:solidFill>
+                  <a:schemeClr val="tx1"/>
+                </a:solidFill>
+                <a:prstDash val="solid"/>
+                <a:round/>
+                <a:headEnd type="none" w="med" len="med"/>
+                <a:tailEnd type="none" w="med" len="med"/>
+              </a14:hiddenLine>
+            </a:ext>
+            <a:ext uri="{AF507438-7753-43e0-B8FC-AC1667EBCBE1}">
+              <a14:hiddenEffects xmlns="" xmlns:a14="http://schemas.microsoft.com/office/drawing/2010/main">
+                <a:effectLst>
+                  <a:outerShdw blurRad="63500" dist="38099" dir="2700000" algn="ctr" rotWithShape="0">
+                    <a:srgbClr val="000000">
+                      <a:alpha val="74998"/>
+                    </a:srgbClr>
+                  </a:outerShdw>
+                </a:effectLst>
+              </a14:hiddenEffects>
+            </a:ext>
+          </a:extLst>
+        </p:spPr>
+        <p:txBody>
+          <a:bodyPr vert="horz" wrap="square" lIns="91440" tIns="45720" rIns="91440" bIns="45720" numCol="1" rtlCol="0" anchor="t" anchorCtr="0" compatLnSpc="1">
+            <a:prstTxWarp prst="textNoShape">
+              <a:avLst/>
+            </a:prstTxWarp>
+          </a:bodyPr>
+          <a:lstStyle/>
+          <a:p>
+            <a:pPr marL="0" marR="0" indent="0" algn="l" defTabSz="914400" rtl="0" eaLnBrk="0" fontAlgn="base" latinLnBrk="0" hangingPunct="0">
+              <a:lnSpc>
+                <a:spcPct val="100000"/>
+              </a:lnSpc>
+              <a:spcBef>
+                <a:spcPct val="0"/>
+              </a:spcBef>
+              <a:spcAft>
+                <a:spcPct val="0"/>
+              </a:spcAft>
+              <a:buClrTx/>
+              <a:buSzTx/>
+              <a:buFontTx/>
+              <a:buNone/>
+              <a:tabLst/>
+            </a:pPr>
+            <a:endParaRPr kumimoji="0" lang="it-IT" sz="2400" b="0" i="0" u="none" strike="noStrike" cap="none" normalizeH="0" baseline="0">
+              <a:ln>
+                <a:noFill/>
+              </a:ln>
+              <a:solidFill>
+                <a:srgbClr val="000000"/>
+              </a:solidFill>
+              <a:effectLst/>
+              <a:latin typeface="Arial" charset="0"/>
+              <a:ea typeface="ＭＳ Ｐゴシック" charset="0"/>
+              <a:cs typeface="ＭＳ Ｐゴシック" charset="0"/>
+            </a:endParaRPr>
+          </a:p>
+        </p:txBody>
+      </p:sp>
+      <p:sp>
+        <p:nvSpPr>
+          <p:cNvPr id="10" name="Freccia destra con strisce 9">
+            <a:extLst>
+              <a:ext uri="{FF2B5EF4-FFF2-40B4-BE49-F238E27FC236}">
+                <a16:creationId xmlns:a16="http://schemas.microsoft.com/office/drawing/2014/main" id="{D0D2ACA8-72DF-89C5-9981-96F22EE1C3E0}"/>
+              </a:ext>
+            </a:extLst>
+          </p:cNvPr>
+          <p:cNvSpPr/>
+          <p:nvPr/>
+        </p:nvSpPr>
+        <p:spPr bwMode="auto">
+          <a:xfrm>
+            <a:off x="5007362" y="3745515"/>
+            <a:ext cx="1080120" cy="233379"/>
+          </a:xfrm>
+          <a:prstGeom prst="stripedRightArrow">
+            <a:avLst/>
+          </a:prstGeom>
+          <a:ln/>
+          <a:extLst>
+            <a:ext uri="{909E8E84-426E-40dd-AFC4-6F175D3DCCD1}">
               <a14:hiddenFill xmlns:a14="http://schemas.microsoft.com/office/drawing/2010/main" xmlns="">
                 <a:solidFill>
                   <a:schemeClr val="accent1"/>
@@ -15313,526 +15878,6 @@
       </p:sp>
       <p:sp>
         <p:nvSpPr>
-          <p:cNvPr id="6" name="Freccia giù 5">
-            <a:extLst>
-              <a:ext uri="{FF2B5EF4-FFF2-40B4-BE49-F238E27FC236}">
-                <a16:creationId xmlns:a16="http://schemas.microsoft.com/office/drawing/2014/main" id="{8F595931-B9A2-56CC-01CE-1D569EB2FC8B}"/>
-              </a:ext>
-            </a:extLst>
-          </p:cNvPr>
-          <p:cNvSpPr/>
-          <p:nvPr/>
-        </p:nvSpPr>
-        <p:spPr bwMode="auto">
-          <a:xfrm flipH="1">
-            <a:off x="3677014" y="4159772"/>
-            <a:ext cx="314322" cy="685918"/>
-          </a:xfrm>
-          <a:prstGeom prst="downArrow">
-            <a:avLst/>
-          </a:prstGeom>
-          <a:ln/>
-          <a:extLst>
-            <a:ext uri="{909E8E84-426E-40dd-AFC4-6F175D3DCCD1}">
-              <a14:hiddenFill xmlns:a14="http://schemas.microsoft.com/office/drawing/2010/main" xmlns="">
-                <a:solidFill>
-                  <a:schemeClr val="accent1"/>
-                </a:solidFill>
-              </a14:hiddenFill>
-            </a:ext>
-            <a:ext uri="{91240B29-F687-4f45-9708-019B960494DF}">
-              <a14:hiddenLine xmlns:a14="http://schemas.microsoft.com/office/drawing/2010/main" xmlns="" w="9525" cap="flat" cmpd="sng" algn="ctr">
-                <a:solidFill>
-                  <a:schemeClr val="tx1"/>
-                </a:solidFill>
-                <a:prstDash val="solid"/>
-                <a:round/>
-                <a:headEnd type="none" w="med" len="med"/>
-                <a:tailEnd type="none" w="med" len="med"/>
-              </a14:hiddenLine>
-            </a:ext>
-            <a:ext uri="{AF507438-7753-43e0-B8FC-AC1667EBCBE1}">
-              <a14:hiddenEffects xmlns:a14="http://schemas.microsoft.com/office/drawing/2010/main" xmlns="">
-                <a:effectLst>
-                  <a:outerShdw blurRad="63500" dist="38099" dir="2700000" algn="ctr" rotWithShape="0">
-                    <a:srgbClr val="000000">
-                      <a:alpha val="74998"/>
-                    </a:srgbClr>
-                  </a:outerShdw>
-                </a:effectLst>
-              </a14:hiddenEffects>
-            </a:ext>
-          </a:extLst>
-        </p:spPr>
-        <p:style>
-          <a:lnRef idx="2">
-            <a:schemeClr val="dk1"/>
-          </a:lnRef>
-          <a:fillRef idx="1">
-            <a:schemeClr val="lt1"/>
-          </a:fillRef>
-          <a:effectRef idx="0">
-            <a:schemeClr val="dk1"/>
-          </a:effectRef>
-          <a:fontRef idx="minor">
-            <a:schemeClr val="dk1"/>
-          </a:fontRef>
-        </p:style>
-        <p:txBody>
-          <a:bodyPr vert="horz" wrap="square" lIns="91440" tIns="45720" rIns="91440" bIns="45720" numCol="1" rtlCol="0" anchor="t" anchorCtr="0" compatLnSpc="1">
-            <a:prstTxWarp prst="textNoShape">
-              <a:avLst/>
-            </a:prstTxWarp>
-          </a:bodyPr>
-          <a:lstStyle/>
-          <a:p>
-            <a:pPr marL="0" marR="0" indent="0" algn="l" defTabSz="914400" rtl="0" eaLnBrk="0" fontAlgn="base" latinLnBrk="0" hangingPunct="0">
-              <a:lnSpc>
-                <a:spcPct val="100000"/>
-              </a:lnSpc>
-              <a:spcBef>
-                <a:spcPct val="0"/>
-              </a:spcBef>
-              <a:spcAft>
-                <a:spcPct val="0"/>
-              </a:spcAft>
-              <a:buClrTx/>
-              <a:buSzTx/>
-              <a:buFontTx/>
-              <a:buNone/>
-              <a:tabLst/>
-            </a:pPr>
-            <a:endParaRPr kumimoji="0" lang="it-IT" sz="2400" b="0" i="0" u="none" strike="noStrike" cap="none" normalizeH="0" baseline="0">
-              <a:ln>
-                <a:noFill/>
-              </a:ln>
-              <a:solidFill>
-                <a:srgbClr val="000000"/>
-              </a:solidFill>
-              <a:effectLst/>
-              <a:latin typeface="Arial" charset="0"/>
-              <a:ea typeface="ＭＳ Ｐゴシック" charset="0"/>
-              <a:cs typeface="ＭＳ Ｐゴシック" charset="0"/>
-            </a:endParaRPr>
-          </a:p>
-        </p:txBody>
-      </p:sp>
-      <p:sp>
-        <p:nvSpPr>
-          <p:cNvPr id="7" name="Freccia giù 6">
-            <a:extLst>
-              <a:ext uri="{FF2B5EF4-FFF2-40B4-BE49-F238E27FC236}">
-                <a16:creationId xmlns:a16="http://schemas.microsoft.com/office/drawing/2014/main" id="{05436A61-E770-BCDF-A7AF-016ED521C790}"/>
-              </a:ext>
-            </a:extLst>
-          </p:cNvPr>
-          <p:cNvSpPr/>
-          <p:nvPr/>
-        </p:nvSpPr>
-        <p:spPr bwMode="auto">
-          <a:xfrm rot="1732211" flipH="1">
-            <a:off x="1816502" y="4202045"/>
-            <a:ext cx="314322" cy="648072"/>
-          </a:xfrm>
-          <a:prstGeom prst="downArrow">
-            <a:avLst/>
-          </a:prstGeom>
-          <a:ln/>
-          <a:extLst>
-            <a:ext uri="{909E8E84-426E-40dd-AFC4-6F175D3DCCD1}">
-              <a14:hiddenFill xmlns:a14="http://schemas.microsoft.com/office/drawing/2010/main" xmlns="">
-                <a:solidFill>
-                  <a:schemeClr val="accent1"/>
-                </a:solidFill>
-              </a14:hiddenFill>
-            </a:ext>
-            <a:ext uri="{91240B29-F687-4f45-9708-019B960494DF}">
-              <a14:hiddenLine xmlns:a14="http://schemas.microsoft.com/office/drawing/2010/main" xmlns="" w="9525" cap="flat" cmpd="sng" algn="ctr">
-                <a:solidFill>
-                  <a:schemeClr val="tx1"/>
-                </a:solidFill>
-                <a:prstDash val="solid"/>
-                <a:round/>
-                <a:headEnd type="none" w="med" len="med"/>
-                <a:tailEnd type="none" w="med" len="med"/>
-              </a14:hiddenLine>
-            </a:ext>
-            <a:ext uri="{AF507438-7753-43e0-B8FC-AC1667EBCBE1}">
-              <a14:hiddenEffects xmlns:a14="http://schemas.microsoft.com/office/drawing/2010/main" xmlns="">
-                <a:effectLst>
-                  <a:outerShdw blurRad="63500" dist="38099" dir="2700000" algn="ctr" rotWithShape="0">
-                    <a:srgbClr val="000000">
-                      <a:alpha val="74998"/>
-                    </a:srgbClr>
-                  </a:outerShdw>
-                </a:effectLst>
-              </a14:hiddenEffects>
-            </a:ext>
-          </a:extLst>
-        </p:spPr>
-        <p:style>
-          <a:lnRef idx="2">
-            <a:schemeClr val="dk1"/>
-          </a:lnRef>
-          <a:fillRef idx="1">
-            <a:schemeClr val="lt1"/>
-          </a:fillRef>
-          <a:effectRef idx="0">
-            <a:schemeClr val="dk1"/>
-          </a:effectRef>
-          <a:fontRef idx="minor">
-            <a:schemeClr val="dk1"/>
-          </a:fontRef>
-        </p:style>
-        <p:txBody>
-          <a:bodyPr vert="horz" wrap="square" lIns="91440" tIns="45720" rIns="91440" bIns="45720" numCol="1" rtlCol="0" anchor="t" anchorCtr="0" compatLnSpc="1">
-            <a:prstTxWarp prst="textNoShape">
-              <a:avLst/>
-            </a:prstTxWarp>
-          </a:bodyPr>
-          <a:lstStyle/>
-          <a:p>
-            <a:pPr marL="0" marR="0" indent="0" algn="l" defTabSz="914400" rtl="0" eaLnBrk="0" fontAlgn="base" latinLnBrk="0" hangingPunct="0">
-              <a:lnSpc>
-                <a:spcPct val="100000"/>
-              </a:lnSpc>
-              <a:spcBef>
-                <a:spcPct val="0"/>
-              </a:spcBef>
-              <a:spcAft>
-                <a:spcPct val="0"/>
-              </a:spcAft>
-              <a:buClrTx/>
-              <a:buSzTx/>
-              <a:buFontTx/>
-              <a:buNone/>
-              <a:tabLst/>
-            </a:pPr>
-            <a:endParaRPr kumimoji="0" lang="it-IT" sz="2400" b="0" i="0" u="none" strike="noStrike" cap="none" normalizeH="0" baseline="0">
-              <a:ln>
-                <a:noFill/>
-              </a:ln>
-              <a:solidFill>
-                <a:srgbClr val="000000"/>
-              </a:solidFill>
-              <a:effectLst/>
-              <a:latin typeface="Arial" charset="0"/>
-              <a:ea typeface="ＭＳ Ｐゴシック" charset="0"/>
-              <a:cs typeface="ＭＳ Ｐゴシック" charset="0"/>
-            </a:endParaRPr>
-          </a:p>
-        </p:txBody>
-      </p:sp>
-      <p:sp>
-        <p:nvSpPr>
-          <p:cNvPr id="8" name="Freccia giù 7">
-            <a:extLst>
-              <a:ext uri="{FF2B5EF4-FFF2-40B4-BE49-F238E27FC236}">
-                <a16:creationId xmlns:a16="http://schemas.microsoft.com/office/drawing/2014/main" id="{29EB65B5-EEC6-862F-FD71-068AF2768B2A}"/>
-              </a:ext>
-            </a:extLst>
-          </p:cNvPr>
-          <p:cNvSpPr/>
-          <p:nvPr/>
-        </p:nvSpPr>
-        <p:spPr bwMode="auto">
-          <a:xfrm rot="19475894" flipH="1">
-            <a:off x="4472725" y="4103875"/>
-            <a:ext cx="314322" cy="722584"/>
-          </a:xfrm>
-          <a:prstGeom prst="downArrow">
-            <a:avLst/>
-          </a:prstGeom>
-          <a:ln/>
-          <a:extLst>
-            <a:ext uri="{909E8E84-426E-40dd-AFC4-6F175D3DCCD1}">
-              <a14:hiddenFill xmlns:a14="http://schemas.microsoft.com/office/drawing/2010/main" xmlns="">
-                <a:solidFill>
-                  <a:schemeClr val="accent1"/>
-                </a:solidFill>
-              </a14:hiddenFill>
-            </a:ext>
-            <a:ext uri="{91240B29-F687-4f45-9708-019B960494DF}">
-              <a14:hiddenLine xmlns:a14="http://schemas.microsoft.com/office/drawing/2010/main" xmlns="" w="9525" cap="flat" cmpd="sng" algn="ctr">
-                <a:solidFill>
-                  <a:schemeClr val="tx1"/>
-                </a:solidFill>
-                <a:prstDash val="solid"/>
-                <a:round/>
-                <a:headEnd type="none" w="med" len="med"/>
-                <a:tailEnd type="none" w="med" len="med"/>
-              </a14:hiddenLine>
-            </a:ext>
-            <a:ext uri="{AF507438-7753-43e0-B8FC-AC1667EBCBE1}">
-              <a14:hiddenEffects xmlns:a14="http://schemas.microsoft.com/office/drawing/2010/main" xmlns="">
-                <a:effectLst>
-                  <a:outerShdw blurRad="63500" dist="38099" dir="2700000" algn="ctr" rotWithShape="0">
-                    <a:srgbClr val="000000">
-                      <a:alpha val="74998"/>
-                    </a:srgbClr>
-                  </a:outerShdw>
-                </a:effectLst>
-              </a14:hiddenEffects>
-            </a:ext>
-          </a:extLst>
-        </p:spPr>
-        <p:style>
-          <a:lnRef idx="2">
-            <a:schemeClr val="dk1"/>
-          </a:lnRef>
-          <a:fillRef idx="1">
-            <a:schemeClr val="lt1"/>
-          </a:fillRef>
-          <a:effectRef idx="0">
-            <a:schemeClr val="dk1"/>
-          </a:effectRef>
-          <a:fontRef idx="minor">
-            <a:schemeClr val="dk1"/>
-          </a:fontRef>
-        </p:style>
-        <p:txBody>
-          <a:bodyPr vert="horz" wrap="square" lIns="91440" tIns="45720" rIns="91440" bIns="45720" numCol="1" rtlCol="0" anchor="t" anchorCtr="0" compatLnSpc="1">
-            <a:prstTxWarp prst="textNoShape">
-              <a:avLst/>
-            </a:prstTxWarp>
-          </a:bodyPr>
-          <a:lstStyle/>
-          <a:p>
-            <a:pPr marL="0" marR="0" indent="0" algn="l" defTabSz="914400" rtl="0" eaLnBrk="0" fontAlgn="base" latinLnBrk="0" hangingPunct="0">
-              <a:lnSpc>
-                <a:spcPct val="100000"/>
-              </a:lnSpc>
-              <a:spcBef>
-                <a:spcPct val="0"/>
-              </a:spcBef>
-              <a:spcAft>
-                <a:spcPct val="0"/>
-              </a:spcAft>
-              <a:buClrTx/>
-              <a:buSzTx/>
-              <a:buFontTx/>
-              <a:buNone/>
-              <a:tabLst/>
-            </a:pPr>
-            <a:endParaRPr kumimoji="0" lang="it-IT" sz="2400" b="0" i="0" u="none" strike="noStrike" cap="none" normalizeH="0" baseline="0">
-              <a:ln>
-                <a:noFill/>
-              </a:ln>
-              <a:solidFill>
-                <a:srgbClr val="000000"/>
-              </a:solidFill>
-              <a:effectLst/>
-              <a:latin typeface="Arial" charset="0"/>
-              <a:ea typeface="ＭＳ Ｐゴシック" charset="0"/>
-              <a:cs typeface="ＭＳ Ｐゴシック" charset="0"/>
-            </a:endParaRPr>
-          </a:p>
-        </p:txBody>
-      </p:sp>
-      <p:sp>
-        <p:nvSpPr>
-          <p:cNvPr id="9" name="Freccia destra con strisce 8">
-            <a:extLst>
-              <a:ext uri="{FF2B5EF4-FFF2-40B4-BE49-F238E27FC236}">
-                <a16:creationId xmlns:a16="http://schemas.microsoft.com/office/drawing/2014/main" id="{4A96D5F1-3C69-A408-68D2-BF5FBAADEED8}"/>
-              </a:ext>
-            </a:extLst>
-          </p:cNvPr>
-          <p:cNvSpPr/>
-          <p:nvPr/>
-        </p:nvSpPr>
-        <p:spPr bwMode="auto">
-          <a:xfrm>
-            <a:off x="5076056" y="3933056"/>
-            <a:ext cx="1152128" cy="233379"/>
-          </a:xfrm>
-          <a:prstGeom prst="stripedRightArrow">
-            <a:avLst/>
-          </a:prstGeom>
-          <a:noFill/>
-          <a:ln>
-            <a:noFill/>
-          </a:ln>
-          <a:effectLst/>
-          <a:extLst>
-            <a:ext uri="{909E8E84-426E-40dd-AFC4-6F175D3DCCD1}">
-              <a14:hiddenFill xmlns:a14="http://schemas.microsoft.com/office/drawing/2010/main" xmlns="">
-                <a:solidFill>
-                  <a:schemeClr val="accent1"/>
-                </a:solidFill>
-              </a14:hiddenFill>
-            </a:ext>
-            <a:ext uri="{91240B29-F687-4f45-9708-019B960494DF}">
-              <a14:hiddenLine xmlns:a14="http://schemas.microsoft.com/office/drawing/2010/main" xmlns="" w="9525" cap="flat" cmpd="sng" algn="ctr">
-                <a:solidFill>
-                  <a:schemeClr val="tx1"/>
-                </a:solidFill>
-                <a:prstDash val="solid"/>
-                <a:round/>
-                <a:headEnd type="none" w="med" len="med"/>
-                <a:tailEnd type="none" w="med" len="med"/>
-              </a14:hiddenLine>
-            </a:ext>
-            <a:ext uri="{AF507438-7753-43e0-B8FC-AC1667EBCBE1}">
-              <a14:hiddenEffects xmlns:a14="http://schemas.microsoft.com/office/drawing/2010/main" xmlns="">
-                <a:effectLst>
-                  <a:outerShdw blurRad="63500" dist="38099" dir="2700000" algn="ctr" rotWithShape="0">
-                    <a:srgbClr val="000000">
-                      <a:alpha val="74998"/>
-                    </a:srgbClr>
-                  </a:outerShdw>
-                </a:effectLst>
-              </a14:hiddenEffects>
-            </a:ext>
-          </a:extLst>
-        </p:spPr>
-        <p:txBody>
-          <a:bodyPr vert="horz" wrap="square" lIns="91440" tIns="45720" rIns="91440" bIns="45720" numCol="1" rtlCol="0" anchor="t" anchorCtr="0" compatLnSpc="1">
-            <a:prstTxWarp prst="textNoShape">
-              <a:avLst/>
-            </a:prstTxWarp>
-          </a:bodyPr>
-          <a:lstStyle/>
-          <a:p>
-            <a:pPr marL="0" marR="0" indent="0" algn="l" defTabSz="914400" rtl="0" eaLnBrk="0" fontAlgn="base" latinLnBrk="0" hangingPunct="0">
-              <a:lnSpc>
-                <a:spcPct val="100000"/>
-              </a:lnSpc>
-              <a:spcBef>
-                <a:spcPct val="0"/>
-              </a:spcBef>
-              <a:spcAft>
-                <a:spcPct val="0"/>
-              </a:spcAft>
-              <a:buClrTx/>
-              <a:buSzTx/>
-              <a:buFontTx/>
-              <a:buNone/>
-              <a:tabLst/>
-            </a:pPr>
-            <a:endParaRPr kumimoji="0" lang="it-IT" sz="2400" b="0" i="0" u="none" strike="noStrike" cap="none" normalizeH="0" baseline="0">
-              <a:ln>
-                <a:noFill/>
-              </a:ln>
-              <a:solidFill>
-                <a:srgbClr val="000000"/>
-              </a:solidFill>
-              <a:effectLst/>
-              <a:latin typeface="Arial" charset="0"/>
-              <a:ea typeface="ＭＳ Ｐゴシック" charset="0"/>
-              <a:cs typeface="ＭＳ Ｐゴシック" charset="0"/>
-            </a:endParaRPr>
-          </a:p>
-        </p:txBody>
-      </p:sp>
-      <p:sp>
-        <p:nvSpPr>
-          <p:cNvPr id="10" name="Freccia destra con strisce 9">
-            <a:extLst>
-              <a:ext uri="{FF2B5EF4-FFF2-40B4-BE49-F238E27FC236}">
-                <a16:creationId xmlns:a16="http://schemas.microsoft.com/office/drawing/2014/main" id="{D0D2ACA8-72DF-89C5-9981-96F22EE1C3E0}"/>
-              </a:ext>
-            </a:extLst>
-          </p:cNvPr>
-          <p:cNvSpPr/>
-          <p:nvPr/>
-        </p:nvSpPr>
-        <p:spPr bwMode="auto">
-          <a:xfrm>
-            <a:off x="5007362" y="3745515"/>
-            <a:ext cx="1080120" cy="233379"/>
-          </a:xfrm>
-          <a:prstGeom prst="stripedRightArrow">
-            <a:avLst/>
-          </a:prstGeom>
-          <a:ln/>
-          <a:extLst>
-            <a:ext uri="{909E8E84-426E-40dd-AFC4-6F175D3DCCD1}">
-              <a14:hiddenFill xmlns="" xmlns:a14="http://schemas.microsoft.com/office/drawing/2010/main">
-                <a:solidFill>
-                  <a:schemeClr val="accent1"/>
-                </a:solidFill>
-              </a14:hiddenFill>
-            </a:ext>
-            <a:ext uri="{91240B29-F687-4f45-9708-019B960494DF}">
-              <a14:hiddenLine xmlns="" xmlns:a14="http://schemas.microsoft.com/office/drawing/2010/main" w="9525" cap="flat" cmpd="sng" algn="ctr">
-                <a:solidFill>
-                  <a:schemeClr val="tx1"/>
-                </a:solidFill>
-                <a:prstDash val="solid"/>
-                <a:round/>
-                <a:headEnd type="none" w="med" len="med"/>
-                <a:tailEnd type="none" w="med" len="med"/>
-              </a14:hiddenLine>
-            </a:ext>
-            <a:ext uri="{AF507438-7753-43e0-B8FC-AC1667EBCBE1}">
-              <a14:hiddenEffects xmlns="" xmlns:a14="http://schemas.microsoft.com/office/drawing/2010/main">
-                <a:effectLst>
-                  <a:outerShdw blurRad="63500" dist="38099" dir="2700000" algn="ctr" rotWithShape="0">
-                    <a:srgbClr val="000000">
-                      <a:alpha val="74998"/>
-                    </a:srgbClr>
-                  </a:outerShdw>
-                </a:effectLst>
-              </a14:hiddenEffects>
-            </a:ext>
-          </a:extLst>
-        </p:spPr>
-        <p:style>
-          <a:lnRef idx="2">
-            <a:schemeClr val="dk1"/>
-          </a:lnRef>
-          <a:fillRef idx="1">
-            <a:schemeClr val="lt1"/>
-          </a:fillRef>
-          <a:effectRef idx="0">
-            <a:schemeClr val="dk1"/>
-          </a:effectRef>
-          <a:fontRef idx="minor">
-            <a:schemeClr val="dk1"/>
-          </a:fontRef>
-        </p:style>
-        <p:txBody>
-          <a:bodyPr vert="horz" wrap="square" lIns="91440" tIns="45720" rIns="91440" bIns="45720" numCol="1" rtlCol="0" anchor="t" anchorCtr="0" compatLnSpc="1">
-            <a:prstTxWarp prst="textNoShape">
-              <a:avLst/>
-            </a:prstTxWarp>
-          </a:bodyPr>
-          <a:lstStyle/>
-          <a:p>
-            <a:pPr marL="0" marR="0" indent="0" algn="l" defTabSz="914400" rtl="0" eaLnBrk="0" fontAlgn="base" latinLnBrk="0" hangingPunct="0">
-              <a:lnSpc>
-                <a:spcPct val="100000"/>
-              </a:lnSpc>
-              <a:spcBef>
-                <a:spcPct val="0"/>
-              </a:spcBef>
-              <a:spcAft>
-                <a:spcPct val="0"/>
-              </a:spcAft>
-              <a:buClrTx/>
-              <a:buSzTx/>
-              <a:buFontTx/>
-              <a:buNone/>
-              <a:tabLst/>
-            </a:pPr>
-            <a:endParaRPr kumimoji="0" lang="it-IT" sz="2400" b="0" i="0" u="none" strike="noStrike" cap="none" normalizeH="0" baseline="0">
-              <a:ln>
-                <a:noFill/>
-              </a:ln>
-              <a:solidFill>
-                <a:srgbClr val="000000"/>
-              </a:solidFill>
-              <a:effectLst/>
-              <a:latin typeface="Arial" charset="0"/>
-              <a:ea typeface="ＭＳ Ｐゴシック" charset="0"/>
-              <a:cs typeface="ＭＳ Ｐゴシック" charset="0"/>
-            </a:endParaRPr>
-          </a:p>
-        </p:txBody>
-      </p:sp>
-      <p:sp>
-        <p:nvSpPr>
           <p:cNvPr id="11" name="CasellaDiTesto 10">
             <a:extLst>
               <a:ext uri="{FF2B5EF4-FFF2-40B4-BE49-F238E27FC236}">
@@ -16005,14 +16050,14 @@
           <a:ln/>
           <a:extLst>
             <a:ext uri="{909E8E84-426E-40dd-AFC4-6F175D3DCCD1}">
-              <a14:hiddenFill xmlns="" xmlns:a14="http://schemas.microsoft.com/office/drawing/2010/main">
+              <a14:hiddenFill xmlns:a14="http://schemas.microsoft.com/office/drawing/2010/main" xmlns="">
                 <a:solidFill>
                   <a:schemeClr val="accent1"/>
                 </a:solidFill>
               </a14:hiddenFill>
             </a:ext>
             <a:ext uri="{91240B29-F687-4f45-9708-019B960494DF}">
-              <a14:hiddenLine xmlns="" xmlns:a14="http://schemas.microsoft.com/office/drawing/2010/main" w="9525" cap="flat" cmpd="sng" algn="ctr">
+              <a14:hiddenLine xmlns:a14="http://schemas.microsoft.com/office/drawing/2010/main" xmlns="" w="9525" cap="flat" cmpd="sng" algn="ctr">
                 <a:solidFill>
                   <a:schemeClr val="tx1"/>
                 </a:solidFill>
@@ -16023,7 +16068,7 @@
               </a14:hiddenLine>
             </a:ext>
             <a:ext uri="{AF507438-7753-43e0-B8FC-AC1667EBCBE1}">
-              <a14:hiddenEffects xmlns="" xmlns:a14="http://schemas.microsoft.com/office/drawing/2010/main">
+              <a14:hiddenEffects xmlns:a14="http://schemas.microsoft.com/office/drawing/2010/main" xmlns="">
                 <a:effectLst>
                   <a:outerShdw blurRad="63500" dist="38099" dir="2700000" algn="ctr" rotWithShape="0">
                     <a:srgbClr val="000000">
@@ -16205,15 +16250,31 @@
               <a:rPr lang="it-IT" dirty="0" err="1"/>
               <a:t>evaluation</a:t>
             </a:r>
+            <a:r>
+              <a:rPr lang="it-IT" dirty="0"/>
+              <a:t/>
+            </a:r>
             <a:br>
               <a:rPr lang="it-IT" dirty="0"/>
             </a:br>
+            <a:r>
+              <a:rPr lang="it-IT" dirty="0"/>
+              <a:t/>
+            </a:r>
             <a:br>
               <a:rPr lang="it-IT" dirty="0"/>
             </a:br>
+            <a:r>
+              <a:rPr lang="it-IT" dirty="0"/>
+              <a:t/>
+            </a:r>
             <a:br>
               <a:rPr lang="it-IT" dirty="0"/>
             </a:br>
+            <a:r>
+              <a:rPr lang="it-IT" dirty="0"/>
+              <a:t/>
+            </a:r>
             <a:br>
               <a:rPr lang="it-IT" dirty="0"/>
             </a:br>
@@ -16495,7 +16556,7 @@
           <a:blip r:embed="rId3">
             <a:extLst>
               <a:ext uri="{837473B0-CC2E-450A-ABE3-18F120FF3D39}">
-                <a1611:picAttrSrcUrl xmlns:a1611="http://schemas.microsoft.com/office/drawing/2016/11/main" r:id="rId4"/>
+                <a1611:picAttrSrcUrl xmlns:a1611="http://schemas.microsoft.com/office/drawing/2016/11/main" xmlns="" r:id="rId4"/>
               </a:ext>
             </a:extLst>
           </a:blip>
@@ -17052,14 +17113,14 @@
           <a:ln/>
           <a:extLst>
             <a:ext uri="{909E8E84-426E-40dd-AFC4-6F175D3DCCD1}">
-              <a14:hiddenFill xmlns="" xmlns:a14="http://schemas.microsoft.com/office/drawing/2010/main">
+              <a14:hiddenFill xmlns:a14="http://schemas.microsoft.com/office/drawing/2010/main" xmlns="">
                 <a:solidFill>
                   <a:schemeClr val="accent1"/>
                 </a:solidFill>
               </a14:hiddenFill>
             </a:ext>
             <a:ext uri="{91240B29-F687-4f45-9708-019B960494DF}">
-              <a14:hiddenLine xmlns="" xmlns:a14="http://schemas.microsoft.com/office/drawing/2010/main" w="9525" cap="flat" cmpd="sng" algn="ctr">
+              <a14:hiddenLine xmlns:a14="http://schemas.microsoft.com/office/drawing/2010/main" xmlns="" w="9525" cap="flat" cmpd="sng" algn="ctr">
                 <a:solidFill>
                   <a:schemeClr val="tx1"/>
                 </a:solidFill>
@@ -17070,7 +17131,7 @@
               </a14:hiddenLine>
             </a:ext>
             <a:ext uri="{AF507438-7753-43e0-B8FC-AC1667EBCBE1}">
-              <a14:hiddenEffects xmlns="" xmlns:a14="http://schemas.microsoft.com/office/drawing/2010/main">
+              <a14:hiddenEffects xmlns:a14="http://schemas.microsoft.com/office/drawing/2010/main" xmlns="">
                 <a:effectLst>
                   <a:outerShdw blurRad="63500" dist="38099" dir="2700000" algn="ctr" rotWithShape="0">
                     <a:srgbClr val="000000">
@@ -18028,14 +18089,14 @@
         <a:effectLst/>
         <a:extLst>
           <a:ext uri="{909E8E84-426E-40dd-AFC4-6F175D3DCCD1}">
-            <a14:hiddenFill xmlns:a14="http://schemas.microsoft.com/office/drawing/2010/main" xmlns="">
+            <a14:hiddenFill xmlns="" xmlns:a14="http://schemas.microsoft.com/office/drawing/2010/main">
               <a:solidFill>
                 <a:schemeClr val="accent1"/>
               </a:solidFill>
             </a14:hiddenFill>
           </a:ext>
           <a:ext uri="{91240B29-F687-4f45-9708-019B960494DF}">
-            <a14:hiddenLine xmlns:a14="http://schemas.microsoft.com/office/drawing/2010/main" xmlns="" w="9525" cap="flat" cmpd="sng" algn="ctr">
+            <a14:hiddenLine xmlns="" xmlns:a14="http://schemas.microsoft.com/office/drawing/2010/main" w="9525" cap="flat" cmpd="sng" algn="ctr">
               <a:solidFill>
                 <a:schemeClr val="tx1"/>
               </a:solidFill>
@@ -18046,7 +18107,7 @@
             </a14:hiddenLine>
           </a:ext>
           <a:ext uri="{AF507438-7753-43e0-B8FC-AC1667EBCBE1}">
-            <a14:hiddenEffects xmlns:a14="http://schemas.microsoft.com/office/drawing/2010/main" xmlns="">
+            <a14:hiddenEffects xmlns="" xmlns:a14="http://schemas.microsoft.com/office/drawing/2010/main">
               <a:effectLst>
                 <a:outerShdw blurRad="63500" dist="38099" dir="2700000" algn="ctr" rotWithShape="0">
                   <a:srgbClr val="000000">
@@ -18115,14 +18176,14 @@
         <a:effectLst/>
         <a:extLst>
           <a:ext uri="{909E8E84-426E-40dd-AFC4-6F175D3DCCD1}">
-            <a14:hiddenFill xmlns:a14="http://schemas.microsoft.com/office/drawing/2010/main" xmlns="">
+            <a14:hiddenFill xmlns="" xmlns:a14="http://schemas.microsoft.com/office/drawing/2010/main">
               <a:solidFill>
                 <a:schemeClr val="accent1"/>
               </a:solidFill>
             </a14:hiddenFill>
           </a:ext>
           <a:ext uri="{91240B29-F687-4f45-9708-019B960494DF}">
-            <a14:hiddenLine xmlns:a14="http://schemas.microsoft.com/office/drawing/2010/main" xmlns="" w="9525" cap="flat" cmpd="sng" algn="ctr">
+            <a14:hiddenLine xmlns="" xmlns:a14="http://schemas.microsoft.com/office/drawing/2010/main" w="9525" cap="flat" cmpd="sng" algn="ctr">
               <a:solidFill>
                 <a:schemeClr val="tx1"/>
               </a:solidFill>
@@ -18133,7 +18194,7 @@
             </a14:hiddenLine>
           </a:ext>
           <a:ext uri="{AF507438-7753-43e0-B8FC-AC1667EBCBE1}">
-            <a14:hiddenEffects xmlns:a14="http://schemas.microsoft.com/office/drawing/2010/main" xmlns="">
+            <a14:hiddenEffects xmlns="" xmlns:a14="http://schemas.microsoft.com/office/drawing/2010/main">
               <a:effectLst>
                 <a:outerShdw blurRad="63500" dist="38099" dir="2700000" algn="ctr" rotWithShape="0">
                   <a:srgbClr val="000000">
